--- a/Госы/Домашнее задание Мансуров.pptx
+++ b/Госы/Домашнее задание Мансуров.pptx
@@ -5,15 +5,14 @@
     <p:sldMasterId id="2147483648" r:id="rId1"/>
   </p:sldMasterIdLst>
   <p:notesMasterIdLst>
-    <p:notesMasterId r:id="rId8"/>
+    <p:notesMasterId r:id="rId7"/>
   </p:notesMasterIdLst>
   <p:sldIdLst>
     <p:sldId id="306" r:id="rId2"/>
     <p:sldId id="264" r:id="rId3"/>
     <p:sldId id="311" r:id="rId4"/>
-    <p:sldId id="310" r:id="rId5"/>
-    <p:sldId id="308" r:id="rId6"/>
-    <p:sldId id="309" r:id="rId7"/>
+    <p:sldId id="308" r:id="rId5"/>
+    <p:sldId id="309" r:id="rId6"/>
   </p:sldIdLst>
   <p:sldSz cx="9144000" cy="5143500" type="screen16x9"/>
   <p:notesSz cx="6858000" cy="9144000"/>
@@ -224,7 +223,7 @@
             <a:fld id="{8A2956D5-2046-4B16-B158-28749009537F}" type="datetimeFigureOut">
               <a:rPr lang="ru-RU" smtClean="0"/>
               <a:pPr/>
-              <a:t>16.05.2023</a:t>
+              <a:t>17.05.2023</a:t>
             </a:fld>
             <a:endParaRPr lang="ru-RU"/>
           </a:p>
@@ -583,96 +582,6 @@
 </p:notes>
 </file>
 
-<file path=ppt/notesSlides/notesSlide2.xml><?xml version="1.0" encoding="utf-8"?>
-<p:notes xmlns:a="http://schemas.openxmlformats.org/drawingml/2006/main" xmlns:r="http://schemas.openxmlformats.org/officeDocument/2006/relationships" xmlns:p="http://schemas.openxmlformats.org/presentationml/2006/main">
-  <p:cSld>
-    <p:spTree>
-      <p:nvGrpSpPr>
-        <p:cNvPr id="1" name=""/>
-        <p:cNvGrpSpPr/>
-        <p:nvPr/>
-      </p:nvGrpSpPr>
-      <p:grpSpPr>
-        <a:xfrm>
-          <a:off x="0" y="0"/>
-          <a:ext cx="0" cy="0"/>
-          <a:chOff x="0" y="0"/>
-          <a:chExt cx="0" cy="0"/>
-        </a:xfrm>
-      </p:grpSpPr>
-      <p:sp>
-        <p:nvSpPr>
-          <p:cNvPr id="2" name="Образ слайда 1"/>
-          <p:cNvSpPr>
-            <a:spLocks noGrp="1" noRot="1" noChangeAspect="1"/>
-          </p:cNvSpPr>
-          <p:nvPr>
-            <p:ph type="sldImg"/>
-          </p:nvPr>
-        </p:nvSpPr>
-        <p:spPr>
-          <a:xfrm>
-            <a:off x="685800" y="1143000"/>
-            <a:ext cx="5486400" cy="3086100"/>
-          </a:xfrm>
-        </p:spPr>
-      </p:sp>
-      <p:sp>
-        <p:nvSpPr>
-          <p:cNvPr id="3" name="Заметки 2"/>
-          <p:cNvSpPr>
-            <a:spLocks noGrp="1"/>
-          </p:cNvSpPr>
-          <p:nvPr>
-            <p:ph type="body" idx="1"/>
-          </p:nvPr>
-        </p:nvSpPr>
-        <p:spPr/>
-        <p:txBody>
-          <a:bodyPr/>
-          <a:lstStyle/>
-          <a:p>
-            <a:endParaRPr lang="ru-RU"/>
-          </a:p>
-        </p:txBody>
-      </p:sp>
-      <p:sp>
-        <p:nvSpPr>
-          <p:cNvPr id="4" name="Номер слайда 3"/>
-          <p:cNvSpPr>
-            <a:spLocks noGrp="1"/>
-          </p:cNvSpPr>
-          <p:nvPr>
-            <p:ph type="sldNum" sz="quarter" idx="10"/>
-          </p:nvPr>
-        </p:nvSpPr>
-        <p:spPr/>
-        <p:txBody>
-          <a:bodyPr/>
-          <a:lstStyle/>
-          <a:p>
-            <a:fld id="{F0F4E2F1-1521-4C3A-A563-2F7D19AB6E0B}" type="slidenum">
-              <a:rPr lang="en-US" smtClean="0"/>
-              <a:pPr/>
-              <a:t>4</a:t>
-            </a:fld>
-            <a:endParaRPr lang="en-US"/>
-          </a:p>
-        </p:txBody>
-      </p:sp>
-    </p:spTree>
-    <p:extLst>
-      <p:ext uri="{BB962C8B-B14F-4D97-AF65-F5344CB8AC3E}">
-        <p14:creationId xmlns:p14="http://schemas.microsoft.com/office/powerpoint/2010/main" val="2020932089"/>
-      </p:ext>
-    </p:extLst>
-  </p:cSld>
-  <p:clrMapOvr>
-    <a:masterClrMapping/>
-  </p:clrMapOvr>
-</p:notes>
-</file>
-
 <file path=ppt/slideLayouts/slideLayout1.xml><?xml version="1.0" encoding="utf-8"?>
 <p:sldLayout xmlns:a="http://schemas.openxmlformats.org/drawingml/2006/main" xmlns:r="http://schemas.openxmlformats.org/officeDocument/2006/relationships" xmlns:p="http://schemas.openxmlformats.org/presentationml/2006/main" type="title" preserve="1">
   <p:cSld name="Титульный слайд">
@@ -805,7 +714,7 @@
             <a:fld id="{668F77C6-B837-4C28-B069-E60D1A7F8F4C}" type="datetime1">
               <a:rPr lang="ru-RU" smtClean="0"/>
               <a:pPr/>
-              <a:t>16.05.2023</a:t>
+              <a:t>17.05.2023</a:t>
             </a:fld>
             <a:endParaRPr lang="ru-RU"/>
           </a:p>
@@ -977,7 +886,7 @@
             <a:fld id="{E15233C2-C826-421D-8751-732F81C941BB}" type="datetime1">
               <a:rPr lang="ru-RU" smtClean="0"/>
               <a:pPr/>
-              <a:t>16.05.2023</a:t>
+              <a:t>17.05.2023</a:t>
             </a:fld>
             <a:endParaRPr lang="ru-RU"/>
           </a:p>
@@ -1159,7 +1068,7 @@
             <a:fld id="{F047989F-906F-40DE-BA90-D14E94A416BA}" type="datetime1">
               <a:rPr lang="ru-RU" smtClean="0"/>
               <a:pPr/>
-              <a:t>16.05.2023</a:t>
+              <a:t>17.05.2023</a:t>
             </a:fld>
             <a:endParaRPr lang="ru-RU"/>
           </a:p>
@@ -1212,136 +1121,6 @@
     <p:extLst>
       <p:ext uri="{BB962C8B-B14F-4D97-AF65-F5344CB8AC3E}">
         <p14:creationId xmlns:p14="http://schemas.microsoft.com/office/powerpoint/2010/main" val="482804446"/>
-      </p:ext>
-    </p:extLst>
-  </p:cSld>
-  <p:clrMapOvr>
-    <a:masterClrMapping/>
-  </p:clrMapOvr>
-</p:sldLayout>
-</file>
-
-<file path=ppt/slideLayouts/slideLayout12.xml><?xml version="1.0" encoding="utf-8"?>
-<p:sldLayout xmlns:a="http://schemas.openxmlformats.org/drawingml/2006/main" xmlns:r="http://schemas.openxmlformats.org/officeDocument/2006/relationships" xmlns:p="http://schemas.openxmlformats.org/presentationml/2006/main" userDrawn="1">
-  <p:cSld name="Пользовательский макет">
-    <p:spTree>
-      <p:nvGrpSpPr>
-        <p:cNvPr id="1" name=""/>
-        <p:cNvGrpSpPr/>
-        <p:nvPr/>
-      </p:nvGrpSpPr>
-      <p:grpSpPr>
-        <a:xfrm>
-          <a:off x="0" y="0"/>
-          <a:ext cx="0" cy="0"/>
-          <a:chOff x="0" y="0"/>
-          <a:chExt cx="0" cy="0"/>
-        </a:xfrm>
-      </p:grpSpPr>
-      <p:sp>
-        <p:nvSpPr>
-          <p:cNvPr id="2" name="Заголовок 1"/>
-          <p:cNvSpPr>
-            <a:spLocks noGrp="1"/>
-          </p:cNvSpPr>
-          <p:nvPr>
-            <p:ph type="title"/>
-          </p:nvPr>
-        </p:nvSpPr>
-        <p:spPr>
-          <a:xfrm>
-            <a:off x="0" y="4423"/>
-            <a:ext cx="9144000" cy="711993"/>
-          </a:xfrm>
-        </p:spPr>
-        <p:txBody>
-          <a:bodyPr/>
-          <a:lstStyle>
-            <a:lvl1pPr algn="ctr">
-              <a:defRPr sz="2025" b="1">
-                <a:latin typeface="Times New Roman" panose="02020603050405020304" pitchFamily="18" charset="0"/>
-                <a:cs typeface="Times New Roman" panose="02020603050405020304" pitchFamily="18" charset="0"/>
-              </a:defRPr>
-            </a:lvl1pPr>
-          </a:lstStyle>
-          <a:p>
-            <a:r>
-              <a:rPr lang="ru-RU" dirty="0"/>
-              <a:t>Образец заголовка</a:t>
-            </a:r>
-          </a:p>
-        </p:txBody>
-      </p:sp>
-      <p:sp>
-        <p:nvSpPr>
-          <p:cNvPr id="7" name="Номер слайда 3">
-            <a:extLst>
-              <a:ext uri="{FF2B5EF4-FFF2-40B4-BE49-F238E27FC236}">
-                <a16:creationId xmlns:a16="http://schemas.microsoft.com/office/drawing/2014/main" id="{3DF48714-7FE4-4364-BF9D-28B9C9E2979D}"/>
-              </a:ext>
-            </a:extLst>
-          </p:cNvPr>
-          <p:cNvSpPr>
-            <a:spLocks noGrp="1"/>
-          </p:cNvSpPr>
-          <p:nvPr>
-            <p:ph type="sldNum" sz="quarter" idx="12"/>
-          </p:nvPr>
-        </p:nvSpPr>
-        <p:spPr>
-          <a:xfrm>
-            <a:off x="8458200" y="4782200"/>
-            <a:ext cx="685800" cy="361301"/>
-          </a:xfrm>
-          <a:prstGeom prst="rect">
-            <a:avLst/>
-          </a:prstGeom>
-        </p:spPr>
-        <p:txBody>
-          <a:bodyPr/>
-          <a:lstStyle/>
-          <a:p>
-            <a:fld id="{3EC42A18-3AB2-40E5-884A-7E072263AE64}" type="slidenum">
-              <a:rPr lang="en-US" b="1" smtClean="0">
-                <a:solidFill>
-                  <a:srgbClr val="292929"/>
-                </a:solidFill>
-                <a:latin typeface="Bookman Old Style" panose="02050604050505020204" pitchFamily="18" charset="0"/>
-              </a:rPr>
-              <a:pPr/>
-              <a:t>‹#›</a:t>
-            </a:fld>
-            <a:r>
-              <a:rPr lang="en-US" sz="1050" b="1" dirty="0">
-                <a:solidFill>
-                  <a:srgbClr val="5A5A5A"/>
-                </a:solidFill>
-                <a:latin typeface="Bookman Old Style" panose="02050604050505020204" pitchFamily="18" charset="0"/>
-              </a:rPr>
-              <a:t>/</a:t>
-            </a:r>
-            <a:r>
-              <a:rPr lang="ru-RU" sz="1050" b="1" dirty="0">
-                <a:solidFill>
-                  <a:srgbClr val="5A5A5A"/>
-                </a:solidFill>
-                <a:latin typeface="Bookman Old Style" panose="02050604050505020204" pitchFamily="18" charset="0"/>
-              </a:rPr>
-              <a:t>58</a:t>
-            </a:r>
-            <a:endParaRPr lang="en-US" sz="1050" b="1" dirty="0">
-              <a:solidFill>
-                <a:srgbClr val="5A5A5A"/>
-              </a:solidFill>
-              <a:latin typeface="Bookman Old Style" panose="02050604050505020204" pitchFamily="18" charset="0"/>
-            </a:endParaRPr>
-          </a:p>
-        </p:txBody>
-      </p:sp>
-    </p:spTree>
-    <p:extLst>
-      <p:ext uri="{BB962C8B-B14F-4D97-AF65-F5344CB8AC3E}">
-        <p14:creationId xmlns:p14="http://schemas.microsoft.com/office/powerpoint/2010/main" val="3984522159"/>
       </p:ext>
     </p:extLst>
   </p:cSld>
@@ -1461,7 +1240,7 @@
             <a:fld id="{D56CFF60-0E50-453A-81B9-424AB7DE66CD}" type="datetime1">
               <a:rPr lang="ru-RU" smtClean="0"/>
               <a:pPr/>
-              <a:t>16.05.2023</a:t>
+              <a:t>17.05.2023</a:t>
             </a:fld>
             <a:endParaRPr lang="ru-RU"/>
           </a:p>
@@ -1713,7 +1492,7 @@
             <a:fld id="{1EADCEAB-127F-4906-8280-7B6697A13E33}" type="datetime1">
               <a:rPr lang="ru-RU" smtClean="0"/>
               <a:pPr/>
-              <a:t>16.05.2023</a:t>
+              <a:t>17.05.2023</a:t>
             </a:fld>
             <a:endParaRPr lang="ru-RU"/>
           </a:p>
@@ -1947,7 +1726,7 @@
             <a:fld id="{772B70F3-DD83-40E6-8787-116CC1402285}" type="datetime1">
               <a:rPr lang="ru-RU" smtClean="0"/>
               <a:pPr/>
-              <a:t>16.05.2023</a:t>
+              <a:t>17.05.2023</a:t>
             </a:fld>
             <a:endParaRPr lang="ru-RU"/>
           </a:p>
@@ -2316,7 +2095,7 @@
             <a:fld id="{EFBC4BE1-28D4-4D8B-A423-5A2E1BA6934C}" type="datetime1">
               <a:rPr lang="ru-RU" smtClean="0"/>
               <a:pPr/>
-              <a:t>16.05.2023</a:t>
+              <a:t>17.05.2023</a:t>
             </a:fld>
             <a:endParaRPr lang="ru-RU"/>
           </a:p>
@@ -2436,7 +2215,7 @@
             <a:fld id="{6B7A375C-D316-441C-BBA4-36702FCEB310}" type="datetime1">
               <a:rPr lang="ru-RU" smtClean="0"/>
               <a:pPr/>
-              <a:t>16.05.2023</a:t>
+              <a:t>17.05.2023</a:t>
             </a:fld>
             <a:endParaRPr lang="ru-RU"/>
           </a:p>
@@ -2533,7 +2312,7 @@
             <a:fld id="{3EE6ABA4-7B05-4C08-9A73-CF8D6885218A}" type="datetime1">
               <a:rPr lang="ru-RU" smtClean="0"/>
               <a:pPr/>
-              <a:t>16.05.2023</a:t>
+              <a:t>17.05.2023</a:t>
             </a:fld>
             <a:endParaRPr lang="ru-RU"/>
           </a:p>
@@ -2812,7 +2591,7 @@
             <a:fld id="{F7A499FF-A70C-4AC7-8F4A-A5151C1A7370}" type="datetime1">
               <a:rPr lang="ru-RU" smtClean="0"/>
               <a:pPr/>
-              <a:t>16.05.2023</a:t>
+              <a:t>17.05.2023</a:t>
             </a:fld>
             <a:endParaRPr lang="ru-RU"/>
           </a:p>
@@ -3067,7 +2846,7 @@
             <a:fld id="{52FB4F09-8D8A-4907-99B4-463641EA0A07}" type="datetime1">
               <a:rPr lang="ru-RU" smtClean="0"/>
               <a:pPr/>
-              <a:t>16.05.2023</a:t>
+              <a:t>17.05.2023</a:t>
             </a:fld>
             <a:endParaRPr lang="ru-RU"/>
           </a:p>
@@ -3282,7 +3061,7 @@
             <a:fld id="{96489DF9-334F-4539-8237-D412EE1173F0}" type="datetime1">
               <a:rPr lang="ru-RU" smtClean="0"/>
               <a:pPr/>
-              <a:t>16.05.2023</a:t>
+              <a:t>17.05.2023</a:t>
             </a:fld>
             <a:endParaRPr lang="ru-RU"/>
           </a:p>
@@ -3387,7 +3166,6 @@
     <p:sldLayoutId id="2147483657" r:id="rId9"/>
     <p:sldLayoutId id="2147483658" r:id="rId10"/>
     <p:sldLayoutId id="2147483659" r:id="rId11"/>
-    <p:sldLayoutId id="2147483660" r:id="rId12"/>
   </p:sldLayoutIdLst>
   <p:hf hdr="0" ftr="0" dt="0"/>
   <p:txStyles>
@@ -3806,7 +3584,7 @@
           <p:cNvPr id="6" name="Заголовок 16">
             <a:extLst>
               <a:ext uri="{FF2B5EF4-FFF2-40B4-BE49-F238E27FC236}">
-                <a16:creationId xmlns:a16="http://schemas.microsoft.com/office/drawing/2014/main" id="{85FFDCB6-DCBF-4F9C-90C4-2AB70E81D8A0}"/>
+                <a16:creationId xmlns:a16="http://schemas.microsoft.com/office/drawing/2014/main" xmlns="" id="{85FFDCB6-DCBF-4F9C-90C4-2AB70E81D8A0}"/>
               </a:ext>
             </a:extLst>
           </p:cNvPr>
@@ -3872,7 +3650,7 @@
           <p:cNvPr id="9" name="TextBox 8">
             <a:extLst>
               <a:ext uri="{FF2B5EF4-FFF2-40B4-BE49-F238E27FC236}">
-                <a16:creationId xmlns:a16="http://schemas.microsoft.com/office/drawing/2014/main" id="{769CF103-AC91-48FF-AA34-D8B9DB5E2763}"/>
+                <a16:creationId xmlns:a16="http://schemas.microsoft.com/office/drawing/2014/main" xmlns="" id="{769CF103-AC91-48FF-AA34-D8B9DB5E2763}"/>
               </a:ext>
             </a:extLst>
           </p:cNvPr>
@@ -4000,7 +3778,7 @@
           <p:cNvPr id="12" name="TextBox 11">
             <a:extLst>
               <a:ext uri="{FF2B5EF4-FFF2-40B4-BE49-F238E27FC236}">
-                <a16:creationId xmlns:a16="http://schemas.microsoft.com/office/drawing/2014/main" id="{769CF103-AC91-48FF-AA34-D8B9DB5E2763}"/>
+                <a16:creationId xmlns:a16="http://schemas.microsoft.com/office/drawing/2014/main" xmlns="" id="{769CF103-AC91-48FF-AA34-D8B9DB5E2763}"/>
               </a:ext>
             </a:extLst>
           </p:cNvPr>
@@ -4111,7 +3889,7 @@
           <p:cNvPr id="7" name="Заголовок 16">
             <a:extLst>
               <a:ext uri="{FF2B5EF4-FFF2-40B4-BE49-F238E27FC236}">
-                <a16:creationId xmlns:a16="http://schemas.microsoft.com/office/drawing/2014/main" id="{00B113A3-4A38-44F4-8FDE-3CF2561C426F}"/>
+                <a16:creationId xmlns:a16="http://schemas.microsoft.com/office/drawing/2014/main" xmlns="" id="{00B113A3-4A38-44F4-8FDE-3CF2561C426F}"/>
               </a:ext>
             </a:extLst>
           </p:cNvPr>
@@ -5019,14 +4797,14 @@
               </a:spcAft>
             </a:pPr>
             <a:r>
-              <a:rPr lang="ru-RU" b="1" dirty="0">
+              <a:rPr lang="ru-RU" b="1" dirty="0" smtClean="0">
                 <a:latin typeface="Times New Roman" panose="02020603050405020304" pitchFamily="18" charset="0"/>
                 <a:ea typeface="Times New Roman" panose="02020603050405020304" pitchFamily="18" charset="0"/>
               </a:rPr>
               <a:t>Цель моделирования</a:t>
             </a:r>
             <a:r>
-              <a:rPr lang="ru-RU" dirty="0">
+              <a:rPr lang="ru-RU" dirty="0" smtClean="0">
                 <a:latin typeface="Times New Roman" panose="02020603050405020304" pitchFamily="18" charset="0"/>
                 <a:ea typeface="Times New Roman" panose="02020603050405020304" pitchFamily="18" charset="0"/>
               </a:rPr>
@@ -5042,209 +4820,297 @@
       </p:sp>
       <p:sp>
         <p:nvSpPr>
-          <p:cNvPr id="16" name="Rectangle 1008"/>
-          <p:cNvSpPr>
-            <a:spLocks noChangeArrowheads="1"/>
-          </p:cNvSpPr>
+          <p:cNvPr id="23" name="Прямоугольник 22"/>
+          <p:cNvSpPr/>
           <p:nvPr/>
         </p:nvSpPr>
-        <p:spPr bwMode="auto">
+        <p:spPr>
           <a:xfrm>
-            <a:off x="-102311" y="3952862"/>
-            <a:ext cx="4303435" cy="400110"/>
+            <a:off x="0" y="1755067"/>
+            <a:ext cx="4275608" cy="3054682"/>
           </a:xfrm>
           <a:prstGeom prst="rect">
             <a:avLst/>
           </a:prstGeom>
-          <a:noFill/>
-          <a:ln>
-            <a:noFill/>
-          </a:ln>
-          <a:effectLst/>
-          <a:extLst>
-            <a:ext uri="{909E8E84-426E-40DD-AFC4-6F175D3DCCD1}">
-              <a14:hiddenFill xmlns:a14="http://schemas.microsoft.com/office/drawing/2010/main">
-                <a:solidFill>
-                  <a:schemeClr val="accent1"/>
-                </a:solidFill>
-              </a14:hiddenFill>
-            </a:ext>
-            <a:ext uri="{91240B29-F687-4F45-9708-019B960494DF}">
-              <a14:hiddenLine xmlns:a14="http://schemas.microsoft.com/office/drawing/2010/main" w="9525">
-                <a:solidFill>
-                  <a:schemeClr val="tx1"/>
-                </a:solidFill>
-                <a:miter lim="800000"/>
-                <a:headEnd/>
-                <a:tailEnd/>
-              </a14:hiddenLine>
-            </a:ext>
-            <a:ext uri="{AF507438-7753-43E0-B8FC-AC1667EBCBE1}">
-              <a14:hiddenEffects xmlns:a14="http://schemas.microsoft.com/office/drawing/2010/main">
-                <a:effectLst>
-                  <a:outerShdw dist="35921" dir="2700000" algn="ctr" rotWithShape="0">
-                    <a:schemeClr val="bg2"/>
-                  </a:outerShdw>
-                </a:effectLst>
-              </a14:hiddenEffects>
-            </a:ext>
-          </a:extLst>
         </p:spPr>
         <p:txBody>
-          <a:bodyPr vert="horz" wrap="square" lIns="91440" tIns="45720" rIns="91440" bIns="45720" numCol="1" anchor="ctr" anchorCtr="0" compatLnSpc="1">
-            <a:prstTxWarp prst="textNoShape">
-              <a:avLst/>
-            </a:prstTxWarp>
+          <a:bodyPr wrap="square">
             <a:spAutoFit/>
           </a:bodyPr>
           <a:lstStyle/>
           <a:p>
-            <a:pPr lvl="0" algn="ctr" defTabSz="914400" eaLnBrk="0" fontAlgn="base" hangingPunct="0">
-              <a:spcBef>
-                <a:spcPct val="0"/>
-              </a:spcBef>
-              <a:spcAft>
-                <a:spcPct val="0"/>
-              </a:spcAft>
+            <a:pPr>
+              <a:lnSpc>
+                <a:spcPct val="125000"/>
+              </a:lnSpc>
             </a:pPr>
             <a:r>
-              <a:rPr lang="ru-RU" altLang="ru-RU" sz="1000" dirty="0" smtClean="0">
+              <a:rPr lang="ru-RU" b="1" dirty="0" smtClean="0">
                 <a:latin typeface="Times New Roman" panose="02020603050405020304" pitchFamily="18" charset="0"/>
                 <a:ea typeface="Times New Roman" panose="02020603050405020304" pitchFamily="18" charset="0"/>
-                <a:cs typeface="Times New Roman" panose="02020603050405020304" pitchFamily="18" charset="0"/>
-              </a:rPr>
-              <a:t>Р</a:t>
-            </a:r>
-            <a:r>
-              <a:rPr kumimoji="0" lang="ru-RU" altLang="ru-RU" sz="1000" b="0" i="0" u="none" strike="noStrike" cap="none" normalizeH="0" baseline="0" dirty="0" smtClean="0">
-                <a:ln>
-                  <a:noFill/>
-                </a:ln>
-                <a:solidFill>
-                  <a:schemeClr val="tx1"/>
-                </a:solidFill>
-                <a:effectLst/>
+              </a:rPr>
+              <a:t>Имитационное</a:t>
+            </a:r>
+            <a:r>
+              <a:rPr lang="ru-RU" dirty="0" smtClean="0">
                 <a:latin typeface="Times New Roman" panose="02020603050405020304" pitchFamily="18" charset="0"/>
                 <a:ea typeface="Times New Roman" panose="02020603050405020304" pitchFamily="18" charset="0"/>
-                <a:cs typeface="Times New Roman" panose="02020603050405020304" pitchFamily="18" charset="0"/>
-              </a:rPr>
-              <a:t>ис. </a:t>
-            </a:r>
-            <a:r>
-              <a:rPr lang="ru-RU" altLang="ru-RU" sz="1000" dirty="0">
+              </a:rPr>
+              <a:t> моделирование является экспериментальной и прикладной методологией, имеющей </a:t>
+            </a:r>
+            <a:r>
+              <a:rPr lang="ru-RU" b="1" dirty="0" smtClean="0">
                 <a:latin typeface="Times New Roman" panose="02020603050405020304" pitchFamily="18" charset="0"/>
                 <a:ea typeface="Times New Roman" panose="02020603050405020304" pitchFamily="18" charset="0"/>
-                <a:cs typeface="Times New Roman" panose="02020603050405020304" pitchFamily="18" charset="0"/>
+              </a:rPr>
+              <a:t>целью</a:t>
+            </a:r>
+            <a:r>
+              <a:rPr lang="ru-RU" dirty="0" smtClean="0">
+                <a:latin typeface="Times New Roman" panose="02020603050405020304" pitchFamily="18" charset="0"/>
+                <a:ea typeface="Times New Roman" panose="02020603050405020304" pitchFamily="18" charset="0"/>
+              </a:rPr>
+              <a:t>:</a:t>
+            </a:r>
+          </a:p>
+          <a:p>
+            <a:pPr>
+              <a:lnSpc>
+                <a:spcPct val="125000"/>
+              </a:lnSpc>
+            </a:pPr>
+            <a:r>
+              <a:rPr lang="ru-RU" dirty="0" smtClean="0">
+                <a:latin typeface="Times New Roman" panose="02020603050405020304" pitchFamily="18" charset="0"/>
+                <a:ea typeface="Times New Roman" panose="02020603050405020304" pitchFamily="18" charset="0"/>
               </a:rPr>
               <a:t>1</a:t>
             </a:r>
             <a:r>
-              <a:rPr lang="ru-RU" altLang="ru-RU" sz="1000" dirty="0" smtClean="0">
+              <a:rPr lang="ru-RU" dirty="0">
                 <a:latin typeface="Times New Roman" panose="02020603050405020304" pitchFamily="18" charset="0"/>
                 <a:ea typeface="Times New Roman" panose="02020603050405020304" pitchFamily="18" charset="0"/>
-                <a:cs typeface="Times New Roman" panose="02020603050405020304" pitchFamily="18" charset="0"/>
+              </a:rPr>
+              <a:t>. </a:t>
+            </a:r>
+            <a:r>
+              <a:rPr lang="ru-RU" i="1" dirty="0">
+                <a:latin typeface="Times New Roman" panose="02020603050405020304" pitchFamily="18" charset="0"/>
+                <a:ea typeface="Times New Roman" panose="02020603050405020304" pitchFamily="18" charset="0"/>
+              </a:rPr>
+              <a:t>Описать</a:t>
+            </a:r>
+            <a:r>
+              <a:rPr lang="ru-RU" dirty="0">
+                <a:latin typeface="Times New Roman" panose="02020603050405020304" pitchFamily="18" charset="0"/>
+                <a:ea typeface="Times New Roman" panose="02020603050405020304" pitchFamily="18" charset="0"/>
+              </a:rPr>
+              <a:t> поведение системы.</a:t>
+            </a:r>
+          </a:p>
+          <a:p>
+            <a:pPr>
+              <a:lnSpc>
+                <a:spcPct val="125000"/>
+              </a:lnSpc>
+            </a:pPr>
+            <a:r>
+              <a:rPr lang="ru-RU" dirty="0">
+                <a:latin typeface="Times New Roman" panose="02020603050405020304" pitchFamily="18" charset="0"/>
+                <a:ea typeface="Times New Roman" panose="02020603050405020304" pitchFamily="18" charset="0"/>
+              </a:rPr>
+              <a:t>2. </a:t>
+            </a:r>
+            <a:r>
+              <a:rPr lang="ru-RU" i="1" dirty="0">
+                <a:latin typeface="Times New Roman" panose="02020603050405020304" pitchFamily="18" charset="0"/>
+                <a:ea typeface="Times New Roman" panose="02020603050405020304" pitchFamily="18" charset="0"/>
+              </a:rPr>
+              <a:t>Понять</a:t>
+            </a:r>
+            <a:r>
+              <a:rPr lang="ru-RU" dirty="0">
+                <a:latin typeface="Times New Roman" panose="02020603050405020304" pitchFamily="18" charset="0"/>
+                <a:ea typeface="Times New Roman" panose="02020603050405020304" pitchFamily="18" charset="0"/>
+              </a:rPr>
+              <a:t>, как устроен конкретный </a:t>
+            </a:r>
+            <a:r>
+              <a:rPr lang="ru-RU" dirty="0" smtClean="0">
+                <a:latin typeface="Times New Roman" panose="02020603050405020304" pitchFamily="18" charset="0"/>
+                <a:ea typeface="Times New Roman" panose="02020603050405020304" pitchFamily="18" charset="0"/>
+              </a:rPr>
+              <a:t>объект.</a:t>
+            </a:r>
+            <a:endParaRPr lang="ru-RU" dirty="0">
+              <a:latin typeface="Times New Roman" panose="02020603050405020304" pitchFamily="18" charset="0"/>
+              <a:ea typeface="Times New Roman" panose="02020603050405020304" pitchFamily="18" charset="0"/>
+            </a:endParaRPr>
+          </a:p>
+          <a:p>
+            <a:pPr>
+              <a:lnSpc>
+                <a:spcPct val="125000"/>
+              </a:lnSpc>
+            </a:pPr>
+            <a:r>
+              <a:rPr lang="ru-RU" dirty="0">
+                <a:latin typeface="Times New Roman" panose="02020603050405020304" pitchFamily="18" charset="0"/>
+                <a:ea typeface="Times New Roman" panose="02020603050405020304" pitchFamily="18" charset="0"/>
+              </a:rPr>
+              <a:t>3. </a:t>
+            </a:r>
+            <a:r>
+              <a:rPr lang="ru-RU" i="1" dirty="0">
+                <a:latin typeface="Times New Roman" panose="02020603050405020304" pitchFamily="18" charset="0"/>
+                <a:ea typeface="Times New Roman" panose="02020603050405020304" pitchFamily="18" charset="0"/>
+              </a:rPr>
+              <a:t>Оптимизировать</a:t>
+            </a:r>
+            <a:r>
+              <a:rPr lang="ru-RU" dirty="0">
+                <a:latin typeface="Times New Roman" panose="02020603050405020304" pitchFamily="18" charset="0"/>
+                <a:ea typeface="Times New Roman" panose="02020603050405020304" pitchFamily="18" charset="0"/>
+              </a:rPr>
+              <a:t> поведение объекта или его свойства.</a:t>
+            </a:r>
+          </a:p>
+          <a:p>
+            <a:pPr>
+              <a:lnSpc>
+                <a:spcPct val="125000"/>
+              </a:lnSpc>
+            </a:pPr>
+            <a:r>
+              <a:rPr lang="ru-RU" dirty="0" smtClean="0">
+                <a:latin typeface="Times New Roman" panose="02020603050405020304" pitchFamily="18" charset="0"/>
+                <a:ea typeface="Times New Roman" panose="02020603050405020304" pitchFamily="18" charset="0"/>
+              </a:rPr>
+              <a:t>4. </a:t>
+            </a:r>
+            <a:r>
+              <a:rPr lang="ru-RU" i="1" dirty="0" smtClean="0">
+                <a:latin typeface="Times New Roman" panose="02020603050405020304" pitchFamily="18" charset="0"/>
+                <a:ea typeface="Times New Roman" panose="02020603050405020304" pitchFamily="18" charset="0"/>
+              </a:rPr>
+              <a:t>Управлять</a:t>
+            </a:r>
+            <a:r>
+              <a:rPr lang="ru-RU" dirty="0" smtClean="0">
+                <a:latin typeface="Times New Roman" panose="02020603050405020304" pitchFamily="18" charset="0"/>
+                <a:ea typeface="Times New Roman" panose="02020603050405020304" pitchFamily="18" charset="0"/>
               </a:rPr>
               <a:t> </a:t>
             </a:r>
             <a:r>
-              <a:rPr lang="ru-RU" altLang="ru-RU" sz="1000" dirty="0">
+              <a:rPr lang="ru-RU" dirty="0">
                 <a:latin typeface="Times New Roman" panose="02020603050405020304" pitchFamily="18" charset="0"/>
                 <a:ea typeface="Times New Roman" panose="02020603050405020304" pitchFamily="18" charset="0"/>
-                <a:cs typeface="Times New Roman" panose="02020603050405020304" pitchFamily="18" charset="0"/>
-              </a:rPr>
-              <a:t>Классификация моделей в зависимости от целей </a:t>
-            </a:r>
-            <a:endParaRPr kumimoji="0" lang="ru-RU" altLang="ru-RU" sz="1000" b="0" i="0" u="none" strike="noStrike" cap="none" normalizeH="0" baseline="0" dirty="0" smtClean="0">
-              <a:ln>
-                <a:noFill/>
-              </a:ln>
-              <a:solidFill>
-                <a:schemeClr val="tx1"/>
-              </a:solidFill>
-              <a:effectLst/>
+              </a:rPr>
+              <a:t>объектом или процессом, определять наилучшие </a:t>
+            </a:r>
+            <a:r>
+              <a:rPr lang="ru-RU" dirty="0" smtClean="0">
+                <a:latin typeface="Times New Roman" panose="02020603050405020304" pitchFamily="18" charset="0"/>
+                <a:ea typeface="Times New Roman" panose="02020603050405020304" pitchFamily="18" charset="0"/>
+              </a:rPr>
+              <a:t>способы </a:t>
+            </a:r>
+            <a:r>
+              <a:rPr lang="ru-RU" dirty="0">
+                <a:latin typeface="Times New Roman" panose="02020603050405020304" pitchFamily="18" charset="0"/>
+                <a:ea typeface="Times New Roman" panose="02020603050405020304" pitchFamily="18" charset="0"/>
+              </a:rPr>
+              <a:t>управления при заданных целях и критериях.</a:t>
+            </a:r>
+          </a:p>
+          <a:p>
+            <a:pPr>
+              <a:lnSpc>
+                <a:spcPct val="125000"/>
+              </a:lnSpc>
+            </a:pPr>
+            <a:r>
+              <a:rPr lang="ru-RU" dirty="0">
+                <a:latin typeface="Times New Roman" panose="02020603050405020304" pitchFamily="18" charset="0"/>
+                <a:ea typeface="Times New Roman" panose="02020603050405020304" pitchFamily="18" charset="0"/>
+              </a:rPr>
+              <a:t>5. </a:t>
+            </a:r>
+            <a:r>
+              <a:rPr lang="ru-RU" i="1" dirty="0">
+                <a:latin typeface="Times New Roman" panose="02020603050405020304" pitchFamily="18" charset="0"/>
+                <a:ea typeface="Times New Roman" panose="02020603050405020304" pitchFamily="18" charset="0"/>
+              </a:rPr>
+              <a:t>Прогнозировать</a:t>
+            </a:r>
+            <a:r>
+              <a:rPr lang="ru-RU" dirty="0">
+                <a:latin typeface="Times New Roman" panose="02020603050405020304" pitchFamily="18" charset="0"/>
+                <a:ea typeface="Times New Roman" panose="02020603050405020304" pitchFamily="18" charset="0"/>
+              </a:rPr>
+              <a:t> будущее поведение </a:t>
+            </a:r>
+            <a:r>
+              <a:rPr lang="ru-RU" dirty="0" smtClean="0">
+                <a:latin typeface="Times New Roman" panose="02020603050405020304" pitchFamily="18" charset="0"/>
+                <a:ea typeface="Times New Roman" panose="02020603050405020304" pitchFamily="18" charset="0"/>
+              </a:rPr>
+              <a:t>системы</a:t>
+            </a:r>
+            <a:r>
+              <a:rPr lang="ru-RU" dirty="0">
+                <a:latin typeface="Times New Roman" panose="02020603050405020304" pitchFamily="18" charset="0"/>
+                <a:ea typeface="Times New Roman" panose="02020603050405020304" pitchFamily="18" charset="0"/>
+              </a:rPr>
+              <a:t>.</a:t>
+            </a:r>
+            <a:endParaRPr lang="ru-RU" dirty="0">
               <a:latin typeface="Times New Roman" panose="02020603050405020304" pitchFamily="18" charset="0"/>
-              <a:cs typeface="Times New Roman" panose="02020603050405020304" pitchFamily="18" charset="0"/>
+              <a:ea typeface="Times New Roman" panose="02020603050405020304" pitchFamily="18" charset="0"/>
             </a:endParaRPr>
-          </a:p>
-          <a:p>
-            <a:pPr marL="0" marR="0" lvl="0" indent="0" algn="ctr" defTabSz="914400" rtl="0" eaLnBrk="0" fontAlgn="base" latinLnBrk="0" hangingPunct="0">
-              <a:lnSpc>
-                <a:spcPct val="100000"/>
-              </a:lnSpc>
-              <a:spcBef>
-                <a:spcPct val="0"/>
-              </a:spcBef>
-              <a:spcAft>
-                <a:spcPct val="0"/>
-              </a:spcAft>
-              <a:buClrTx/>
-              <a:buSzTx/>
-              <a:buFontTx/>
-              <a:buNone/>
-              <a:tabLst/>
-            </a:pPr>
-            <a:r>
-              <a:rPr kumimoji="0" lang="ru-RU" altLang="ru-RU" sz="1000" b="0" i="0" u="none" strike="noStrike" cap="none" normalizeH="0" baseline="0" dirty="0" smtClean="0">
-                <a:ln>
-                  <a:noFill/>
-                </a:ln>
-                <a:solidFill>
-                  <a:schemeClr val="tx1"/>
-                </a:solidFill>
-                <a:effectLst/>
-                <a:latin typeface="Times New Roman" panose="02020603050405020304" pitchFamily="18" charset="0"/>
-                <a:cs typeface="Times New Roman" panose="02020603050405020304" pitchFamily="18" charset="0"/>
-              </a:rPr>
-              <a:t> </a:t>
-            </a:r>
           </a:p>
         </p:txBody>
       </p:sp>
       <p:graphicFrame>
         <p:nvGraphicFramePr>
-          <p:cNvPr id="18" name="Объект 17"/>
+          <p:cNvPr id="12" name="Объект 11"/>
           <p:cNvGraphicFramePr>
             <a:graphicFrameLocks noChangeAspect="1"/>
           </p:cNvGraphicFramePr>
           <p:nvPr>
             <p:extLst>
               <p:ext uri="{D42A27DB-BD31-4B8C-83A1-F6EECF244321}">
-                <p14:modId xmlns:p14="http://schemas.microsoft.com/office/powerpoint/2010/main" val="2196871893"/>
+                <p14:modId xmlns:p14="http://schemas.microsoft.com/office/powerpoint/2010/main" val="1684968946"/>
               </p:ext>
             </p:extLst>
           </p:nvPr>
         </p:nvGraphicFramePr>
         <p:xfrm>
-          <a:off x="-1103370" y="2027178"/>
-          <a:ext cx="6305550" cy="1885950"/>
+          <a:off x="3292674" y="2059678"/>
+          <a:ext cx="6840656" cy="2052887"/>
         </p:xfrm>
         <a:graphic>
           <a:graphicData uri="http://schemas.openxmlformats.org/presentationml/2006/ole">
             <mc:AlternateContent xmlns:mc="http://schemas.openxmlformats.org/markup-compatibility/2006">
               <mc:Choice xmlns:v="urn:schemas-microsoft-com:vml" Requires="v">
-                <p:oleObj spid="_x0000_s37884" name="Picture" r:id="rId3" imgW="6316539" imgH="1960844" progId="Word.Picture.8">
+                <p:oleObj spid="_x0000_s57352" name="Picture" r:id="rId3" imgW="6301080" imgH="1961640" progId="Word.Picture.8">
                   <p:embed/>
                 </p:oleObj>
               </mc:Choice>
               <mc:Fallback>
-                <p:oleObj name="Picture" r:id="rId3" imgW="6316539" imgH="1960844" progId="Word.Picture.8">
+                <p:oleObj name="Picture" r:id="rId3" imgW="6301080" imgH="1961640" progId="Word.Picture.8">
                   <p:embed/>
                   <p:pic>
                     <p:nvPicPr>
-                      <p:cNvPr id="0" name="Picture 1015"/>
+                      <p:cNvPr id="0" name="Object 1026"/>
                       <p:cNvPicPr>
                         <a:picLocks noChangeAspect="1" noChangeArrowheads="1"/>
                       </p:cNvPicPr>
                       <p:nvPr/>
                     </p:nvPicPr>
                     <p:blipFill>
-                      <a:blip r:embed="rId4">
-                        <a:extLst>
-                          <a:ext uri="{28A0092B-C50C-407E-A947-70E740481C1C}">
-                            <a14:useLocalDpi xmlns:a14="http://schemas.microsoft.com/office/drawing/2010/main" val="0"/>
-                          </a:ext>
-                        </a:extLst>
-                      </a:blip>
+                      <a:blip r:embed="rId4"/>
                       <a:srcRect t="3883"/>
                       <a:stretch>
                         <a:fillRect/>
@@ -5252,8 +5118,8 @@
                     </p:blipFill>
                     <p:spPr bwMode="auto">
                       <a:xfrm>
-                        <a:off x="-1103370" y="2027178"/>
-                        <a:ext cx="6305550" cy="1885950"/>
+                        <a:off x="3292674" y="2059678"/>
+                        <a:ext cx="6840656" cy="2052887"/>
                       </a:xfrm>
                       <a:prstGeom prst="rect">
                         <a:avLst/>
@@ -5269,14 +5135,14 @@
       </p:graphicFrame>
       <p:sp>
         <p:nvSpPr>
-          <p:cNvPr id="23" name="Прямоугольник 22"/>
+          <p:cNvPr id="13" name="Прямоугольник 12"/>
           <p:cNvSpPr/>
           <p:nvPr/>
         </p:nvSpPr>
         <p:spPr>
           <a:xfrm>
-            <a:off x="4201124" y="1758039"/>
-            <a:ext cx="4898114" cy="2893100"/>
+            <a:off x="4326764" y="4121522"/>
+            <a:ext cx="4874786" cy="461665"/>
           </a:xfrm>
           <a:prstGeom prst="rect">
             <a:avLst/>
@@ -5288,204 +5154,30 @@
           </a:bodyPr>
           <a:lstStyle/>
           <a:p>
-            <a:pPr algn="just"/>
-            <a:r>
-              <a:rPr lang="ru-RU" b="1" dirty="0" smtClean="0">
+            <a:pPr algn="ctr">
+              <a:spcAft>
+                <a:spcPts val="600"/>
+              </a:spcAft>
+            </a:pPr>
+            <a:r>
+              <a:rPr lang="ru-RU" sz="1200" dirty="0" smtClean="0">
                 <a:latin typeface="Times New Roman" panose="02020603050405020304" pitchFamily="18" charset="0"/>
                 <a:ea typeface="Times New Roman" panose="02020603050405020304" pitchFamily="18" charset="0"/>
               </a:rPr>
-              <a:t>Имитационное</a:t>
-            </a:r>
-            <a:r>
-              <a:rPr lang="ru-RU" dirty="0" smtClean="0">
+              <a:t>Рисунок – 1. Классификация моделей </a:t>
+            </a:r>
+            <a:r>
+              <a:rPr lang="ru-RU" sz="1200" dirty="0">
                 <a:latin typeface="Times New Roman" panose="02020603050405020304" pitchFamily="18" charset="0"/>
                 <a:ea typeface="Times New Roman" panose="02020603050405020304" pitchFamily="18" charset="0"/>
               </a:rPr>
-              <a:t> моделирование является экспериментальной и прикладной методологией, имеющей </a:t>
-            </a:r>
-            <a:r>
-              <a:rPr lang="ru-RU" b="1" dirty="0" smtClean="0">
-                <a:latin typeface="Times New Roman" panose="02020603050405020304" pitchFamily="18" charset="0"/>
-                <a:ea typeface="Times New Roman" panose="02020603050405020304" pitchFamily="18" charset="0"/>
-              </a:rPr>
-              <a:t>целью</a:t>
-            </a:r>
-            <a:r>
-              <a:rPr lang="ru-RU" dirty="0" smtClean="0">
-                <a:latin typeface="Times New Roman" panose="02020603050405020304" pitchFamily="18" charset="0"/>
-                <a:ea typeface="Times New Roman" panose="02020603050405020304" pitchFamily="18" charset="0"/>
-              </a:rPr>
-              <a:t>:</a:t>
-            </a:r>
-          </a:p>
-          <a:p>
-            <a:pPr algn="just"/>
-            <a:r>
-              <a:rPr lang="ru-RU" dirty="0" smtClean="0">
-                <a:latin typeface="Times New Roman" panose="02020603050405020304" pitchFamily="18" charset="0"/>
-                <a:ea typeface="Times New Roman" panose="02020603050405020304" pitchFamily="18" charset="0"/>
-              </a:rPr>
-              <a:t>1</a:t>
-            </a:r>
-            <a:r>
-              <a:rPr lang="ru-RU" dirty="0">
-                <a:latin typeface="Times New Roman" panose="02020603050405020304" pitchFamily="18" charset="0"/>
-                <a:ea typeface="Times New Roman" panose="02020603050405020304" pitchFamily="18" charset="0"/>
-              </a:rPr>
-              <a:t>. </a:t>
-            </a:r>
-            <a:r>
-              <a:rPr lang="ru-RU" i="1" dirty="0">
-                <a:latin typeface="Times New Roman" panose="02020603050405020304" pitchFamily="18" charset="0"/>
-                <a:ea typeface="Times New Roman" panose="02020603050405020304" pitchFamily="18" charset="0"/>
-              </a:rPr>
-              <a:t>Описать</a:t>
-            </a:r>
-            <a:r>
-              <a:rPr lang="ru-RU" dirty="0">
-                <a:latin typeface="Times New Roman" panose="02020603050405020304" pitchFamily="18" charset="0"/>
-                <a:ea typeface="Times New Roman" panose="02020603050405020304" pitchFamily="18" charset="0"/>
-              </a:rPr>
-              <a:t> </a:t>
-            </a:r>
-            <a:r>
-              <a:rPr lang="ru-RU" dirty="0">
-                <a:latin typeface="Times New Roman" panose="02020603050405020304" pitchFamily="18" charset="0"/>
-                <a:ea typeface="Times New Roman" panose="02020603050405020304" pitchFamily="18" charset="0"/>
-              </a:rPr>
-              <a:t>поведение системы.</a:t>
-            </a:r>
-          </a:p>
-          <a:p>
-            <a:pPr algn="just"/>
-            <a:r>
-              <a:rPr lang="ru-RU" dirty="0">
-                <a:latin typeface="Times New Roman" panose="02020603050405020304" pitchFamily="18" charset="0"/>
-                <a:ea typeface="Times New Roman" panose="02020603050405020304" pitchFamily="18" charset="0"/>
-              </a:rPr>
-              <a:t>2. </a:t>
-            </a:r>
-            <a:r>
-              <a:rPr lang="ru-RU" i="1" dirty="0">
-                <a:latin typeface="Times New Roman" panose="02020603050405020304" pitchFamily="18" charset="0"/>
-                <a:ea typeface="Times New Roman" panose="02020603050405020304" pitchFamily="18" charset="0"/>
-              </a:rPr>
-              <a:t>Понять</a:t>
-            </a:r>
-            <a:r>
-              <a:rPr lang="ru-RU" dirty="0">
-                <a:latin typeface="Times New Roman" panose="02020603050405020304" pitchFamily="18" charset="0"/>
-                <a:ea typeface="Times New Roman" panose="02020603050405020304" pitchFamily="18" charset="0"/>
-              </a:rPr>
-              <a:t>, как устроен конкретный объект: какова его структура, основные свойства, законы развития, саморазвития и взаимодействия с окружающей средой.</a:t>
-            </a:r>
-          </a:p>
-          <a:p>
-            <a:pPr algn="just"/>
-            <a:r>
-              <a:rPr lang="ru-RU" dirty="0">
-                <a:latin typeface="Times New Roman" panose="02020603050405020304" pitchFamily="18" charset="0"/>
-                <a:ea typeface="Times New Roman" panose="02020603050405020304" pitchFamily="18" charset="0"/>
-              </a:rPr>
-              <a:t>3. </a:t>
-            </a:r>
-            <a:r>
-              <a:rPr lang="ru-RU" i="1" dirty="0">
-                <a:latin typeface="Times New Roman" panose="02020603050405020304" pitchFamily="18" charset="0"/>
-                <a:ea typeface="Times New Roman" panose="02020603050405020304" pitchFamily="18" charset="0"/>
-              </a:rPr>
-              <a:t>Оптимизировать</a:t>
-            </a:r>
-            <a:r>
-              <a:rPr lang="ru-RU" dirty="0">
-                <a:latin typeface="Times New Roman" panose="02020603050405020304" pitchFamily="18" charset="0"/>
-                <a:ea typeface="Times New Roman" panose="02020603050405020304" pitchFamily="18" charset="0"/>
-              </a:rPr>
-              <a:t> </a:t>
-            </a:r>
-            <a:r>
-              <a:rPr lang="ru-RU" dirty="0">
-                <a:latin typeface="Times New Roman" panose="02020603050405020304" pitchFamily="18" charset="0"/>
-                <a:ea typeface="Times New Roman" panose="02020603050405020304" pitchFamily="18" charset="0"/>
-              </a:rPr>
-              <a:t>поведение объекта или его свойства.</a:t>
-            </a:r>
-          </a:p>
-          <a:p>
-            <a:pPr algn="just"/>
-            <a:r>
-              <a:rPr lang="ru-RU" dirty="0">
-                <a:latin typeface="Times New Roman" panose="02020603050405020304" pitchFamily="18" charset="0"/>
-                <a:ea typeface="Times New Roman" panose="02020603050405020304" pitchFamily="18" charset="0"/>
-              </a:rPr>
-              <a:t>4. </a:t>
-            </a:r>
-            <a:r>
-              <a:rPr lang="ru-RU" i="1" dirty="0">
-                <a:latin typeface="Times New Roman" panose="02020603050405020304" pitchFamily="18" charset="0"/>
-                <a:ea typeface="Times New Roman" panose="02020603050405020304" pitchFamily="18" charset="0"/>
-              </a:rPr>
-              <a:t>Научиться</a:t>
-            </a:r>
-            <a:r>
-              <a:rPr lang="ru-RU" dirty="0">
-                <a:latin typeface="Times New Roman" panose="02020603050405020304" pitchFamily="18" charset="0"/>
-                <a:ea typeface="Times New Roman" panose="02020603050405020304" pitchFamily="18" charset="0"/>
-              </a:rPr>
-              <a:t> </a:t>
-            </a:r>
-            <a:r>
-              <a:rPr lang="ru-RU" dirty="0">
-                <a:latin typeface="Times New Roman" panose="02020603050405020304" pitchFamily="18" charset="0"/>
-                <a:ea typeface="Times New Roman" panose="02020603050405020304" pitchFamily="18" charset="0"/>
-              </a:rPr>
-              <a:t>управлять объектом или процессом, определять наилучшие </a:t>
-            </a:r>
-            <a:r>
-              <a:rPr lang="ru-RU" dirty="0" smtClean="0">
-                <a:latin typeface="Times New Roman" panose="02020603050405020304" pitchFamily="18" charset="0"/>
-                <a:ea typeface="Times New Roman" panose="02020603050405020304" pitchFamily="18" charset="0"/>
-              </a:rPr>
-              <a:t>способы </a:t>
-            </a:r>
-            <a:r>
-              <a:rPr lang="ru-RU" dirty="0">
-                <a:latin typeface="Times New Roman" panose="02020603050405020304" pitchFamily="18" charset="0"/>
-                <a:ea typeface="Times New Roman" panose="02020603050405020304" pitchFamily="18" charset="0"/>
-              </a:rPr>
-              <a:t>управления при заданных целях и критериях.</a:t>
-            </a:r>
-          </a:p>
-          <a:p>
-            <a:pPr algn="just"/>
-            <a:r>
-              <a:rPr lang="ru-RU" dirty="0">
-                <a:latin typeface="Times New Roman" panose="02020603050405020304" pitchFamily="18" charset="0"/>
-                <a:ea typeface="Times New Roman" panose="02020603050405020304" pitchFamily="18" charset="0"/>
-              </a:rPr>
-              <a:t>5. </a:t>
-            </a:r>
-            <a:r>
-              <a:rPr lang="ru-RU" i="1" dirty="0">
-                <a:latin typeface="Times New Roman" panose="02020603050405020304" pitchFamily="18" charset="0"/>
-                <a:ea typeface="Times New Roman" panose="02020603050405020304" pitchFamily="18" charset="0"/>
-              </a:rPr>
-              <a:t>Прогнозировать</a:t>
-            </a:r>
-            <a:r>
-              <a:rPr lang="ru-RU" dirty="0">
-                <a:latin typeface="Times New Roman" panose="02020603050405020304" pitchFamily="18" charset="0"/>
-                <a:ea typeface="Times New Roman" panose="02020603050405020304" pitchFamily="18" charset="0"/>
-              </a:rPr>
-              <a:t> </a:t>
-            </a:r>
-            <a:r>
-              <a:rPr lang="ru-RU" dirty="0">
-                <a:latin typeface="Times New Roman" panose="02020603050405020304" pitchFamily="18" charset="0"/>
-                <a:ea typeface="Times New Roman" panose="02020603050405020304" pitchFamily="18" charset="0"/>
-              </a:rPr>
-              <a:t>будущее поведение системы, а также прямые и косвенные последствия реализации заданных способов и форм воздействия на систему.</a:t>
-            </a:r>
+              <a:t>в зависимости от целей моделирования</a:t>
+            </a:r>
+            <a:endParaRPr lang="ru-RU" sz="1200" dirty="0">
+              <a:effectLst/>
+              <a:latin typeface="Times New Roman" panose="02020603050405020304" pitchFamily="18" charset="0"/>
+              <a:ea typeface="Times New Roman" panose="02020603050405020304" pitchFamily="18" charset="0"/>
+            </a:endParaRPr>
           </a:p>
         </p:txBody>
       </p:sp>
@@ -6189,19 +5881,12 @@
               </a:rPr>
               <a:t>3/5</a:t>
             </a:r>
-            <a:endParaRPr lang="ru-RU" sz="1200" dirty="0" smtClean="0">
-              <a:solidFill>
-                <a:schemeClr val="tx1"/>
-              </a:solidFill>
-              <a:latin typeface="Times New Roman" panose="02020603050405020304" pitchFamily="18" charset="0"/>
-              <a:cs typeface="Times New Roman" panose="02020603050405020304" pitchFamily="18" charset="0"/>
-            </a:endParaRPr>
-          </a:p>
-        </p:txBody>
-      </p:sp>
-      <p:sp>
-        <p:nvSpPr>
-          <p:cNvPr id="16" name="Rectangle 1008"/>
+          </a:p>
+        </p:txBody>
+      </p:sp>
+      <p:sp>
+        <p:nvSpPr>
+          <p:cNvPr id="13" name="Rectangle 1008"/>
           <p:cNvSpPr>
             <a:spLocks noChangeArrowheads="1"/>
           </p:cNvSpPr>
@@ -6209,8 +5894,8 @@
         </p:nvSpPr>
         <p:spPr bwMode="auto">
           <a:xfrm>
-            <a:off x="-168096" y="3353813"/>
-            <a:ext cx="4303435" cy="276999"/>
+            <a:off x="2045847" y="290937"/>
+            <a:ext cx="4303435" cy="307777"/>
           </a:xfrm>
           <a:prstGeom prst="rect">
             <a:avLst/>
@@ -6267,45 +5952,13 @@
               </a:spcAft>
             </a:pPr>
             <a:r>
-              <a:rPr lang="ru-RU" altLang="ru-RU" sz="1200" dirty="0" smtClean="0">
-                <a:latin typeface="Times New Roman" panose="02020603050405020304" pitchFamily="18" charset="0"/>
-                <a:ea typeface="Times New Roman" panose="02020603050405020304" pitchFamily="18" charset="0"/>
+              <a:rPr lang="ru-RU" altLang="ru-RU" b="1" dirty="0" smtClean="0">
+                <a:latin typeface="Times New Roman" panose="02020603050405020304" pitchFamily="18" charset="0"/>
                 <a:cs typeface="Times New Roman" panose="02020603050405020304" pitchFamily="18" charset="0"/>
               </a:rPr>
-              <a:t>Р</a:t>
-            </a:r>
-            <a:r>
-              <a:rPr kumimoji="0" lang="ru-RU" altLang="ru-RU" sz="1200" b="0" i="0" u="none" strike="noStrike" cap="none" normalizeH="0" baseline="0" dirty="0" smtClean="0">
-                <a:ln>
-                  <a:noFill/>
-                </a:ln>
-                <a:solidFill>
-                  <a:schemeClr val="tx1"/>
-                </a:solidFill>
-                <a:effectLst/>
-                <a:latin typeface="Times New Roman" panose="02020603050405020304" pitchFamily="18" charset="0"/>
-                <a:ea typeface="Times New Roman" panose="02020603050405020304" pitchFamily="18" charset="0"/>
-                <a:cs typeface="Times New Roman" panose="02020603050405020304" pitchFamily="18" charset="0"/>
-              </a:rPr>
-              <a:t>ис. </a:t>
-            </a:r>
-            <a:r>
-              <a:rPr lang="ru-RU" altLang="ru-RU" sz="1200" dirty="0" smtClean="0">
-                <a:latin typeface="Times New Roman" panose="02020603050405020304" pitchFamily="18" charset="0"/>
-                <a:ea typeface="Times New Roman" panose="02020603050405020304" pitchFamily="18" charset="0"/>
-                <a:cs typeface="Times New Roman" panose="02020603050405020304" pitchFamily="18" charset="0"/>
-              </a:rPr>
-              <a:t>2</a:t>
-            </a:r>
-            <a:r>
-              <a:rPr lang="ru-RU" altLang="ru-RU" sz="1200" dirty="0" smtClean="0">
-                <a:latin typeface="Times New Roman" panose="02020603050405020304" pitchFamily="18" charset="0"/>
-                <a:ea typeface="Times New Roman" panose="02020603050405020304" pitchFamily="18" charset="0"/>
-                <a:cs typeface="Times New Roman" panose="02020603050405020304" pitchFamily="18" charset="0"/>
-              </a:rPr>
-              <a:t> Траектория снаряда </a:t>
-            </a:r>
-            <a:endParaRPr kumimoji="0" lang="ru-RU" altLang="ru-RU" sz="1200" b="0" i="0" u="none" strike="noStrike" cap="none" normalizeH="0" baseline="0" dirty="0" smtClean="0">
+              <a:t>Определение имитационной модели снаряда</a:t>
+            </a:r>
+            <a:endParaRPr kumimoji="0" lang="ru-RU" altLang="ru-RU" b="1" i="0" u="none" strike="noStrike" cap="none" normalizeH="0" baseline="0" dirty="0" smtClean="0">
               <a:ln>
                 <a:noFill/>
               </a:ln>
@@ -6319,38 +5972,109 @@
           </a:p>
         </p:txBody>
       </p:sp>
+      <p:sp>
+        <p:nvSpPr>
+          <p:cNvPr id="15" name="Прямоугольник 14"/>
+          <p:cNvSpPr/>
+          <p:nvPr/>
+        </p:nvSpPr>
+        <p:spPr>
+          <a:xfrm>
+            <a:off x="25198" y="607671"/>
+            <a:ext cx="3972938" cy="738664"/>
+          </a:xfrm>
+          <a:prstGeom prst="rect">
+            <a:avLst/>
+          </a:prstGeom>
+        </p:spPr>
+        <p:txBody>
+          <a:bodyPr wrap="square">
+            <a:spAutoFit/>
+          </a:bodyPr>
+          <a:lstStyle/>
+          <a:p>
+            <a:pPr algn="just"/>
+            <a:r>
+              <a:rPr lang="ru-RU" b="1" dirty="0" smtClean="0">
+                <a:latin typeface="Times New Roman" panose="02020603050405020304" pitchFamily="18" charset="0"/>
+                <a:ea typeface="Times New Roman" panose="02020603050405020304" pitchFamily="18" charset="0"/>
+              </a:rPr>
+              <a:t>Цель </a:t>
+            </a:r>
+            <a:r>
+              <a:rPr lang="ru-RU" b="1" dirty="0" smtClean="0">
+                <a:latin typeface="Times New Roman" panose="02020603050405020304" pitchFamily="18" charset="0"/>
+                <a:ea typeface="Times New Roman" panose="02020603050405020304" pitchFamily="18" charset="0"/>
+              </a:rPr>
+              <a:t>1. </a:t>
+            </a:r>
+            <a:r>
+              <a:rPr lang="ru-RU" i="1" dirty="0" smtClean="0">
+                <a:latin typeface="Times New Roman" panose="02020603050405020304" pitchFamily="18" charset="0"/>
+                <a:ea typeface="Times New Roman" panose="02020603050405020304" pitchFamily="18" charset="0"/>
+              </a:rPr>
+              <a:t>Описание</a:t>
+            </a:r>
+            <a:r>
+              <a:rPr lang="ru-RU" dirty="0" smtClean="0">
+                <a:latin typeface="Times New Roman" panose="02020603050405020304" pitchFamily="18" charset="0"/>
+                <a:ea typeface="Times New Roman" panose="02020603050405020304" pitchFamily="18" charset="0"/>
+              </a:rPr>
+              <a:t> поведения системы:</a:t>
+            </a:r>
+            <a:endParaRPr lang="ru-RU" dirty="0" smtClean="0">
+              <a:latin typeface="Times New Roman" panose="02020603050405020304" pitchFamily="18" charset="0"/>
+              <a:ea typeface="Times New Roman" panose="02020603050405020304" pitchFamily="18" charset="0"/>
+            </a:endParaRPr>
+          </a:p>
+          <a:p>
+            <a:pPr algn="just"/>
+            <a:r>
+              <a:rPr lang="ru-RU" dirty="0" smtClean="0">
+                <a:latin typeface="Times New Roman" panose="02020603050405020304" pitchFamily="18" charset="0"/>
+                <a:ea typeface="Times New Roman" panose="02020603050405020304" pitchFamily="18" charset="0"/>
+              </a:rPr>
+              <a:t>Система описывается с помощью следующих дифференциальных уравнений :</a:t>
+            </a:r>
+            <a:endParaRPr lang="ru-RU" dirty="0">
+              <a:latin typeface="Times New Roman" panose="02020603050405020304" pitchFamily="18" charset="0"/>
+              <a:ea typeface="Times New Roman" panose="02020603050405020304" pitchFamily="18" charset="0"/>
+            </a:endParaRPr>
+          </a:p>
+        </p:txBody>
+      </p:sp>
       <p:graphicFrame>
         <p:nvGraphicFramePr>
-          <p:cNvPr id="12" name="Объект 11"/>
+          <p:cNvPr id="17" name="Объект 16"/>
           <p:cNvGraphicFramePr>
             <a:graphicFrameLocks noChangeAspect="1"/>
           </p:cNvGraphicFramePr>
           <p:nvPr>
             <p:extLst>
               <p:ext uri="{D42A27DB-BD31-4B8C-83A1-F6EECF244321}">
-                <p14:modId xmlns:p14="http://schemas.microsoft.com/office/powerpoint/2010/main" val="945094774"/>
+                <p14:modId xmlns:p14="http://schemas.microsoft.com/office/powerpoint/2010/main" val="1425313375"/>
               </p:ext>
             </p:extLst>
           </p:nvPr>
         </p:nvGraphicFramePr>
         <p:xfrm>
-          <a:off x="29659" y="1277536"/>
-          <a:ext cx="4733794" cy="2328930"/>
+          <a:off x="25400" y="1336675"/>
+          <a:ext cx="3373438" cy="1206500"/>
         </p:xfrm>
         <a:graphic>
           <a:graphicData uri="http://schemas.openxmlformats.org/presentationml/2006/ole">
             <mc:AlternateContent xmlns:mc="http://schemas.openxmlformats.org/markup-compatibility/2006">
               <mc:Choice xmlns:v="urn:schemas-microsoft-com:vml" Requires="v">
-                <p:oleObj spid="_x0000_s55306" name="Документ" r:id="rId3" imgW="4500076" imgH="2437089" progId="Word.Document.12">
+                <p:oleObj spid="_x0000_s55338" name="Формула" r:id="rId3" imgW="3352680" imgH="1206360" progId="Equation.3">
                   <p:embed/>
                 </p:oleObj>
               </mc:Choice>
               <mc:Fallback>
-                <p:oleObj name="Документ" r:id="rId3" imgW="4500076" imgH="2437089" progId="Word.Document.12">
+                <p:oleObj name="Формула" r:id="rId3" imgW="3352680" imgH="1206360" progId="Equation.3">
                   <p:embed/>
                   <p:pic>
                     <p:nvPicPr>
-                      <p:cNvPr id="60" name="Объект 59"/>
+                      <p:cNvPr id="24" name="Объект 23"/>
                       <p:cNvPicPr>
                         <a:picLocks noChangeAspect="1" noChangeArrowheads="1"/>
                       </p:cNvPicPr>
@@ -6365,8 +6089,8 @@
                     </p:blipFill>
                     <p:spPr bwMode="auto">
                       <a:xfrm>
-                        <a:off x="29659" y="1277536"/>
-                        <a:ext cx="4733794" cy="2328930"/>
+                        <a:off x="25400" y="1336675"/>
+                        <a:ext cx="3373438" cy="1206500"/>
                       </a:xfrm>
                       <a:prstGeom prst="rect">
                         <a:avLst/>
@@ -6383,16 +6107,291 @@
       </p:graphicFrame>
       <p:sp>
         <p:nvSpPr>
-          <p:cNvPr id="13" name="Rectangle 1008"/>
-          <p:cNvSpPr>
-            <a:spLocks noChangeArrowheads="1"/>
-          </p:cNvSpPr>
+          <p:cNvPr id="29" name="Прямоугольник 28"/>
+          <p:cNvSpPr/>
           <p:nvPr/>
         </p:nvSpPr>
+        <p:spPr>
+          <a:xfrm>
+            <a:off x="4337903" y="607671"/>
+            <a:ext cx="4806097" cy="738664"/>
+          </a:xfrm>
+          <a:prstGeom prst="rect">
+            <a:avLst/>
+          </a:prstGeom>
+        </p:spPr>
+        <p:txBody>
+          <a:bodyPr wrap="square">
+            <a:spAutoFit/>
+          </a:bodyPr>
+          <a:lstStyle/>
+          <a:p>
+            <a:pPr algn="just"/>
+            <a:r>
+              <a:rPr lang="ru-RU" b="1" dirty="0" smtClean="0">
+                <a:latin typeface="Times New Roman" panose="02020603050405020304" pitchFamily="18" charset="0"/>
+                <a:ea typeface="Times New Roman" panose="02020603050405020304" pitchFamily="18" charset="0"/>
+              </a:rPr>
+              <a:t>Цель 2. </a:t>
+            </a:r>
+            <a:r>
+              <a:rPr lang="ru-RU" i="1" dirty="0" smtClean="0">
+                <a:latin typeface="Times New Roman" panose="02020603050405020304" pitchFamily="18" charset="0"/>
+                <a:ea typeface="Times New Roman" panose="02020603050405020304" pitchFamily="18" charset="0"/>
+              </a:rPr>
+              <a:t>Понять</a:t>
+            </a:r>
+            <a:r>
+              <a:rPr lang="ru-RU" dirty="0" smtClean="0">
+                <a:latin typeface="Times New Roman" panose="02020603050405020304" pitchFamily="18" charset="0"/>
+                <a:ea typeface="Times New Roman" panose="02020603050405020304" pitchFamily="18" charset="0"/>
+              </a:rPr>
+              <a:t>, как устроен объект.</a:t>
+            </a:r>
+            <a:r>
+              <a:rPr lang="ru-RU" dirty="0" smtClean="0">
+                <a:latin typeface="Times New Roman" panose="02020603050405020304" pitchFamily="18" charset="0"/>
+                <a:ea typeface="Times New Roman" panose="02020603050405020304" pitchFamily="18" charset="0"/>
+              </a:rPr>
+              <a:t>:</a:t>
+            </a:r>
+          </a:p>
+          <a:p>
+            <a:pPr algn="just"/>
+            <a:r>
+              <a:rPr lang="ru-RU" dirty="0">
+                <a:latin typeface="Times New Roman" panose="02020603050405020304" pitchFamily="18" charset="0"/>
+                <a:ea typeface="Times New Roman" panose="02020603050405020304" pitchFamily="18" charset="0"/>
+              </a:rPr>
+              <a:t>Свойства снаряда определяются в зависимости от допущений </a:t>
+            </a:r>
+            <a:r>
+              <a:rPr lang="ru-RU" dirty="0" smtClean="0">
+                <a:latin typeface="Times New Roman" panose="02020603050405020304" pitchFamily="18" charset="0"/>
+                <a:ea typeface="Times New Roman" panose="02020603050405020304" pitchFamily="18" charset="0"/>
+              </a:rPr>
+              <a:t>модели.</a:t>
+            </a:r>
+            <a:endParaRPr lang="ru-RU" dirty="0">
+              <a:latin typeface="Times New Roman" panose="02020603050405020304" pitchFamily="18" charset="0"/>
+              <a:ea typeface="Times New Roman" panose="02020603050405020304" pitchFamily="18" charset="0"/>
+            </a:endParaRPr>
+          </a:p>
+        </p:txBody>
+      </p:sp>
+      <p:sp>
+        <p:nvSpPr>
+          <p:cNvPr id="30" name="Прямоугольник 29"/>
+          <p:cNvSpPr/>
+          <p:nvPr/>
+        </p:nvSpPr>
+        <p:spPr>
+          <a:xfrm>
+            <a:off x="4337903" y="1430437"/>
+            <a:ext cx="4846837" cy="738664"/>
+          </a:xfrm>
+          <a:prstGeom prst="rect">
+            <a:avLst/>
+          </a:prstGeom>
+        </p:spPr>
+        <p:txBody>
+          <a:bodyPr wrap="square">
+            <a:spAutoFit/>
+          </a:bodyPr>
+          <a:lstStyle/>
+          <a:p>
+            <a:pPr algn="just"/>
+            <a:r>
+              <a:rPr lang="ru-RU" b="1" dirty="0" smtClean="0">
+                <a:latin typeface="Times New Roman" panose="02020603050405020304" pitchFamily="18" charset="0"/>
+                <a:ea typeface="Times New Roman" panose="02020603050405020304" pitchFamily="18" charset="0"/>
+              </a:rPr>
+              <a:t>Цель 3. </a:t>
+            </a:r>
+            <a:r>
+              <a:rPr lang="ru-RU" i="1" dirty="0" smtClean="0">
+                <a:latin typeface="Times New Roman" panose="02020603050405020304" pitchFamily="18" charset="0"/>
+                <a:ea typeface="Times New Roman" panose="02020603050405020304" pitchFamily="18" charset="0"/>
+              </a:rPr>
+              <a:t>Оптимизировать </a:t>
+            </a:r>
+            <a:r>
+              <a:rPr lang="ru-RU" dirty="0" smtClean="0">
+                <a:latin typeface="Times New Roman" panose="02020603050405020304" pitchFamily="18" charset="0"/>
+                <a:ea typeface="Times New Roman" panose="02020603050405020304" pitchFamily="18" charset="0"/>
+              </a:rPr>
+              <a:t>поведение объекта:</a:t>
+            </a:r>
+          </a:p>
+          <a:p>
+            <a:pPr algn="just"/>
+            <a:r>
+              <a:rPr lang="ru-RU" dirty="0" smtClean="0">
+                <a:latin typeface="Times New Roman" panose="02020603050405020304" pitchFamily="18" charset="0"/>
+                <a:ea typeface="Times New Roman" panose="02020603050405020304" pitchFamily="18" charset="0"/>
+              </a:rPr>
+              <a:t>При решении задачи увеличения дальности определяются оптимальные начальные параметры снаряда.</a:t>
+            </a:r>
+          </a:p>
+        </p:txBody>
+      </p:sp>
+      <p:sp>
+        <p:nvSpPr>
+          <p:cNvPr id="32" name="Прямоугольник 31"/>
+          <p:cNvSpPr/>
+          <p:nvPr/>
+        </p:nvSpPr>
+        <p:spPr>
+          <a:xfrm>
+            <a:off x="4337903" y="2250472"/>
+            <a:ext cx="4846837" cy="954107"/>
+          </a:xfrm>
+          <a:prstGeom prst="rect">
+            <a:avLst/>
+          </a:prstGeom>
+        </p:spPr>
+        <p:txBody>
+          <a:bodyPr wrap="square">
+            <a:spAutoFit/>
+          </a:bodyPr>
+          <a:lstStyle/>
+          <a:p>
+            <a:pPr algn="just"/>
+            <a:r>
+              <a:rPr lang="ru-RU" b="1" dirty="0" smtClean="0">
+                <a:latin typeface="Times New Roman" panose="02020603050405020304" pitchFamily="18" charset="0"/>
+                <a:ea typeface="Times New Roman" panose="02020603050405020304" pitchFamily="18" charset="0"/>
+              </a:rPr>
+              <a:t>Цель 4. </a:t>
+            </a:r>
+            <a:r>
+              <a:rPr lang="ru-RU" i="1" dirty="0">
+                <a:latin typeface="Times New Roman" panose="02020603050405020304" pitchFamily="18" charset="0"/>
+                <a:ea typeface="Times New Roman" panose="02020603050405020304" pitchFamily="18" charset="0"/>
+              </a:rPr>
+              <a:t>У</a:t>
+            </a:r>
+            <a:r>
+              <a:rPr lang="ru-RU" i="1" dirty="0" smtClean="0">
+                <a:latin typeface="Times New Roman" panose="02020603050405020304" pitchFamily="18" charset="0"/>
+                <a:ea typeface="Times New Roman" panose="02020603050405020304" pitchFamily="18" charset="0"/>
+              </a:rPr>
+              <a:t>правлять </a:t>
+            </a:r>
+            <a:r>
+              <a:rPr lang="ru-RU" dirty="0" smtClean="0">
+                <a:latin typeface="Times New Roman" panose="02020603050405020304" pitchFamily="18" charset="0"/>
+                <a:ea typeface="Times New Roman" panose="02020603050405020304" pitchFamily="18" charset="0"/>
+              </a:rPr>
+              <a:t>объектом, определять наилучшие способы управления при заданных целях:</a:t>
+            </a:r>
+          </a:p>
+          <a:p>
+            <a:pPr algn="just"/>
+            <a:r>
+              <a:rPr lang="ru-RU" dirty="0" smtClean="0">
+                <a:latin typeface="Times New Roman" panose="02020603050405020304" pitchFamily="18" charset="0"/>
+                <a:ea typeface="Times New Roman" panose="02020603050405020304" pitchFamily="18" charset="0"/>
+              </a:rPr>
+              <a:t>Возможность управлять снарядом выражается через влияние начальных заданных параметров на траекторию снаряда.</a:t>
+            </a:r>
+            <a:endParaRPr lang="ru-RU" dirty="0" smtClean="0">
+              <a:latin typeface="Times New Roman" panose="02020603050405020304" pitchFamily="18" charset="0"/>
+              <a:ea typeface="Times New Roman" panose="02020603050405020304" pitchFamily="18" charset="0"/>
+            </a:endParaRPr>
+          </a:p>
+        </p:txBody>
+      </p:sp>
+      <p:sp>
+        <p:nvSpPr>
+          <p:cNvPr id="33" name="Прямоугольник 32"/>
+          <p:cNvSpPr/>
+          <p:nvPr/>
+        </p:nvSpPr>
+        <p:spPr>
+          <a:xfrm>
+            <a:off x="4337903" y="3285950"/>
+            <a:ext cx="4492924" cy="738664"/>
+          </a:xfrm>
+          <a:prstGeom prst="rect">
+            <a:avLst/>
+          </a:prstGeom>
+        </p:spPr>
+        <p:txBody>
+          <a:bodyPr wrap="square">
+            <a:spAutoFit/>
+          </a:bodyPr>
+          <a:lstStyle/>
+          <a:p>
+            <a:pPr algn="just"/>
+            <a:r>
+              <a:rPr lang="ru-RU" b="1" dirty="0" smtClean="0">
+                <a:latin typeface="Times New Roman" panose="02020603050405020304" pitchFamily="18" charset="0"/>
+                <a:ea typeface="Times New Roman" panose="02020603050405020304" pitchFamily="18" charset="0"/>
+              </a:rPr>
+              <a:t>Цель 5. </a:t>
+            </a:r>
+            <a:r>
+              <a:rPr lang="ru-RU" i="1" dirty="0">
+                <a:latin typeface="Times New Roman" panose="02020603050405020304" pitchFamily="18" charset="0"/>
+                <a:ea typeface="Times New Roman" panose="02020603050405020304" pitchFamily="18" charset="0"/>
+              </a:rPr>
+              <a:t>Прогнозировать</a:t>
+            </a:r>
+            <a:r>
+              <a:rPr lang="ru-RU" dirty="0">
+                <a:latin typeface="Times New Roman" panose="02020603050405020304" pitchFamily="18" charset="0"/>
+                <a:ea typeface="Times New Roman" panose="02020603050405020304" pitchFamily="18" charset="0"/>
+              </a:rPr>
+              <a:t> будущее поведение </a:t>
+            </a:r>
+            <a:r>
+              <a:rPr lang="ru-RU" dirty="0" smtClean="0">
+                <a:latin typeface="Times New Roman" panose="02020603050405020304" pitchFamily="18" charset="0"/>
+                <a:ea typeface="Times New Roman" panose="02020603050405020304" pitchFamily="18" charset="0"/>
+              </a:rPr>
+              <a:t>системы:</a:t>
+            </a:r>
+          </a:p>
+          <a:p>
+            <a:pPr algn="just"/>
+            <a:r>
+              <a:rPr lang="ru-RU" dirty="0" smtClean="0">
+                <a:latin typeface="Times New Roman" panose="02020603050405020304" pitchFamily="18" charset="0"/>
+                <a:ea typeface="Times New Roman" panose="02020603050405020304" pitchFamily="18" charset="0"/>
+              </a:rPr>
+              <a:t>Прогнозирование снаряда выражается в построении траектории его полёта.</a:t>
+            </a:r>
+            <a:endParaRPr lang="ru-RU" dirty="0">
+              <a:latin typeface="Times New Roman" panose="02020603050405020304" pitchFamily="18" charset="0"/>
+              <a:ea typeface="Times New Roman" panose="02020603050405020304" pitchFamily="18" charset="0"/>
+            </a:endParaRPr>
+          </a:p>
+        </p:txBody>
+      </p:sp>
+      <p:pic>
+        <p:nvPicPr>
+          <p:cNvPr id="35" name="Рисунок 34"/>
+          <p:cNvPicPr/>
+          <p:nvPr/>
+        </p:nvPicPr>
+        <p:blipFill>
+          <a:blip r:embed="rId5" cstate="print">
+            <a:extLst>
+              <a:ext uri="{28A0092B-C50C-407E-A947-70E740481C1C}">
+                <a14:useLocalDpi xmlns:a14="http://schemas.microsoft.com/office/drawing/2010/main" val="0"/>
+              </a:ext>
+            </a:extLst>
+          </a:blip>
+          <a:srcRect/>
+          <a:stretch>
+            <a:fillRect/>
+          </a:stretch>
+        </p:blipFill>
         <p:spPr bwMode="auto">
           <a:xfrm>
-            <a:off x="2045847" y="306326"/>
-            <a:ext cx="4303435" cy="276999"/>
+            <a:off x="98248" y="2663396"/>
+            <a:ext cx="4130632" cy="1805951"/>
           </a:xfrm>
           <a:prstGeom prst="rect">
             <a:avLst/>
@@ -6401,862 +6400,50 @@
           <a:ln>
             <a:noFill/>
           </a:ln>
-          <a:effectLst/>
-          <a:extLst>
-            <a:ext uri="{909E8E84-426E-40DD-AFC4-6F175D3DCCD1}">
-              <a14:hiddenFill xmlns:a14="http://schemas.microsoft.com/office/drawing/2010/main">
-                <a:solidFill>
-                  <a:schemeClr val="accent1"/>
-                </a:solidFill>
-              </a14:hiddenFill>
-            </a:ext>
-            <a:ext uri="{91240B29-F687-4F45-9708-019B960494DF}">
-              <a14:hiddenLine xmlns:a14="http://schemas.microsoft.com/office/drawing/2010/main" w="9525">
-                <a:solidFill>
-                  <a:schemeClr val="tx1"/>
-                </a:solidFill>
-                <a:miter lim="800000"/>
-                <a:headEnd/>
-                <a:tailEnd/>
-              </a14:hiddenLine>
-            </a:ext>
-            <a:ext uri="{AF507438-7753-43E0-B8FC-AC1667EBCBE1}">
-              <a14:hiddenEffects xmlns:a14="http://schemas.microsoft.com/office/drawing/2010/main">
-                <a:effectLst>
-                  <a:outerShdw dist="35921" dir="2700000" algn="ctr" rotWithShape="0">
-                    <a:schemeClr val="bg2"/>
-                  </a:outerShdw>
-                </a:effectLst>
-              </a14:hiddenEffects>
-            </a:ext>
-          </a:extLst>
         </p:spPr>
-        <p:txBody>
-          <a:bodyPr vert="horz" wrap="square" lIns="91440" tIns="45720" rIns="91440" bIns="45720" numCol="1" anchor="ctr" anchorCtr="0" compatLnSpc="1">
-            <a:prstTxWarp prst="textNoShape">
-              <a:avLst/>
-            </a:prstTxWarp>
-            <a:spAutoFit/>
-          </a:bodyPr>
-          <a:lstStyle/>
-          <a:p>
-            <a:pPr lvl="0" algn="ctr" defTabSz="914400" eaLnBrk="0" fontAlgn="base" hangingPunct="0">
-              <a:spcBef>
-                <a:spcPct val="0"/>
-              </a:spcBef>
-              <a:spcAft>
-                <a:spcPct val="0"/>
-              </a:spcAft>
-            </a:pPr>
-            <a:r>
-              <a:rPr lang="ru-RU" altLang="ru-RU" sz="1200" b="1" dirty="0" smtClean="0">
-                <a:latin typeface="Times New Roman" panose="02020603050405020304" pitchFamily="18" charset="0"/>
-                <a:cs typeface="Times New Roman" panose="02020603050405020304" pitchFamily="18" charset="0"/>
-              </a:rPr>
-              <a:t>Определение имитационной модели снаряда</a:t>
-            </a:r>
-            <a:endParaRPr kumimoji="0" lang="ru-RU" altLang="ru-RU" sz="1200" b="1" i="0" u="none" strike="noStrike" cap="none" normalizeH="0" baseline="0" dirty="0" smtClean="0">
-              <a:ln>
-                <a:noFill/>
-              </a:ln>
-              <a:solidFill>
-                <a:schemeClr val="tx1"/>
-              </a:solidFill>
-              <a:effectLst/>
-              <a:latin typeface="Times New Roman" panose="02020603050405020304" pitchFamily="18" charset="0"/>
-              <a:cs typeface="Times New Roman" panose="02020603050405020304" pitchFamily="18" charset="0"/>
-            </a:endParaRPr>
-          </a:p>
-        </p:txBody>
-      </p:sp>
-      <p:sp>
-        <p:nvSpPr>
-          <p:cNvPr id="15" name="Прямоугольник 14"/>
+      </p:pic>
+      <p:sp>
+        <p:nvSpPr>
+          <p:cNvPr id="4" name="Прямоугольник 3"/>
           <p:cNvSpPr/>
           <p:nvPr/>
         </p:nvSpPr>
         <p:spPr>
           <a:xfrm>
-            <a:off x="29659" y="520319"/>
-            <a:ext cx="4621417" cy="738664"/>
+            <a:off x="66932" y="4466793"/>
+            <a:ext cx="4193264" cy="276999"/>
           </a:xfrm>
           <a:prstGeom prst="rect">
             <a:avLst/>
           </a:prstGeom>
         </p:spPr>
         <p:txBody>
-          <a:bodyPr wrap="square">
+          <a:bodyPr wrap="none">
             <a:spAutoFit/>
           </a:bodyPr>
           <a:lstStyle/>
           <a:p>
-            <a:pPr algn="just"/>
-            <a:r>
-              <a:rPr lang="ru-RU" b="1" dirty="0" smtClean="0">
+            <a:r>
+              <a:rPr lang="ru-RU" sz="1200" dirty="0" smtClean="0">
                 <a:latin typeface="Times New Roman" panose="02020603050405020304" pitchFamily="18" charset="0"/>
                 <a:ea typeface="Times New Roman" panose="02020603050405020304" pitchFamily="18" charset="0"/>
               </a:rPr>
-              <a:t>Этап 1. </a:t>
-            </a:r>
-            <a:r>
-              <a:rPr lang="ru-RU" dirty="0" smtClean="0">
-                <a:latin typeface="Times New Roman" panose="02020603050405020304" pitchFamily="18" charset="0"/>
-                <a:ea typeface="Times New Roman" panose="02020603050405020304" pitchFamily="18" charset="0"/>
-              </a:rPr>
-              <a:t>Содержательная постановка:</a:t>
-            </a:r>
-          </a:p>
-          <a:p>
-            <a:pPr algn="just"/>
-            <a:r>
-              <a:rPr lang="ru-RU" dirty="0" smtClean="0">
-                <a:latin typeface="Times New Roman" panose="02020603050405020304" pitchFamily="18" charset="0"/>
-                <a:ea typeface="Times New Roman" panose="02020603050405020304" pitchFamily="18" charset="0"/>
-              </a:rPr>
-              <a:t>Задача: определить максимальную дальность полёта активно-реактивного снаряда</a:t>
-            </a:r>
-            <a:endParaRPr lang="ru-RU" dirty="0">
-              <a:latin typeface="Times New Roman" panose="02020603050405020304" pitchFamily="18" charset="0"/>
-              <a:ea typeface="Times New Roman" panose="02020603050405020304" pitchFamily="18" charset="0"/>
-            </a:endParaRPr>
-          </a:p>
-        </p:txBody>
-      </p:sp>
-      <p:graphicFrame>
-        <p:nvGraphicFramePr>
-          <p:cNvPr id="17" name="Объект 16"/>
-          <p:cNvGraphicFramePr>
-            <a:graphicFrameLocks noChangeAspect="1"/>
-          </p:cNvGraphicFramePr>
-          <p:nvPr>
-            <p:extLst>
-              <p:ext uri="{D42A27DB-BD31-4B8C-83A1-F6EECF244321}">
-                <p14:modId xmlns:p14="http://schemas.microsoft.com/office/powerpoint/2010/main" val="771770421"/>
-              </p:ext>
-            </p:extLst>
-          </p:nvPr>
-        </p:nvGraphicFramePr>
-        <p:xfrm>
-          <a:off x="5177396" y="1068078"/>
-          <a:ext cx="1431925" cy="393700"/>
-        </p:xfrm>
-        <a:graphic>
-          <a:graphicData uri="http://schemas.openxmlformats.org/presentationml/2006/ole">
-            <mc:AlternateContent xmlns:mc="http://schemas.openxmlformats.org/markup-compatibility/2006">
-              <mc:Choice xmlns:v="urn:schemas-microsoft-com:vml" Requires="v">
-                <p:oleObj spid="_x0000_s55307" name="Формула" r:id="rId5" imgW="1422360" imgH="393480" progId="Equation.3">
-                  <p:embed/>
-                </p:oleObj>
-              </mc:Choice>
-              <mc:Fallback>
-                <p:oleObj name="Формула" r:id="rId5" imgW="1422360" imgH="393480" progId="Equation.3">
-                  <p:embed/>
-                  <p:pic>
-                    <p:nvPicPr>
-                      <p:cNvPr id="24" name="Объект 23"/>
-                      <p:cNvPicPr>
-                        <a:picLocks noChangeAspect="1" noChangeArrowheads="1"/>
-                      </p:cNvPicPr>
-                      <p:nvPr/>
-                    </p:nvPicPr>
-                    <p:blipFill>
-                      <a:blip r:embed="rId6"/>
-                      <a:srcRect/>
-                      <a:stretch>
-                        <a:fillRect/>
-                      </a:stretch>
-                    </p:blipFill>
-                    <p:spPr bwMode="auto">
-                      <a:xfrm>
-                        <a:off x="5177396" y="1068078"/>
-                        <a:ext cx="1431925" cy="393700"/>
-                      </a:xfrm>
-                      <a:prstGeom prst="rect">
-                        <a:avLst/>
-                      </a:prstGeom>
-                      <a:noFill/>
-                      <a:extLst>
-                        <a:ext uri="{909E8E84-426E-40DD-AFC4-6F175D3DCCD1}">
-                          <a14:hiddenFill xmlns:a14="http://schemas.microsoft.com/office/drawing/2010/main">
-                            <a:solidFill>
-                              <a:srgbClr val="FFFFFF"/>
-                            </a:solidFill>
-                          </a14:hiddenFill>
-                        </a:ext>
-                      </a:extLst>
-                    </p:spPr>
-                  </p:pic>
-                </p:oleObj>
-              </mc:Fallback>
-            </mc:AlternateContent>
-          </a:graphicData>
-        </a:graphic>
-      </p:graphicFrame>
-      <p:graphicFrame>
-        <p:nvGraphicFramePr>
-          <p:cNvPr id="19" name="Объект 18"/>
-          <p:cNvGraphicFramePr>
-            <a:graphicFrameLocks noChangeAspect="1"/>
-          </p:cNvGraphicFramePr>
-          <p:nvPr>
-            <p:extLst>
-              <p:ext uri="{D42A27DB-BD31-4B8C-83A1-F6EECF244321}">
-                <p14:modId xmlns:p14="http://schemas.microsoft.com/office/powerpoint/2010/main" val="2681754777"/>
-              </p:ext>
-            </p:extLst>
-          </p:nvPr>
-        </p:nvGraphicFramePr>
-        <p:xfrm>
-          <a:off x="6609321" y="1071982"/>
-          <a:ext cx="1016000" cy="382588"/>
-        </p:xfrm>
-        <a:graphic>
-          <a:graphicData uri="http://schemas.openxmlformats.org/presentationml/2006/ole">
-            <mc:AlternateContent xmlns:mc="http://schemas.openxmlformats.org/markup-compatibility/2006">
-              <mc:Choice xmlns:v="urn:schemas-microsoft-com:vml" Requires="v">
-                <p:oleObj spid="_x0000_s55308" name="Формула" r:id="rId7" imgW="1015920" imgH="393480" progId="Equation.3">
-                  <p:embed/>
-                </p:oleObj>
-              </mc:Choice>
-              <mc:Fallback>
-                <p:oleObj name="Формула" r:id="rId7" imgW="1015920" imgH="393480" progId="Equation.3">
-                  <p:embed/>
-                  <p:pic>
-                    <p:nvPicPr>
-                      <p:cNvPr id="26" name="Объект 25"/>
-                      <p:cNvPicPr>
-                        <a:picLocks noChangeAspect="1" noChangeArrowheads="1"/>
-                      </p:cNvPicPr>
-                      <p:nvPr/>
-                    </p:nvPicPr>
-                    <p:blipFill>
-                      <a:blip r:embed="rId8"/>
-                      <a:srcRect/>
-                      <a:stretch>
-                        <a:fillRect/>
-                      </a:stretch>
-                    </p:blipFill>
-                    <p:spPr bwMode="auto">
-                      <a:xfrm>
-                        <a:off x="6609321" y="1071982"/>
-                        <a:ext cx="1016000" cy="382588"/>
-                      </a:xfrm>
-                      <a:prstGeom prst="rect">
-                        <a:avLst/>
-                      </a:prstGeom>
-                      <a:noFill/>
-                      <a:extLst>
-                        <a:ext uri="{909E8E84-426E-40DD-AFC4-6F175D3DCCD1}">
-                          <a14:hiddenFill xmlns:a14="http://schemas.microsoft.com/office/drawing/2010/main">
-                            <a:solidFill>
-                              <a:srgbClr val="FFFFFF"/>
-                            </a:solidFill>
-                          </a14:hiddenFill>
-                        </a:ext>
-                      </a:extLst>
-                    </p:spPr>
-                  </p:pic>
-                </p:oleObj>
-              </mc:Fallback>
-            </mc:AlternateContent>
-          </a:graphicData>
-        </a:graphic>
-      </p:graphicFrame>
-      <p:graphicFrame>
-        <p:nvGraphicFramePr>
-          <p:cNvPr id="20" name="Объект 19"/>
-          <p:cNvGraphicFramePr>
-            <a:graphicFrameLocks noChangeAspect="1"/>
-          </p:cNvGraphicFramePr>
-          <p:nvPr>
-            <p:extLst>
-              <p:ext uri="{D42A27DB-BD31-4B8C-83A1-F6EECF244321}">
-                <p14:modId xmlns:p14="http://schemas.microsoft.com/office/powerpoint/2010/main" val="1653126800"/>
-              </p:ext>
-            </p:extLst>
-          </p:nvPr>
-        </p:nvGraphicFramePr>
-        <p:xfrm>
-          <a:off x="7651378" y="1060870"/>
-          <a:ext cx="1384300" cy="393700"/>
-        </p:xfrm>
-        <a:graphic>
-          <a:graphicData uri="http://schemas.openxmlformats.org/presentationml/2006/ole">
-            <mc:AlternateContent xmlns:mc="http://schemas.openxmlformats.org/markup-compatibility/2006">
-              <mc:Choice xmlns:v="urn:schemas-microsoft-com:vml" Requires="v">
-                <p:oleObj spid="_x0000_s55309" name="Формула" r:id="rId9" imgW="1384200" imgH="393480" progId="Equation.3">
-                  <p:embed/>
-                </p:oleObj>
-              </mc:Choice>
-              <mc:Fallback>
-                <p:oleObj name="Формула" r:id="rId9" imgW="1384200" imgH="393480" progId="Equation.3">
-                  <p:embed/>
-                  <p:pic>
-                    <p:nvPicPr>
-                      <p:cNvPr id="28" name="Объект 27"/>
-                      <p:cNvPicPr>
-                        <a:picLocks noChangeAspect="1" noChangeArrowheads="1"/>
-                      </p:cNvPicPr>
-                      <p:nvPr/>
-                    </p:nvPicPr>
-                    <p:blipFill>
-                      <a:blip r:embed="rId10"/>
-                      <a:srcRect/>
-                      <a:stretch>
-                        <a:fillRect/>
-                      </a:stretch>
-                    </p:blipFill>
-                    <p:spPr bwMode="auto">
-                      <a:xfrm>
-                        <a:off x="7651378" y="1060870"/>
-                        <a:ext cx="1384300" cy="393700"/>
-                      </a:xfrm>
-                      <a:prstGeom prst="rect">
-                        <a:avLst/>
-                      </a:prstGeom>
-                      <a:noFill/>
-                      <a:extLst>
-                        <a:ext uri="{909E8E84-426E-40DD-AFC4-6F175D3DCCD1}">
-                          <a14:hiddenFill xmlns:a14="http://schemas.microsoft.com/office/drawing/2010/main">
-                            <a:solidFill>
-                              <a:srgbClr val="FFFFFF"/>
-                            </a:solidFill>
-                          </a14:hiddenFill>
-                        </a:ext>
-                      </a:extLst>
-                    </p:spPr>
-                  </p:pic>
-                </p:oleObj>
-              </mc:Fallback>
-            </mc:AlternateContent>
-          </a:graphicData>
-        </a:graphic>
-      </p:graphicFrame>
-      <p:sp>
-        <p:nvSpPr>
-          <p:cNvPr id="21" name="Rectangle 68"/>
-          <p:cNvSpPr>
-            <a:spLocks noChangeArrowheads="1"/>
-          </p:cNvSpPr>
-          <p:nvPr/>
-        </p:nvSpPr>
-        <p:spPr bwMode="auto">
-          <a:xfrm>
-            <a:off x="6208347" y="837053"/>
-            <a:ext cx="1995278" cy="261610"/>
-          </a:xfrm>
-          <a:prstGeom prst="rect">
-            <a:avLst/>
-          </a:prstGeom>
-          <a:noFill/>
-          <a:ln>
-            <a:noFill/>
-          </a:ln>
-          <a:effectLst/>
-          <a:extLst>
-            <a:ext uri="{909E8E84-426E-40DD-AFC4-6F175D3DCCD1}">
-              <a14:hiddenFill xmlns:a14="http://schemas.microsoft.com/office/drawing/2010/main">
-                <a:solidFill>
-                  <a:schemeClr val="accent1"/>
-                </a:solidFill>
-              </a14:hiddenFill>
-            </a:ext>
-            <a:ext uri="{91240B29-F687-4F45-9708-019B960494DF}">
-              <a14:hiddenLine xmlns:a14="http://schemas.microsoft.com/office/drawing/2010/main" w="9525">
-                <a:solidFill>
-                  <a:schemeClr val="tx1"/>
-                </a:solidFill>
-                <a:miter lim="800000"/>
-                <a:headEnd/>
-                <a:tailEnd/>
-              </a14:hiddenLine>
-            </a:ext>
-            <a:ext uri="{AF507438-7753-43E0-B8FC-AC1667EBCBE1}">
-              <a14:hiddenEffects xmlns:a14="http://schemas.microsoft.com/office/drawing/2010/main">
-                <a:effectLst>
-                  <a:outerShdw dist="35921" dir="2700000" algn="ctr" rotWithShape="0">
-                    <a:schemeClr val="bg2"/>
-                  </a:outerShdw>
-                </a:effectLst>
-              </a14:hiddenEffects>
-            </a:ext>
-          </a:extLst>
-        </p:spPr>
-        <p:txBody>
-          <a:bodyPr vert="horz" wrap="square" lIns="91440" tIns="45720" rIns="91440" bIns="45720" numCol="1" anchor="ctr" anchorCtr="0" compatLnSpc="1">
-            <a:prstTxWarp prst="textNoShape">
-              <a:avLst/>
-            </a:prstTxWarp>
-            <a:spAutoFit/>
-          </a:bodyPr>
-          <a:lstStyle/>
-          <a:p>
-            <a:pPr marL="0" marR="0" lvl="0" indent="0" algn="just" defTabSz="914400" rtl="0" eaLnBrk="0" fontAlgn="base" latinLnBrk="0" hangingPunct="0">
-              <a:lnSpc>
-                <a:spcPct val="100000"/>
-              </a:lnSpc>
-              <a:spcBef>
-                <a:spcPct val="0"/>
-              </a:spcBef>
-              <a:spcAft>
-                <a:spcPct val="0"/>
-              </a:spcAft>
-              <a:buClrTx/>
-              <a:buSzTx/>
-              <a:buFontTx/>
-              <a:buNone/>
-              <a:tabLst/>
-            </a:pPr>
-            <a:r>
-              <a:rPr kumimoji="0" lang="en-US" altLang="ru-RU" sz="1100" b="1" i="0" u="none" strike="noStrike" cap="none" normalizeH="0" baseline="0" dirty="0" smtClean="0">
-                <a:ln>
-                  <a:noFill/>
-                </a:ln>
-                <a:solidFill>
-                  <a:schemeClr val="tx1"/>
-                </a:solidFill>
-                <a:effectLst/>
-                <a:latin typeface="Times New Roman" panose="02020603050405020304" pitchFamily="18" charset="0"/>
-                <a:ea typeface="Calibri" panose="020F0502020204030204" pitchFamily="34" charset="0"/>
-                <a:cs typeface="Times New Roman" panose="02020603050405020304" pitchFamily="18" charset="0"/>
-              </a:rPr>
-              <a:t>  </a:t>
-            </a:r>
-            <a:r>
-              <a:rPr kumimoji="0" lang="ru-RU" altLang="ru-RU" sz="1100" i="0" u="none" strike="noStrike" cap="none" normalizeH="0" baseline="0" dirty="0" smtClean="0">
-                <a:ln>
-                  <a:noFill/>
-                </a:ln>
-                <a:solidFill>
-                  <a:schemeClr val="tx1"/>
-                </a:solidFill>
-                <a:effectLst/>
-                <a:latin typeface="Times New Roman" panose="02020603050405020304" pitchFamily="18" charset="0"/>
-                <a:ea typeface="Calibri" panose="020F0502020204030204" pitchFamily="34" charset="0"/>
-                <a:cs typeface="Times New Roman" panose="02020603050405020304" pitchFamily="18" charset="0"/>
-              </a:rPr>
-              <a:t>Координаты центра масс</a:t>
-            </a:r>
-            <a:r>
-              <a:rPr kumimoji="0" lang="ru-RU" altLang="ru-RU" sz="1100" i="0" u="none" strike="noStrike" cap="none" normalizeH="0" dirty="0" smtClean="0">
-                <a:ln>
-                  <a:noFill/>
-                </a:ln>
-                <a:solidFill>
-                  <a:schemeClr val="tx1"/>
-                </a:solidFill>
-                <a:effectLst/>
-                <a:latin typeface="Times New Roman" panose="02020603050405020304" pitchFamily="18" charset="0"/>
-                <a:ea typeface="Calibri" panose="020F0502020204030204" pitchFamily="34" charset="0"/>
-                <a:cs typeface="Times New Roman" panose="02020603050405020304" pitchFamily="18" charset="0"/>
-              </a:rPr>
-              <a:t>: </a:t>
-            </a:r>
-            <a:endParaRPr kumimoji="0" lang="en-US" altLang="ru-RU" sz="1100" i="0" u="none" strike="noStrike" cap="none" normalizeH="0" baseline="0" dirty="0" smtClean="0">
-              <a:ln>
-                <a:noFill/>
-              </a:ln>
-              <a:solidFill>
-                <a:schemeClr val="tx1"/>
-              </a:solidFill>
-              <a:effectLst/>
-              <a:latin typeface="Times New Roman" panose="02020603050405020304" pitchFamily="18" charset="0"/>
-              <a:ea typeface="Calibri" panose="020F0502020204030204" pitchFamily="34" charset="0"/>
-              <a:cs typeface="Times New Roman" panose="02020603050405020304" pitchFamily="18" charset="0"/>
-            </a:endParaRPr>
-          </a:p>
-        </p:txBody>
-      </p:sp>
-      <p:sp>
-        <p:nvSpPr>
-          <p:cNvPr id="22" name="Rectangle 68"/>
-          <p:cNvSpPr>
-            <a:spLocks noChangeArrowheads="1"/>
-          </p:cNvSpPr>
-          <p:nvPr/>
-        </p:nvSpPr>
-        <p:spPr bwMode="auto">
-          <a:xfrm>
-            <a:off x="5177396" y="1558694"/>
-            <a:ext cx="2125192" cy="261610"/>
-          </a:xfrm>
-          <a:prstGeom prst="rect">
-            <a:avLst/>
-          </a:prstGeom>
-          <a:noFill/>
-          <a:ln>
-            <a:noFill/>
-          </a:ln>
-          <a:effectLst/>
-          <a:extLst>
-            <a:ext uri="{909E8E84-426E-40DD-AFC4-6F175D3DCCD1}">
-              <a14:hiddenFill xmlns:a14="http://schemas.microsoft.com/office/drawing/2010/main">
-                <a:solidFill>
-                  <a:schemeClr val="accent1"/>
-                </a:solidFill>
-              </a14:hiddenFill>
-            </a:ext>
-            <a:ext uri="{91240B29-F687-4F45-9708-019B960494DF}">
-              <a14:hiddenLine xmlns:a14="http://schemas.microsoft.com/office/drawing/2010/main" w="9525">
-                <a:solidFill>
-                  <a:schemeClr val="tx1"/>
-                </a:solidFill>
-                <a:miter lim="800000"/>
-                <a:headEnd/>
-                <a:tailEnd/>
-              </a14:hiddenLine>
-            </a:ext>
-            <a:ext uri="{AF507438-7753-43E0-B8FC-AC1667EBCBE1}">
-              <a14:hiddenEffects xmlns:a14="http://schemas.microsoft.com/office/drawing/2010/main">
-                <a:effectLst>
-                  <a:outerShdw dist="35921" dir="2700000" algn="ctr" rotWithShape="0">
-                    <a:schemeClr val="bg2"/>
-                  </a:outerShdw>
-                </a:effectLst>
-              </a14:hiddenEffects>
-            </a:ext>
-          </a:extLst>
-        </p:spPr>
-        <p:txBody>
-          <a:bodyPr vert="horz" wrap="square" lIns="91440" tIns="45720" rIns="91440" bIns="45720" numCol="1" anchor="ctr" anchorCtr="0" compatLnSpc="1">
-            <a:prstTxWarp prst="textNoShape">
-              <a:avLst/>
-            </a:prstTxWarp>
-            <a:spAutoFit/>
-          </a:bodyPr>
-          <a:lstStyle/>
-          <a:p>
-            <a:pPr marL="0" marR="0" lvl="0" indent="0" algn="just" defTabSz="914400" rtl="0" eaLnBrk="0" fontAlgn="base" latinLnBrk="0" hangingPunct="0">
-              <a:lnSpc>
-                <a:spcPct val="100000"/>
-              </a:lnSpc>
-              <a:spcBef>
-                <a:spcPct val="0"/>
-              </a:spcBef>
-              <a:spcAft>
-                <a:spcPct val="0"/>
-              </a:spcAft>
-              <a:buClrTx/>
-              <a:buSzTx/>
-              <a:buFontTx/>
-              <a:buNone/>
-              <a:tabLst/>
-            </a:pPr>
-            <a:r>
-              <a:rPr lang="ru-RU" altLang="ru-RU" sz="1100" dirty="0" smtClean="0">
-                <a:latin typeface="Times New Roman" panose="02020603050405020304" pitchFamily="18" charset="0"/>
-                <a:ea typeface="Calibri" panose="020F0502020204030204" pitchFamily="34" charset="0"/>
-                <a:cs typeface="Times New Roman" panose="02020603050405020304" pitchFamily="18" charset="0"/>
-              </a:rPr>
-              <a:t>Скорость снаряда</a:t>
-            </a:r>
-            <a:r>
-              <a:rPr kumimoji="0" lang="ru-RU" altLang="ru-RU" sz="1100" i="0" u="none" strike="noStrike" cap="none" normalizeH="0" dirty="0" smtClean="0">
-                <a:ln>
-                  <a:noFill/>
-                </a:ln>
-                <a:solidFill>
-                  <a:schemeClr val="tx1"/>
-                </a:solidFill>
-                <a:effectLst/>
-                <a:latin typeface="Times New Roman" panose="02020603050405020304" pitchFamily="18" charset="0"/>
-                <a:ea typeface="Calibri" panose="020F0502020204030204" pitchFamily="34" charset="0"/>
-                <a:cs typeface="Times New Roman" panose="02020603050405020304" pitchFamily="18" charset="0"/>
-              </a:rPr>
-              <a:t>: </a:t>
-            </a:r>
-            <a:endParaRPr kumimoji="0" lang="en-US" altLang="ru-RU" sz="1100" i="0" u="none" strike="noStrike" cap="none" normalizeH="0" baseline="0" dirty="0" smtClean="0">
-              <a:ln>
-                <a:noFill/>
-              </a:ln>
-              <a:solidFill>
-                <a:schemeClr val="tx1"/>
-              </a:solidFill>
-              <a:effectLst/>
-              <a:latin typeface="Times New Roman" panose="02020603050405020304" pitchFamily="18" charset="0"/>
-              <a:ea typeface="Calibri" panose="020F0502020204030204" pitchFamily="34" charset="0"/>
-              <a:cs typeface="Times New Roman" panose="02020603050405020304" pitchFamily="18" charset="0"/>
-            </a:endParaRPr>
-          </a:p>
-        </p:txBody>
-      </p:sp>
-      <p:graphicFrame>
-        <p:nvGraphicFramePr>
-          <p:cNvPr id="24" name="Объект 23"/>
-          <p:cNvGraphicFramePr>
-            <a:graphicFrameLocks noChangeAspect="1"/>
-          </p:cNvGraphicFramePr>
-          <p:nvPr>
-            <p:extLst>
-              <p:ext uri="{D42A27DB-BD31-4B8C-83A1-F6EECF244321}">
-                <p14:modId xmlns:p14="http://schemas.microsoft.com/office/powerpoint/2010/main" val="1201730455"/>
-              </p:ext>
-            </p:extLst>
-          </p:nvPr>
-        </p:nvGraphicFramePr>
-        <p:xfrm>
-          <a:off x="5177396" y="1848612"/>
-          <a:ext cx="1849438" cy="458788"/>
-        </p:xfrm>
-        <a:graphic>
-          <a:graphicData uri="http://schemas.openxmlformats.org/presentationml/2006/ole">
-            <mc:AlternateContent xmlns:mc="http://schemas.openxmlformats.org/markup-compatibility/2006">
-              <mc:Choice xmlns:v="urn:schemas-microsoft-com:vml" Requires="v">
-                <p:oleObj spid="_x0000_s55310" name="Формула" r:id="rId11" imgW="1866600" imgH="469800" progId="Equation.3">
-                  <p:embed/>
-                </p:oleObj>
-              </mc:Choice>
-              <mc:Fallback>
-                <p:oleObj name="Формула" r:id="rId11" imgW="1866600" imgH="469800" progId="Equation.3">
-                  <p:embed/>
-                  <p:pic>
-                    <p:nvPicPr>
-                      <p:cNvPr id="30" name="Объект 29"/>
-                      <p:cNvPicPr>
-                        <a:picLocks noChangeAspect="1" noChangeArrowheads="1"/>
-                      </p:cNvPicPr>
-                      <p:nvPr/>
-                    </p:nvPicPr>
-                    <p:blipFill>
-                      <a:blip r:embed="rId12"/>
-                      <a:srcRect/>
-                      <a:stretch>
-                        <a:fillRect/>
-                      </a:stretch>
-                    </p:blipFill>
-                    <p:spPr bwMode="auto">
-                      <a:xfrm>
-                        <a:off x="5177396" y="1848612"/>
-                        <a:ext cx="1849438" cy="458788"/>
-                      </a:xfrm>
-                      <a:prstGeom prst="rect">
-                        <a:avLst/>
-                      </a:prstGeom>
-                      <a:noFill/>
-                      <a:extLst/>
-                    </p:spPr>
-                  </p:pic>
-                </p:oleObj>
-              </mc:Fallback>
-            </mc:AlternateContent>
-          </a:graphicData>
-        </a:graphic>
-      </p:graphicFrame>
-      <p:sp>
-        <p:nvSpPr>
-          <p:cNvPr id="25" name="Rectangle 68"/>
-          <p:cNvSpPr>
-            <a:spLocks noChangeArrowheads="1"/>
-          </p:cNvSpPr>
-          <p:nvPr/>
-        </p:nvSpPr>
-        <p:spPr bwMode="auto">
-          <a:xfrm>
-            <a:off x="7026834" y="1571494"/>
-            <a:ext cx="2407149" cy="261610"/>
-          </a:xfrm>
-          <a:prstGeom prst="rect">
-            <a:avLst/>
-          </a:prstGeom>
-          <a:noFill/>
-          <a:ln>
-            <a:noFill/>
-          </a:ln>
-          <a:effectLst/>
-          <a:extLst>
-            <a:ext uri="{909E8E84-426E-40DD-AFC4-6F175D3DCCD1}">
-              <a14:hiddenFill xmlns:a14="http://schemas.microsoft.com/office/drawing/2010/main">
-                <a:solidFill>
-                  <a:schemeClr val="accent1"/>
-                </a:solidFill>
-              </a14:hiddenFill>
-            </a:ext>
-            <a:ext uri="{91240B29-F687-4F45-9708-019B960494DF}">
-              <a14:hiddenLine xmlns:a14="http://schemas.microsoft.com/office/drawing/2010/main" w="9525">
-                <a:solidFill>
-                  <a:schemeClr val="tx1"/>
-                </a:solidFill>
-                <a:miter lim="800000"/>
-                <a:headEnd/>
-                <a:tailEnd/>
-              </a14:hiddenLine>
-            </a:ext>
-            <a:ext uri="{AF507438-7753-43E0-B8FC-AC1667EBCBE1}">
-              <a14:hiddenEffects xmlns:a14="http://schemas.microsoft.com/office/drawing/2010/main">
-                <a:effectLst>
-                  <a:outerShdw dist="35921" dir="2700000" algn="ctr" rotWithShape="0">
-                    <a:schemeClr val="bg2"/>
-                  </a:outerShdw>
-                </a:effectLst>
-              </a14:hiddenEffects>
-            </a:ext>
-          </a:extLst>
-        </p:spPr>
-        <p:txBody>
-          <a:bodyPr vert="horz" wrap="square" lIns="91440" tIns="45720" rIns="91440" bIns="45720" numCol="1" anchor="ctr" anchorCtr="0" compatLnSpc="1">
-            <a:prstTxWarp prst="textNoShape">
-              <a:avLst/>
-            </a:prstTxWarp>
-            <a:spAutoFit/>
-          </a:bodyPr>
-          <a:lstStyle/>
-          <a:p>
-            <a:pPr marL="0" marR="0" lvl="0" indent="0" algn="just" defTabSz="914400" rtl="0" eaLnBrk="0" fontAlgn="base" latinLnBrk="0" hangingPunct="0">
-              <a:lnSpc>
-                <a:spcPct val="100000"/>
-              </a:lnSpc>
-              <a:spcBef>
-                <a:spcPct val="0"/>
-              </a:spcBef>
-              <a:spcAft>
-                <a:spcPct val="0"/>
-              </a:spcAft>
-              <a:buClrTx/>
-              <a:buSzTx/>
-              <a:buFontTx/>
-              <a:buNone/>
-              <a:tabLst/>
-            </a:pPr>
-            <a:r>
-              <a:rPr kumimoji="0" lang="en-US" altLang="ru-RU" sz="1100" b="0" i="0" u="none" strike="noStrike" cap="none" normalizeH="0" baseline="0" dirty="0" smtClean="0">
-                <a:ln>
-                  <a:noFill/>
-                </a:ln>
-                <a:solidFill>
-                  <a:schemeClr val="tx1"/>
-                </a:solidFill>
-                <a:effectLst/>
-                <a:latin typeface="Times New Roman" panose="02020603050405020304" pitchFamily="18" charset="0"/>
-                <a:ea typeface="Calibri" panose="020F0502020204030204" pitchFamily="34" charset="0"/>
-                <a:cs typeface="Times New Roman" panose="02020603050405020304" pitchFamily="18" charset="0"/>
-              </a:rPr>
-              <a:t>  </a:t>
-            </a:r>
-            <a:r>
-              <a:rPr kumimoji="0" lang="ru-RU" altLang="ru-RU" sz="1100" i="0" u="none" strike="noStrike" cap="none" normalizeH="0" baseline="0" dirty="0" smtClean="0">
-                <a:ln>
-                  <a:noFill/>
-                </a:ln>
-                <a:solidFill>
-                  <a:schemeClr val="tx1"/>
-                </a:solidFill>
-                <a:effectLst/>
-                <a:latin typeface="Times New Roman" panose="02020603050405020304" pitchFamily="18" charset="0"/>
-                <a:ea typeface="Calibri" panose="020F0502020204030204" pitchFamily="34" charset="0"/>
-                <a:cs typeface="Times New Roman" panose="02020603050405020304" pitchFamily="18" charset="0"/>
-              </a:rPr>
-              <a:t>Аксиальная угловая скорость</a:t>
-            </a:r>
-            <a:r>
-              <a:rPr kumimoji="0" lang="ru-RU" altLang="ru-RU" sz="1100" i="0" u="none" strike="noStrike" cap="none" normalizeH="0" dirty="0" smtClean="0">
-                <a:ln>
-                  <a:noFill/>
-                </a:ln>
-                <a:solidFill>
-                  <a:schemeClr val="tx1"/>
-                </a:solidFill>
-                <a:effectLst/>
-                <a:latin typeface="Times New Roman" panose="02020603050405020304" pitchFamily="18" charset="0"/>
-                <a:ea typeface="Calibri" panose="020F0502020204030204" pitchFamily="34" charset="0"/>
-                <a:cs typeface="Times New Roman" panose="02020603050405020304" pitchFamily="18" charset="0"/>
-              </a:rPr>
-              <a:t>: </a:t>
-            </a:r>
-            <a:endParaRPr kumimoji="0" lang="en-US" altLang="ru-RU" sz="1100" i="0" u="none" strike="noStrike" cap="none" normalizeH="0" baseline="0" dirty="0" smtClean="0">
-              <a:ln>
-                <a:noFill/>
-              </a:ln>
-              <a:solidFill>
-                <a:schemeClr val="tx1"/>
-              </a:solidFill>
-              <a:effectLst/>
-              <a:latin typeface="Times New Roman" panose="02020603050405020304" pitchFamily="18" charset="0"/>
-              <a:ea typeface="Calibri" panose="020F0502020204030204" pitchFamily="34" charset="0"/>
-              <a:cs typeface="Times New Roman" panose="02020603050405020304" pitchFamily="18" charset="0"/>
-            </a:endParaRPr>
-          </a:p>
-        </p:txBody>
-      </p:sp>
-      <p:graphicFrame>
-        <p:nvGraphicFramePr>
-          <p:cNvPr id="26" name="Объект 25"/>
-          <p:cNvGraphicFramePr>
-            <a:graphicFrameLocks noChangeAspect="1"/>
-          </p:cNvGraphicFramePr>
-          <p:nvPr>
-            <p:extLst>
-              <p:ext uri="{D42A27DB-BD31-4B8C-83A1-F6EECF244321}">
-                <p14:modId xmlns:p14="http://schemas.microsoft.com/office/powerpoint/2010/main" val="1261163577"/>
-              </p:ext>
-            </p:extLst>
-          </p:nvPr>
-        </p:nvGraphicFramePr>
-        <p:xfrm>
-          <a:off x="7302588" y="1819960"/>
-          <a:ext cx="1481137" cy="460375"/>
-        </p:xfrm>
-        <a:graphic>
-          <a:graphicData uri="http://schemas.openxmlformats.org/presentationml/2006/ole">
-            <mc:AlternateContent xmlns:mc="http://schemas.openxmlformats.org/markup-compatibility/2006">
-              <mc:Choice xmlns:v="urn:schemas-microsoft-com:vml" Requires="v">
-                <p:oleObj spid="_x0000_s55311" name="Формула" r:id="rId13" imgW="1485720" imgH="457200" progId="Equation.3">
-                  <p:embed/>
-                </p:oleObj>
-              </mc:Choice>
-              <mc:Fallback>
-                <p:oleObj name="Формула" r:id="rId13" imgW="1485720" imgH="457200" progId="Equation.3">
-                  <p:embed/>
-                  <p:pic>
-                    <p:nvPicPr>
-                      <p:cNvPr id="36" name="Объект 35"/>
-                      <p:cNvPicPr>
-                        <a:picLocks noChangeAspect="1" noChangeArrowheads="1"/>
-                      </p:cNvPicPr>
-                      <p:nvPr/>
-                    </p:nvPicPr>
-                    <p:blipFill>
-                      <a:blip r:embed="rId14"/>
-                      <a:srcRect/>
-                      <a:stretch>
-                        <a:fillRect/>
-                      </a:stretch>
-                    </p:blipFill>
-                    <p:spPr bwMode="auto">
-                      <a:xfrm>
-                        <a:off x="7302588" y="1819960"/>
-                        <a:ext cx="1481137" cy="460375"/>
-                      </a:xfrm>
-                      <a:prstGeom prst="rect">
-                        <a:avLst/>
-                      </a:prstGeom>
-                      <a:noFill/>
-                      <a:extLst>
-                        <a:ext uri="{909E8E84-426E-40DD-AFC4-6F175D3DCCD1}">
-                          <a14:hiddenFill xmlns:a14="http://schemas.microsoft.com/office/drawing/2010/main">
-                            <a:solidFill>
-                              <a:srgbClr val="FFFFFF"/>
-                            </a:solidFill>
-                          </a14:hiddenFill>
-                        </a:ext>
-                      </a:extLst>
-                    </p:spPr>
-                  </p:pic>
-                </p:oleObj>
-              </mc:Fallback>
-            </mc:AlternateContent>
-          </a:graphicData>
-        </a:graphic>
-      </p:graphicFrame>
-      <p:sp>
-        <p:nvSpPr>
-          <p:cNvPr id="28" name="Прямоугольник 27"/>
+              <a:t>Рисунок – 2. Траектория снаряда при различных параметрах.</a:t>
+            </a:r>
+            <a:endParaRPr lang="ru-RU" sz="1200" dirty="0"/>
+          </a:p>
+        </p:txBody>
+      </p:sp>
+      <p:sp>
+        <p:nvSpPr>
+          <p:cNvPr id="37" name="Прямоугольник 36"/>
           <p:cNvSpPr/>
           <p:nvPr/>
         </p:nvSpPr>
         <p:spPr>
           <a:xfrm>
-            <a:off x="29659" y="3793829"/>
-            <a:ext cx="4621417" cy="523220"/>
+            <a:off x="3794266" y="1713946"/>
+            <a:ext cx="403298" cy="307777"/>
           </a:xfrm>
           <a:prstGeom prst="rect">
             <a:avLst/>
@@ -7270,68 +6457,16 @@
           <a:p>
             <a:pPr algn="just"/>
             <a:r>
-              <a:rPr lang="ru-RU" b="1" dirty="0" smtClean="0">
+              <a:rPr lang="ru-RU" dirty="0" smtClean="0">
                 <a:latin typeface="Times New Roman" panose="02020603050405020304" pitchFamily="18" charset="0"/>
                 <a:ea typeface="Times New Roman" panose="02020603050405020304" pitchFamily="18" charset="0"/>
               </a:rPr>
-              <a:t>Этап 2. </a:t>
-            </a:r>
-            <a:r>
-              <a:rPr lang="ru-RU" dirty="0" smtClean="0">
-                <a:latin typeface="Times New Roman" panose="02020603050405020304" pitchFamily="18" charset="0"/>
-                <a:ea typeface="Times New Roman" panose="02020603050405020304" pitchFamily="18" charset="0"/>
-              </a:rPr>
-              <a:t>Концептуальная постановка:</a:t>
-            </a:r>
-          </a:p>
-          <a:p>
-            <a:pPr algn="just"/>
-            <a:r>
-              <a:rPr lang="ru-RU" dirty="0" smtClean="0">
-                <a:latin typeface="Times New Roman" panose="02020603050405020304" pitchFamily="18" charset="0"/>
-                <a:ea typeface="Times New Roman" panose="02020603050405020304" pitchFamily="18" charset="0"/>
-              </a:rPr>
-              <a:t>Движение снаряда, работа реактивного двигателя.</a:t>
-            </a:r>
-          </a:p>
-        </p:txBody>
-      </p:sp>
-      <p:sp>
-        <p:nvSpPr>
-          <p:cNvPr id="29" name="Прямоугольник 28"/>
-          <p:cNvSpPr/>
-          <p:nvPr/>
-        </p:nvSpPr>
-        <p:spPr>
-          <a:xfrm>
-            <a:off x="5177396" y="520319"/>
-            <a:ext cx="4621417" cy="307777"/>
-          </a:xfrm>
-          <a:prstGeom prst="rect">
-            <a:avLst/>
-          </a:prstGeom>
-        </p:spPr>
-        <p:txBody>
-          <a:bodyPr wrap="square">
-            <a:spAutoFit/>
-          </a:bodyPr>
-          <a:lstStyle/>
-          <a:p>
-            <a:pPr algn="just"/>
-            <a:r>
-              <a:rPr lang="ru-RU" b="1" dirty="0" smtClean="0">
-                <a:latin typeface="Times New Roman" panose="02020603050405020304" pitchFamily="18" charset="0"/>
-                <a:ea typeface="Times New Roman" panose="02020603050405020304" pitchFamily="18" charset="0"/>
-              </a:rPr>
-              <a:t>Этап 3. </a:t>
-            </a:r>
-            <a:r>
-              <a:rPr lang="ru-RU" dirty="0" smtClean="0">
-                <a:latin typeface="Times New Roman" panose="02020603050405020304" pitchFamily="18" charset="0"/>
-                <a:ea typeface="Times New Roman" panose="02020603050405020304" pitchFamily="18" charset="0"/>
-              </a:rPr>
-              <a:t>Математическая постановка задачи:</a:t>
-            </a:r>
+              <a:t>(1)</a:t>
+            </a:r>
+            <a:endParaRPr lang="ru-RU" dirty="0" smtClean="0">
+              <a:latin typeface="Times New Roman" panose="02020603050405020304" pitchFamily="18" charset="0"/>
+              <a:ea typeface="Times New Roman" panose="02020603050405020304" pitchFamily="18" charset="0"/>
+            </a:endParaRPr>
           </a:p>
         </p:txBody>
       </p:sp>
@@ -7372,2431 +6507,6 @@
           <a:chExt cx="0" cy="0"/>
         </a:xfrm>
       </p:grpSpPr>
-      <p:graphicFrame>
-        <p:nvGraphicFramePr>
-          <p:cNvPr id="29" name="Объект 28"/>
-          <p:cNvGraphicFramePr>
-            <a:graphicFrameLocks noChangeAspect="1"/>
-          </p:cNvGraphicFramePr>
-          <p:nvPr>
-            <p:extLst/>
-          </p:nvPr>
-        </p:nvGraphicFramePr>
-        <p:xfrm>
-          <a:off x="4588994" y="811276"/>
-          <a:ext cx="4432697" cy="865585"/>
-        </p:xfrm>
-        <a:graphic>
-          <a:graphicData uri="http://schemas.openxmlformats.org/presentationml/2006/ole">
-            <mc:AlternateContent xmlns:mc="http://schemas.openxmlformats.org/markup-compatibility/2006">
-              <mc:Choice xmlns:v="urn:schemas-microsoft-com:vml" Requires="v">
-                <p:oleObj spid="_x0000_s56329" name="Уравнение" r:id="rId4" imgW="5892480" imgH="1143000" progId="Equation.3">
-                  <p:embed/>
-                </p:oleObj>
-              </mc:Choice>
-              <mc:Fallback>
-                <p:oleObj name="Уравнение" r:id="rId4" imgW="5892480" imgH="1143000" progId="Equation.3">
-                  <p:embed/>
-                  <p:pic>
-                    <p:nvPicPr>
-                      <p:cNvPr id="29" name="Объект 28"/>
-                      <p:cNvPicPr>
-                        <a:picLocks noChangeAspect="1" noChangeArrowheads="1"/>
-                      </p:cNvPicPr>
-                      <p:nvPr/>
-                    </p:nvPicPr>
-                    <p:blipFill>
-                      <a:blip r:embed="rId5"/>
-                      <a:srcRect/>
-                      <a:stretch>
-                        <a:fillRect/>
-                      </a:stretch>
-                    </p:blipFill>
-                    <p:spPr bwMode="auto">
-                      <a:xfrm>
-                        <a:off x="4588994" y="811276"/>
-                        <a:ext cx="4432697" cy="865585"/>
-                      </a:xfrm>
-                      <a:prstGeom prst="rect">
-                        <a:avLst/>
-                      </a:prstGeom>
-                      <a:noFill/>
-                      <a:extLst>
-                        <a:ext uri="{909E8E84-426E-40DD-AFC4-6F175D3DCCD1}">
-                          <a14:hiddenFill xmlns:a14="http://schemas.microsoft.com/office/drawing/2010/main">
-                            <a:solidFill>
-                              <a:srgbClr val="FFFFFF"/>
-                            </a:solidFill>
-                          </a14:hiddenFill>
-                        </a:ext>
-                      </a:extLst>
-                    </p:spPr>
-                  </p:pic>
-                </p:oleObj>
-              </mc:Fallback>
-            </mc:AlternateContent>
-          </a:graphicData>
-        </a:graphic>
-      </p:graphicFrame>
-      <p:pic>
-        <p:nvPicPr>
-          <p:cNvPr id="28" name="Рисунок 27">
-            <a:extLst>
-              <a:ext uri="{FF2B5EF4-FFF2-40B4-BE49-F238E27FC236}">
-                <a16:creationId xmlns:a16="http://schemas.microsoft.com/office/drawing/2014/main" id="{03587BA2-175E-47E0-A120-AC8C019C1721}"/>
-              </a:ext>
-            </a:extLst>
-          </p:cNvPr>
-          <p:cNvPicPr>
-            <a:picLocks noChangeAspect="1"/>
-          </p:cNvPicPr>
-          <p:nvPr/>
-        </p:nvPicPr>
-        <p:blipFill rotWithShape="1">
-          <a:blip r:embed="rId6"/>
-          <a:srcRect r="5430" b="838"/>
-          <a:stretch/>
-        </p:blipFill>
-        <p:spPr>
-          <a:xfrm>
-            <a:off x="4565531" y="1954745"/>
-            <a:ext cx="3978912" cy="2592761"/>
-          </a:xfrm>
-          <a:prstGeom prst="rect">
-            <a:avLst/>
-          </a:prstGeom>
-        </p:spPr>
-      </p:pic>
-      <p:pic>
-        <p:nvPicPr>
-          <p:cNvPr id="4" name="Рисунок 3">
-            <a:extLst>
-              <a:ext uri="{FF2B5EF4-FFF2-40B4-BE49-F238E27FC236}">
-                <a16:creationId xmlns:a16="http://schemas.microsoft.com/office/drawing/2014/main" id="{58C8C004-C76D-4565-A991-5F76C2D122F1}"/>
-              </a:ext>
-            </a:extLst>
-          </p:cNvPr>
-          <p:cNvPicPr>
-            <a:picLocks noChangeAspect="1"/>
-          </p:cNvPicPr>
-          <p:nvPr/>
-        </p:nvPicPr>
-        <p:blipFill>
-          <a:blip r:embed="rId7"/>
-          <a:stretch>
-            <a:fillRect/>
-          </a:stretch>
-        </p:blipFill>
-        <p:spPr>
-          <a:xfrm>
-            <a:off x="5104852" y="2013861"/>
-            <a:ext cx="3005993" cy="2609695"/>
-          </a:xfrm>
-          <a:prstGeom prst="rect">
-            <a:avLst/>
-          </a:prstGeom>
-        </p:spPr>
-      </p:pic>
-      <p:sp>
-        <p:nvSpPr>
-          <p:cNvPr id="32" name="Rectangle 3">
-            <a:extLst>
-              <a:ext uri="{FF2B5EF4-FFF2-40B4-BE49-F238E27FC236}">
-                <a16:creationId xmlns:a16="http://schemas.microsoft.com/office/drawing/2014/main" id="{43CD6044-C585-4B61-967B-04066FF6340C}"/>
-              </a:ext>
-            </a:extLst>
-          </p:cNvPr>
-          <p:cNvSpPr>
-            <a:spLocks noChangeArrowheads="1"/>
-          </p:cNvSpPr>
-          <p:nvPr/>
-        </p:nvSpPr>
-        <p:spPr bwMode="auto">
-          <a:xfrm>
-            <a:off x="4588994" y="4439974"/>
-            <a:ext cx="3955450" cy="392415"/>
-          </a:xfrm>
-          <a:prstGeom prst="rect">
-            <a:avLst/>
-          </a:prstGeom>
-          <a:noFill/>
-          <a:ln>
-            <a:noFill/>
-          </a:ln>
-          <a:effectLst/>
-          <a:extLst>
-            <a:ext uri="{909E8E84-426E-40DD-AFC4-6F175D3DCCD1}">
-              <a14:hiddenFill xmlns:a14="http://schemas.microsoft.com/office/drawing/2010/main">
-                <a:solidFill>
-                  <a:schemeClr val="accent1"/>
-                </a:solidFill>
-              </a14:hiddenFill>
-            </a:ext>
-            <a:ext uri="{91240B29-F687-4F45-9708-019B960494DF}">
-              <a14:hiddenLine xmlns:a14="http://schemas.microsoft.com/office/drawing/2010/main" w="9525">
-                <a:solidFill>
-                  <a:schemeClr val="tx1"/>
-                </a:solidFill>
-                <a:miter lim="800000"/>
-                <a:headEnd/>
-                <a:tailEnd/>
-              </a14:hiddenLine>
-            </a:ext>
-            <a:ext uri="{AF507438-7753-43E0-B8FC-AC1667EBCBE1}">
-              <a14:hiddenEffects xmlns:a14="http://schemas.microsoft.com/office/drawing/2010/main">
-                <a:effectLst>
-                  <a:outerShdw dist="35921" dir="2700000" algn="ctr" rotWithShape="0">
-                    <a:schemeClr val="bg2"/>
-                  </a:outerShdw>
-                </a:effectLst>
-              </a14:hiddenEffects>
-            </a:ext>
-          </a:extLst>
-        </p:spPr>
-        <p:txBody>
-          <a:bodyPr vert="horz" wrap="square" lIns="68580" tIns="34290" rIns="68580" bIns="34290" numCol="1" anchor="ctr" anchorCtr="0" compatLnSpc="1">
-            <a:prstTxWarp prst="textNoShape">
-              <a:avLst/>
-            </a:prstTxWarp>
-            <a:spAutoFit/>
-          </a:bodyPr>
-          <a:lstStyle/>
-          <a:p>
-            <a:pPr algn="ctr" eaLnBrk="0" fontAlgn="base" hangingPunct="0">
-              <a:spcBef>
-                <a:spcPct val="0"/>
-              </a:spcBef>
-              <a:spcAft>
-                <a:spcPct val="0"/>
-              </a:spcAft>
-            </a:pPr>
-            <a:r>
-              <a:rPr lang="ru-RU" altLang="en-US" sz="1050" b="1" dirty="0">
-                <a:solidFill>
-                  <a:srgbClr val="292929"/>
-                </a:solidFill>
-                <a:latin typeface="Bookman Old Style" panose="02050604050505020204" pitchFamily="18" charset="0"/>
-                <a:ea typeface="Times New Roman" panose="02020603050405020304" pitchFamily="18" charset="0"/>
-                <a:cs typeface="Times New Roman" panose="02020603050405020304" pitchFamily="18" charset="0"/>
-              </a:rPr>
-              <a:t>Рис. </a:t>
-            </a:r>
-            <a:r>
-              <a:rPr lang="ru-RU" altLang="en-US" sz="1050" b="1" dirty="0">
-                <a:solidFill>
-                  <a:srgbClr val="292929"/>
-                </a:solidFill>
-                <a:latin typeface="Bookman Old Style" panose="02050604050505020204" pitchFamily="18" charset="0"/>
-                <a:ea typeface="Times New Roman" panose="02020603050405020304" pitchFamily="18" charset="0"/>
-                <a:cs typeface="Times New Roman" panose="02020603050405020304" pitchFamily="18" charset="0"/>
-              </a:rPr>
-              <a:t>4</a:t>
-            </a:r>
-            <a:r>
-              <a:rPr lang="en-US" altLang="en-US" sz="1050" b="1" dirty="0">
-                <a:solidFill>
-                  <a:srgbClr val="292929"/>
-                </a:solidFill>
-                <a:latin typeface="Bookman Old Style" panose="02050604050505020204" pitchFamily="18" charset="0"/>
-                <a:ea typeface="Times New Roman" panose="02020603050405020304" pitchFamily="18" charset="0"/>
-                <a:cs typeface="Times New Roman" panose="02020603050405020304" pitchFamily="18" charset="0"/>
-              </a:rPr>
-              <a:t> </a:t>
-            </a:r>
-            <a:r>
-              <a:rPr lang="ru-RU" altLang="en-US" sz="1050" dirty="0">
-                <a:latin typeface="Bookman Old Style" panose="02050604050505020204" pitchFamily="18" charset="0"/>
-                <a:ea typeface="Times New Roman" panose="02020603050405020304" pitchFamily="18" charset="0"/>
-                <a:cs typeface="Times New Roman" panose="02020603050405020304" pitchFamily="18" charset="0"/>
-              </a:rPr>
-              <a:t>– </a:t>
-            </a:r>
-            <a:r>
-              <a:rPr lang="ru-RU" altLang="ru-RU" sz="1050" dirty="0">
-                <a:latin typeface="Bookman Old Style" panose="02050604050505020204" pitchFamily="18" charset="0"/>
-                <a:ea typeface="Times New Roman" panose="02020603050405020304" pitchFamily="18" charset="0"/>
-                <a:cs typeface="Times New Roman" panose="02020603050405020304" pitchFamily="18" charset="0"/>
-              </a:rPr>
-              <a:t>Распределение давлений и скорость снаряда</a:t>
-            </a:r>
-            <a:br>
-              <a:rPr lang="ru-RU" altLang="ru-RU" sz="1050" dirty="0">
-                <a:latin typeface="Bookman Old Style" panose="02050604050505020204" pitchFamily="18" charset="0"/>
-                <a:ea typeface="Times New Roman" panose="02020603050405020304" pitchFamily="18" charset="0"/>
-                <a:cs typeface="Times New Roman" panose="02020603050405020304" pitchFamily="18" charset="0"/>
-              </a:rPr>
-            </a:br>
-            <a:r>
-              <a:rPr lang="ru-RU" altLang="ru-RU" sz="1050" dirty="0">
-                <a:latin typeface="Bookman Old Style" panose="02050604050505020204" pitchFamily="18" charset="0"/>
-                <a:ea typeface="Times New Roman" panose="02020603050405020304" pitchFamily="18" charset="0"/>
-                <a:cs typeface="Times New Roman" panose="02020603050405020304" pitchFamily="18" charset="0"/>
-              </a:rPr>
-              <a:t>при выстреле из 30 мм пушки</a:t>
-            </a:r>
-            <a:endParaRPr lang="ru-RU" altLang="en-US" sz="1050" dirty="0">
-              <a:latin typeface="Bookman Old Style" panose="02050604050505020204" pitchFamily="18" charset="0"/>
-              <a:cs typeface="Times New Roman" panose="02020603050405020304" pitchFamily="18" charset="0"/>
-            </a:endParaRPr>
-          </a:p>
-        </p:txBody>
-      </p:sp>
-      <p:sp>
-        <p:nvSpPr>
-          <p:cNvPr id="47" name="Rectangle 26"/>
-          <p:cNvSpPr>
-            <a:spLocks noChangeArrowheads="1"/>
-          </p:cNvSpPr>
-          <p:nvPr/>
-        </p:nvSpPr>
-        <p:spPr bwMode="auto">
-          <a:xfrm>
-            <a:off x="4610430" y="1415571"/>
-            <a:ext cx="103939" cy="207815"/>
-          </a:xfrm>
-          <a:prstGeom prst="rect">
-            <a:avLst/>
-          </a:prstGeom>
-          <a:noFill/>
-          <a:ln>
-            <a:noFill/>
-          </a:ln>
-          <a:effectLst/>
-          <a:extLst>
-            <a:ext uri="{909E8E84-426E-40DD-AFC4-6F175D3DCCD1}">
-              <a14:hiddenFill xmlns:a14="http://schemas.microsoft.com/office/drawing/2010/main">
-                <a:solidFill>
-                  <a:schemeClr val="accent1"/>
-                </a:solidFill>
-              </a14:hiddenFill>
-            </a:ext>
-            <a:ext uri="{91240B29-F687-4F45-9708-019B960494DF}">
-              <a14:hiddenLine xmlns:a14="http://schemas.microsoft.com/office/drawing/2010/main" w="9525">
-                <a:solidFill>
-                  <a:schemeClr val="tx1"/>
-                </a:solidFill>
-                <a:miter lim="800000"/>
-                <a:headEnd/>
-                <a:tailEnd/>
-              </a14:hiddenLine>
-            </a:ext>
-            <a:ext uri="{AF507438-7753-43E0-B8FC-AC1667EBCBE1}">
-              <a14:hiddenEffects xmlns:a14="http://schemas.microsoft.com/office/drawing/2010/main">
-                <a:effectLst>
-                  <a:outerShdw dist="35921" dir="2700000" algn="ctr" rotWithShape="0">
-                    <a:schemeClr val="bg2"/>
-                  </a:outerShdw>
-                </a:effectLst>
-              </a14:hiddenEffects>
-            </a:ext>
-          </a:extLst>
-        </p:spPr>
-        <p:txBody>
-          <a:bodyPr vert="horz" wrap="none" lIns="51435" tIns="25718" rIns="51435" bIns="25718" numCol="1" anchor="ctr" anchorCtr="0" compatLnSpc="1">
-            <a:prstTxWarp prst="textNoShape">
-              <a:avLst/>
-            </a:prstTxWarp>
-            <a:spAutoFit/>
-          </a:bodyPr>
-          <a:lstStyle/>
-          <a:p>
-            <a:endParaRPr lang="en-US" sz="1013"/>
-          </a:p>
-        </p:txBody>
-      </p:sp>
-      <p:sp>
-        <p:nvSpPr>
-          <p:cNvPr id="11" name="Rectangle 28" descr="Светлый диагональный 2"/>
-          <p:cNvSpPr>
-            <a:spLocks noChangeArrowheads="1"/>
-          </p:cNvSpPr>
-          <p:nvPr/>
-        </p:nvSpPr>
-        <p:spPr bwMode="auto">
-          <a:xfrm>
-            <a:off x="0" y="-1"/>
-            <a:ext cx="9144000" cy="352426"/>
-          </a:xfrm>
-          <a:prstGeom prst="rect">
-            <a:avLst/>
-          </a:prstGeom>
-          <a:pattFill prst="ltUpDiag">
-            <a:fgClr>
-              <a:schemeClr val="accent1">
-                <a:lumMod val="40000"/>
-                <a:lumOff val="60000"/>
-              </a:schemeClr>
-            </a:fgClr>
-            <a:bgClr>
-              <a:srgbClr val="FFFFFF"/>
-            </a:bgClr>
-          </a:pattFill>
-          <a:ln w="15875" algn="ctr">
-            <a:solidFill>
-              <a:schemeClr val="accent5">
-                <a:lumMod val="50000"/>
-              </a:schemeClr>
-            </a:solidFill>
-            <a:miter lim="800000"/>
-            <a:headEnd/>
-            <a:tailEnd/>
-          </a:ln>
-          <a:effectLst/>
-        </p:spPr>
-        <p:txBody>
-          <a:bodyPr vert="horz" wrap="square" lIns="13500" tIns="13500" rIns="13500" bIns="13500" numCol="1" anchor="ctr" anchorCtr="0" compatLnSpc="1">
-            <a:prstTxWarp prst="textNoShape">
-              <a:avLst/>
-            </a:prstTxWarp>
-          </a:bodyPr>
-          <a:lstStyle/>
-          <a:p>
-            <a:pPr algn="ctr"/>
-            <a:r>
-              <a:rPr lang="ru-RU" altLang="ru-RU" sz="1500" b="1" dirty="0">
-                <a:solidFill>
-                  <a:srgbClr val="292929"/>
-                </a:solidFill>
-                <a:latin typeface="Bookman Old Style" panose="02050604050505020204" pitchFamily="18" charset="0"/>
-                <a:cs typeface="Times New Roman" panose="02020603050405020304" pitchFamily="18" charset="0"/>
-              </a:rPr>
-              <a:t>ППММ, 4. Этапы построения модели. Основные требования к хорошей модели.</a:t>
-            </a:r>
-            <a:endParaRPr lang="ru-RU" sz="1500" b="1" dirty="0">
-              <a:solidFill>
-                <a:schemeClr val="tx1">
-                  <a:lumMod val="85000"/>
-                  <a:lumOff val="15000"/>
-                </a:schemeClr>
-              </a:solidFill>
-              <a:latin typeface="Bookman Old Style" pitchFamily="18" charset="0"/>
-            </a:endParaRPr>
-          </a:p>
-        </p:txBody>
-      </p:sp>
-      <p:sp>
-        <p:nvSpPr>
-          <p:cNvPr id="8" name="Rectangle 28" descr="Светлый диагональный 2"/>
-          <p:cNvSpPr>
-            <a:spLocks noChangeArrowheads="1"/>
-          </p:cNvSpPr>
-          <p:nvPr/>
-        </p:nvSpPr>
-        <p:spPr bwMode="auto">
-          <a:xfrm>
-            <a:off x="0" y="4782200"/>
-            <a:ext cx="8458200" cy="352426"/>
-          </a:xfrm>
-          <a:prstGeom prst="rect">
-            <a:avLst/>
-          </a:prstGeom>
-          <a:pattFill prst="ltUpDiag">
-            <a:fgClr>
-              <a:schemeClr val="accent1">
-                <a:lumMod val="40000"/>
-                <a:lumOff val="60000"/>
-              </a:schemeClr>
-            </a:fgClr>
-            <a:bgClr>
-              <a:srgbClr val="FFFFFF"/>
-            </a:bgClr>
-          </a:pattFill>
-          <a:ln w="15875" algn="ctr">
-            <a:solidFill>
-              <a:schemeClr val="accent5">
-                <a:lumMod val="50000"/>
-              </a:schemeClr>
-            </a:solidFill>
-            <a:miter lim="800000"/>
-            <a:headEnd/>
-            <a:tailEnd/>
-          </a:ln>
-          <a:effectLst/>
-        </p:spPr>
-        <p:txBody>
-          <a:bodyPr vert="horz" wrap="square" lIns="13500" tIns="13500" rIns="13500" bIns="13500" numCol="1" anchor="ctr" anchorCtr="0" compatLnSpc="1">
-            <a:prstTxWarp prst="textNoShape">
-              <a:avLst/>
-            </a:prstTxWarp>
-          </a:bodyPr>
-          <a:lstStyle/>
-          <a:p>
-            <a:pPr marL="272654"/>
-            <a:r>
-              <a:rPr lang="ru-RU" sz="1200" b="1" dirty="0">
-                <a:solidFill>
-                  <a:srgbClr val="292929"/>
-                </a:solidFill>
-                <a:latin typeface="Bookman Old Style" panose="02050604050505020204" pitchFamily="18" charset="0"/>
-                <a:cs typeface="Times New Roman" panose="02020603050405020304" pitchFamily="18" charset="0"/>
-              </a:rPr>
-              <a:t>Клюкин Д.А. </a:t>
-            </a:r>
-            <a:r>
-              <a:rPr lang="ru-RU" sz="1200" dirty="0">
-                <a:solidFill>
-                  <a:srgbClr val="292929"/>
-                </a:solidFill>
-                <a:latin typeface="Bookman Old Style" panose="02050604050505020204" pitchFamily="18" charset="0"/>
-                <a:cs typeface="Times New Roman" panose="02020603050405020304" pitchFamily="18" charset="0"/>
-              </a:rPr>
-              <a:t>ППММ вопрос № </a:t>
-            </a:r>
-            <a:r>
-              <a:rPr lang="ru-RU" sz="1200" dirty="0">
-                <a:solidFill>
-                  <a:srgbClr val="292929"/>
-                </a:solidFill>
-                <a:latin typeface="Bookman Old Style" panose="02050604050505020204" pitchFamily="18" charset="0"/>
-                <a:cs typeface="Times New Roman" panose="02020603050405020304" pitchFamily="18" charset="0"/>
-              </a:rPr>
-              <a:t>4, </a:t>
-            </a:r>
-            <a:r>
-              <a:rPr lang="ru-RU" sz="1200" dirty="0" err="1">
-                <a:solidFill>
-                  <a:srgbClr val="292929"/>
-                </a:solidFill>
-                <a:latin typeface="Bookman Old Style" panose="02050604050505020204" pitchFamily="18" charset="0"/>
-                <a:cs typeface="Times New Roman" panose="02020603050405020304" pitchFamily="18" charset="0"/>
-              </a:rPr>
-              <a:t>МОиТОУ</a:t>
-            </a:r>
-            <a:r>
-              <a:rPr lang="ru-RU" sz="1200" dirty="0">
-                <a:solidFill>
-                  <a:srgbClr val="292929"/>
-                </a:solidFill>
-                <a:latin typeface="Bookman Old Style" panose="02050604050505020204" pitchFamily="18" charset="0"/>
-                <a:cs typeface="Times New Roman" panose="02020603050405020304" pitchFamily="18" charset="0"/>
-              </a:rPr>
-              <a:t> </a:t>
-            </a:r>
-            <a:r>
-              <a:rPr lang="ru-RU" sz="1200" dirty="0">
-                <a:solidFill>
-                  <a:srgbClr val="292929"/>
-                </a:solidFill>
-                <a:latin typeface="Bookman Old Style" panose="02050604050505020204" pitchFamily="18" charset="0"/>
-                <a:cs typeface="Times New Roman" panose="02020603050405020304" pitchFamily="18" charset="0"/>
-              </a:rPr>
-              <a:t>вопрос № </a:t>
-            </a:r>
-            <a:r>
-              <a:rPr lang="ru-RU" sz="1200" dirty="0">
-                <a:solidFill>
-                  <a:srgbClr val="292929"/>
-                </a:solidFill>
-                <a:latin typeface="Bookman Old Style" panose="02050604050505020204" pitchFamily="18" charset="0"/>
-                <a:cs typeface="Times New Roman" panose="02020603050405020304" pitchFamily="18" charset="0"/>
-              </a:rPr>
-              <a:t>4</a:t>
-            </a:r>
-            <a:endParaRPr lang="ru-RU" sz="1200" dirty="0">
-              <a:solidFill>
-                <a:srgbClr val="292929"/>
-              </a:solidFill>
-              <a:latin typeface="Bookman Old Style" panose="02050604050505020204" pitchFamily="18" charset="0"/>
-              <a:cs typeface="Times New Roman" panose="02020603050405020304" pitchFamily="18" charset="0"/>
-            </a:endParaRPr>
-          </a:p>
-        </p:txBody>
-      </p:sp>
-      <p:sp>
-        <p:nvSpPr>
-          <p:cNvPr id="3" name="Номер слайда 2"/>
-          <p:cNvSpPr>
-            <a:spLocks noGrp="1"/>
-          </p:cNvSpPr>
-          <p:nvPr>
-            <p:ph type="sldNum" sz="quarter" idx="12"/>
-          </p:nvPr>
-        </p:nvSpPr>
-        <p:spPr/>
-        <p:txBody>
-          <a:bodyPr/>
-          <a:lstStyle/>
-          <a:p>
-            <a:fld id="{3EC42A18-3AB2-40E5-884A-7E072263AE64}" type="slidenum">
-              <a:rPr lang="en-US" b="1" smtClean="0">
-                <a:solidFill>
-                  <a:srgbClr val="292929"/>
-                </a:solidFill>
-                <a:latin typeface="Bookman Old Style" panose="02050604050505020204" pitchFamily="18" charset="0"/>
-              </a:rPr>
-              <a:pPr/>
-              <a:t>4</a:t>
-            </a:fld>
-            <a:r>
-              <a:rPr lang="en-US" sz="1050" b="1" dirty="0">
-                <a:solidFill>
-                  <a:srgbClr val="5A5A5A"/>
-                </a:solidFill>
-                <a:latin typeface="Bookman Old Style" panose="02050604050505020204" pitchFamily="18" charset="0"/>
-              </a:rPr>
-              <a:t>/</a:t>
-            </a:r>
-            <a:r>
-              <a:rPr lang="ru-RU" sz="1050" b="1" dirty="0">
-                <a:solidFill>
-                  <a:srgbClr val="5A5A5A"/>
-                </a:solidFill>
-                <a:latin typeface="Bookman Old Style" panose="02050604050505020204" pitchFamily="18" charset="0"/>
-              </a:rPr>
-              <a:t>6</a:t>
-            </a:r>
-            <a:endParaRPr lang="en-US" sz="1050" b="1" dirty="0">
-              <a:solidFill>
-                <a:srgbClr val="5A5A5A"/>
-              </a:solidFill>
-              <a:latin typeface="Bookman Old Style" panose="02050604050505020204" pitchFamily="18" charset="0"/>
-            </a:endParaRPr>
-          </a:p>
-        </p:txBody>
-      </p:sp>
-      <p:sp>
-        <p:nvSpPr>
-          <p:cNvPr id="6" name="Прямоугольник 5">
-            <a:extLst>
-              <a:ext uri="{FF2B5EF4-FFF2-40B4-BE49-F238E27FC236}">
-                <a16:creationId xmlns:a16="http://schemas.microsoft.com/office/drawing/2014/main" id="{FA9844A1-F81C-491A-8E34-EF11E8000D22}"/>
-              </a:ext>
-            </a:extLst>
-          </p:cNvPr>
-          <p:cNvSpPr/>
-          <p:nvPr/>
-        </p:nvSpPr>
-        <p:spPr>
-          <a:xfrm>
-            <a:off x="70275" y="390322"/>
-            <a:ext cx="4329818" cy="1005403"/>
-          </a:xfrm>
-          <a:prstGeom prst="rect">
-            <a:avLst/>
-          </a:prstGeom>
-        </p:spPr>
-        <p:txBody>
-          <a:bodyPr wrap="square">
-            <a:spAutoFit/>
-          </a:bodyPr>
-          <a:lstStyle/>
-          <a:p>
-            <a:pPr algn="just">
-              <a:spcAft>
-                <a:spcPts val="450"/>
-              </a:spcAft>
-            </a:pPr>
-            <a:r>
-              <a:rPr lang="ru-RU" sz="1200" b="1" dirty="0">
-                <a:solidFill>
-                  <a:srgbClr val="292929"/>
-                </a:solidFill>
-                <a:latin typeface="Bookman Old Style" panose="02050604050505020204" pitchFamily="18" charset="0"/>
-                <a:ea typeface="Calibri" panose="020F0502020204030204" pitchFamily="34" charset="0"/>
-                <a:cs typeface="Times New Roman" panose="02020603050405020304" pitchFamily="18" charset="0"/>
-              </a:rPr>
-              <a:t>Построение модели внутренней баллистики</a:t>
-            </a:r>
-          </a:p>
-          <a:p>
-            <a:pPr algn="just">
-              <a:spcAft>
-                <a:spcPts val="450"/>
-              </a:spcAft>
-            </a:pPr>
-            <a:r>
-              <a:rPr lang="ru-RU" sz="1200" b="1" dirty="0">
-                <a:solidFill>
-                  <a:srgbClr val="292929"/>
-                </a:solidFill>
-                <a:latin typeface="Bookman Old Style" panose="02050604050505020204" pitchFamily="18" charset="0"/>
-                <a:ea typeface="Calibri" panose="020F0502020204030204" pitchFamily="34" charset="0"/>
-                <a:cs typeface="Times New Roman" panose="02020603050405020304" pitchFamily="18" charset="0"/>
-              </a:rPr>
-              <a:t>Этап 1</a:t>
-            </a:r>
-            <a:r>
-              <a:rPr lang="ru-RU" sz="1200" dirty="0">
-                <a:solidFill>
-                  <a:srgbClr val="292929"/>
-                </a:solidFill>
-                <a:latin typeface="Bookman Old Style" panose="02050604050505020204" pitchFamily="18" charset="0"/>
-                <a:ea typeface="Calibri" panose="020F0502020204030204" pitchFamily="34" charset="0"/>
-                <a:cs typeface="Times New Roman" panose="02020603050405020304" pitchFamily="18" charset="0"/>
-              </a:rPr>
-              <a:t>. Содержательная постановка.</a:t>
-            </a:r>
-          </a:p>
-          <a:p>
-            <a:pPr algn="just">
-              <a:spcAft>
-                <a:spcPts val="450"/>
-              </a:spcAft>
-            </a:pPr>
-            <a:r>
-              <a:rPr lang="ru-RU" sz="1200" dirty="0">
-                <a:solidFill>
-                  <a:srgbClr val="292929"/>
-                </a:solidFill>
-                <a:latin typeface="Bookman Old Style" panose="02050604050505020204" pitchFamily="18" charset="0"/>
-                <a:ea typeface="Calibri" panose="020F0502020204030204" pitchFamily="34" charset="0"/>
-                <a:cs typeface="Times New Roman" panose="02020603050405020304" pitchFamily="18" charset="0"/>
-              </a:rPr>
-              <a:t>Задача: </a:t>
-            </a:r>
-            <a:r>
-              <a:rPr lang="ru-RU" sz="1350" dirty="0">
-                <a:latin typeface="Times New Roman" panose="02020603050405020304" pitchFamily="18" charset="0"/>
-                <a:ea typeface="Calibri" panose="020F0502020204030204" pitchFamily="34" charset="0"/>
-              </a:rPr>
-              <a:t>определить дульную скорость при одиночном выстреле из 30-мм пушки.</a:t>
-            </a:r>
-            <a:endParaRPr lang="ru-RU" sz="1200" dirty="0">
-              <a:solidFill>
-                <a:srgbClr val="292929"/>
-              </a:solidFill>
-              <a:latin typeface="Bookman Old Style" panose="02050604050505020204" pitchFamily="18" charset="0"/>
-              <a:ea typeface="Calibri" panose="020F0502020204030204" pitchFamily="34" charset="0"/>
-              <a:cs typeface="Times New Roman" panose="02020603050405020304" pitchFamily="18" charset="0"/>
-            </a:endParaRPr>
-          </a:p>
-        </p:txBody>
-      </p:sp>
-      <p:sp>
-        <p:nvSpPr>
-          <p:cNvPr id="7" name="Rectangle 3">
-            <a:extLst>
-              <a:ext uri="{FF2B5EF4-FFF2-40B4-BE49-F238E27FC236}">
-                <a16:creationId xmlns:a16="http://schemas.microsoft.com/office/drawing/2014/main" id="{DAEBD2DF-848D-4848-8D07-C9883ADADA3C}"/>
-              </a:ext>
-            </a:extLst>
-          </p:cNvPr>
-          <p:cNvSpPr>
-            <a:spLocks noChangeArrowheads="1"/>
-          </p:cNvSpPr>
-          <p:nvPr/>
-        </p:nvSpPr>
-        <p:spPr bwMode="auto">
-          <a:xfrm>
-            <a:off x="538899" y="2184754"/>
-            <a:ext cx="3252020" cy="230832"/>
-          </a:xfrm>
-          <a:prstGeom prst="rect">
-            <a:avLst/>
-          </a:prstGeom>
-          <a:noFill/>
-          <a:ln>
-            <a:noFill/>
-          </a:ln>
-          <a:effectLst/>
-          <a:extLst>
-            <a:ext uri="{909E8E84-426E-40DD-AFC4-6F175D3DCCD1}">
-              <a14:hiddenFill xmlns:a14="http://schemas.microsoft.com/office/drawing/2010/main">
-                <a:solidFill>
-                  <a:schemeClr val="accent1"/>
-                </a:solidFill>
-              </a14:hiddenFill>
-            </a:ext>
-            <a:ext uri="{91240B29-F687-4F45-9708-019B960494DF}">
-              <a14:hiddenLine xmlns:a14="http://schemas.microsoft.com/office/drawing/2010/main" w="9525">
-                <a:solidFill>
-                  <a:schemeClr val="tx1"/>
-                </a:solidFill>
-                <a:miter lim="800000"/>
-                <a:headEnd/>
-                <a:tailEnd/>
-              </a14:hiddenLine>
-            </a:ext>
-            <a:ext uri="{AF507438-7753-43E0-B8FC-AC1667EBCBE1}">
-              <a14:hiddenEffects xmlns:a14="http://schemas.microsoft.com/office/drawing/2010/main">
-                <a:effectLst>
-                  <a:outerShdw dist="35921" dir="2700000" algn="ctr" rotWithShape="0">
-                    <a:schemeClr val="bg2"/>
-                  </a:outerShdw>
-                </a:effectLst>
-              </a14:hiddenEffects>
-            </a:ext>
-          </a:extLst>
-        </p:spPr>
-        <p:txBody>
-          <a:bodyPr vert="horz" wrap="square" lIns="68580" tIns="34290" rIns="68580" bIns="34290" numCol="1" anchor="ctr" anchorCtr="0" compatLnSpc="1">
-            <a:prstTxWarp prst="textNoShape">
-              <a:avLst/>
-            </a:prstTxWarp>
-            <a:spAutoFit/>
-          </a:bodyPr>
-          <a:lstStyle/>
-          <a:p>
-            <a:pPr algn="ctr" eaLnBrk="0" fontAlgn="base" hangingPunct="0">
-              <a:spcBef>
-                <a:spcPct val="0"/>
-              </a:spcBef>
-              <a:spcAft>
-                <a:spcPct val="0"/>
-              </a:spcAft>
-            </a:pPr>
-            <a:r>
-              <a:rPr lang="ru-RU" altLang="en-US" sz="1050" b="1" dirty="0">
-                <a:solidFill>
-                  <a:srgbClr val="292929"/>
-                </a:solidFill>
-                <a:latin typeface="Bookman Old Style" panose="02050604050505020204" pitchFamily="18" charset="0"/>
-                <a:ea typeface="Times New Roman" panose="02020603050405020304" pitchFamily="18" charset="0"/>
-                <a:cs typeface="Times New Roman" panose="02020603050405020304" pitchFamily="18" charset="0"/>
-              </a:rPr>
-              <a:t>Рис. </a:t>
-            </a:r>
-            <a:r>
-              <a:rPr lang="ru-RU" altLang="en-US" sz="1050" b="1" dirty="0">
-                <a:solidFill>
-                  <a:srgbClr val="292929"/>
-                </a:solidFill>
-                <a:latin typeface="Bookman Old Style" panose="02050604050505020204" pitchFamily="18" charset="0"/>
-                <a:ea typeface="Times New Roman" panose="02020603050405020304" pitchFamily="18" charset="0"/>
-                <a:cs typeface="Times New Roman" panose="02020603050405020304" pitchFamily="18" charset="0"/>
-              </a:rPr>
-              <a:t>2</a:t>
-            </a:r>
-            <a:r>
-              <a:rPr lang="en-US" altLang="en-US" sz="1050" b="1" dirty="0">
-                <a:solidFill>
-                  <a:srgbClr val="292929"/>
-                </a:solidFill>
-                <a:latin typeface="Bookman Old Style" panose="02050604050505020204" pitchFamily="18" charset="0"/>
-                <a:ea typeface="Times New Roman" panose="02020603050405020304" pitchFamily="18" charset="0"/>
-                <a:cs typeface="Times New Roman" panose="02020603050405020304" pitchFamily="18" charset="0"/>
-              </a:rPr>
-              <a:t> </a:t>
-            </a:r>
-            <a:r>
-              <a:rPr lang="ru-RU" altLang="en-US" sz="1050" dirty="0">
-                <a:latin typeface="Bookman Old Style" panose="02050604050505020204" pitchFamily="18" charset="0"/>
-                <a:ea typeface="Times New Roman" panose="02020603050405020304" pitchFamily="18" charset="0"/>
-                <a:cs typeface="Times New Roman" panose="02020603050405020304" pitchFamily="18" charset="0"/>
-              </a:rPr>
-              <a:t>– 30-мм</a:t>
-            </a:r>
-            <a:r>
-              <a:rPr lang="en-US" altLang="en-US" sz="1050" dirty="0">
-                <a:latin typeface="Bookman Old Style" panose="02050604050505020204" pitchFamily="18" charset="0"/>
-                <a:ea typeface="Times New Roman" panose="02020603050405020304" pitchFamily="18" charset="0"/>
-                <a:cs typeface="Times New Roman" panose="02020603050405020304" pitchFamily="18" charset="0"/>
-              </a:rPr>
-              <a:t> </a:t>
-            </a:r>
-            <a:r>
-              <a:rPr lang="ru-RU" altLang="en-US" sz="1050" dirty="0">
-                <a:latin typeface="Bookman Old Style" panose="02050604050505020204" pitchFamily="18" charset="0"/>
-                <a:ea typeface="Times New Roman" panose="02020603050405020304" pitchFamily="18" charset="0"/>
-                <a:cs typeface="Times New Roman" panose="02020603050405020304" pitchFamily="18" charset="0"/>
-              </a:rPr>
-              <a:t>автоматическая пушка</a:t>
-            </a:r>
-            <a:endParaRPr lang="ru-RU" altLang="en-US" sz="1050" dirty="0">
-              <a:latin typeface="Bookman Old Style" panose="02050604050505020204" pitchFamily="18" charset="0"/>
-              <a:cs typeface="Times New Roman" panose="02020603050405020304" pitchFamily="18" charset="0"/>
-            </a:endParaRPr>
-          </a:p>
-        </p:txBody>
-      </p:sp>
-      <p:pic>
-        <p:nvPicPr>
-          <p:cNvPr id="9" name="Рисунок 8">
-            <a:extLst>
-              <a:ext uri="{FF2B5EF4-FFF2-40B4-BE49-F238E27FC236}">
-                <a16:creationId xmlns:a16="http://schemas.microsoft.com/office/drawing/2014/main" id="{9C8BBEE6-C31E-4C83-B5DF-360CC75FEB06}"/>
-              </a:ext>
-            </a:extLst>
-          </p:cNvPr>
-          <p:cNvPicPr/>
-          <p:nvPr/>
-        </p:nvPicPr>
-        <p:blipFill>
-          <a:blip r:embed="rId8">
-            <a:extLst>
-              <a:ext uri="{28A0092B-C50C-407E-A947-70E740481C1C}">
-                <a14:useLocalDpi xmlns:a14="http://schemas.microsoft.com/office/drawing/2010/main" val="0"/>
-              </a:ext>
-            </a:extLst>
-          </a:blip>
-          <a:srcRect/>
-          <a:stretch>
-            <a:fillRect/>
-          </a:stretch>
-        </p:blipFill>
-        <p:spPr bwMode="auto">
-          <a:xfrm>
-            <a:off x="56289" y="1397715"/>
-            <a:ext cx="4217242" cy="787038"/>
-          </a:xfrm>
-          <a:prstGeom prst="rect">
-            <a:avLst/>
-          </a:prstGeom>
-          <a:noFill/>
-          <a:ln w="38100">
-            <a:solidFill>
-              <a:schemeClr val="tx1">
-                <a:lumMod val="85000"/>
-                <a:lumOff val="15000"/>
-              </a:schemeClr>
-            </a:solidFill>
-          </a:ln>
-        </p:spPr>
-      </p:pic>
-      <p:sp>
-        <p:nvSpPr>
-          <p:cNvPr id="10" name="Прямоугольник 9">
-            <a:extLst>
-              <a:ext uri="{FF2B5EF4-FFF2-40B4-BE49-F238E27FC236}">
-                <a16:creationId xmlns:a16="http://schemas.microsoft.com/office/drawing/2014/main" id="{F46E0863-A9A6-419B-B2DC-6539182EC25B}"/>
-              </a:ext>
-            </a:extLst>
-          </p:cNvPr>
-          <p:cNvSpPr/>
-          <p:nvPr/>
-        </p:nvSpPr>
-        <p:spPr>
-          <a:xfrm>
-            <a:off x="2695254" y="1388840"/>
-            <a:ext cx="1746727" cy="276999"/>
-          </a:xfrm>
-          <a:prstGeom prst="rect">
-            <a:avLst/>
-          </a:prstGeom>
-        </p:spPr>
-        <p:txBody>
-          <a:bodyPr wrap="square">
-            <a:spAutoFit/>
-          </a:bodyPr>
-          <a:lstStyle/>
-          <a:p>
-            <a:pPr algn="just">
-              <a:spcAft>
-                <a:spcPts val="450"/>
-              </a:spcAft>
-            </a:pPr>
-            <a:r>
-              <a:rPr lang="ru-RU" sz="1200" dirty="0">
-                <a:solidFill>
-                  <a:srgbClr val="292929"/>
-                </a:solidFill>
-                <a:latin typeface="Bookman Old Style" panose="02050604050505020204" pitchFamily="18" charset="0"/>
-                <a:ea typeface="Calibri" panose="020F0502020204030204" pitchFamily="34" charset="0"/>
-                <a:cs typeface="Times New Roman" panose="02020603050405020304" pitchFamily="18" charset="0"/>
-              </a:rPr>
-              <a:t>Сталь: 30ХН2МФА</a:t>
-            </a:r>
-          </a:p>
-        </p:txBody>
-      </p:sp>
-      <p:sp>
-        <p:nvSpPr>
-          <p:cNvPr id="12" name="Прямоугольник 11">
-            <a:extLst>
-              <a:ext uri="{FF2B5EF4-FFF2-40B4-BE49-F238E27FC236}">
-                <a16:creationId xmlns:a16="http://schemas.microsoft.com/office/drawing/2014/main" id="{4B001416-FE25-47EB-A617-48BE3ACEED39}"/>
-              </a:ext>
-            </a:extLst>
-          </p:cNvPr>
-          <p:cNvSpPr/>
-          <p:nvPr/>
-        </p:nvSpPr>
-        <p:spPr>
-          <a:xfrm>
-            <a:off x="70275" y="2405109"/>
-            <a:ext cx="4329818" cy="525785"/>
-          </a:xfrm>
-          <a:prstGeom prst="rect">
-            <a:avLst/>
-          </a:prstGeom>
-        </p:spPr>
-        <p:txBody>
-          <a:bodyPr wrap="square">
-            <a:spAutoFit/>
-          </a:bodyPr>
-          <a:lstStyle/>
-          <a:p>
-            <a:pPr algn="just">
-              <a:spcAft>
-                <a:spcPts val="450"/>
-              </a:spcAft>
-            </a:pPr>
-            <a:r>
-              <a:rPr lang="ru-RU" sz="1200" b="1" dirty="0">
-                <a:solidFill>
-                  <a:srgbClr val="292929"/>
-                </a:solidFill>
-                <a:latin typeface="Bookman Old Style" panose="02050604050505020204" pitchFamily="18" charset="0"/>
-                <a:ea typeface="Calibri" panose="020F0502020204030204" pitchFamily="34" charset="0"/>
-                <a:cs typeface="Times New Roman" panose="02020603050405020304" pitchFamily="18" charset="0"/>
-              </a:rPr>
-              <a:t>Этап 2</a:t>
-            </a:r>
-            <a:r>
-              <a:rPr lang="ru-RU" sz="1200" dirty="0">
-                <a:solidFill>
-                  <a:srgbClr val="292929"/>
-                </a:solidFill>
-                <a:latin typeface="Bookman Old Style" panose="02050604050505020204" pitchFamily="18" charset="0"/>
-                <a:ea typeface="Calibri" panose="020F0502020204030204" pitchFamily="34" charset="0"/>
-                <a:cs typeface="Times New Roman" panose="02020603050405020304" pitchFamily="18" charset="0"/>
-              </a:rPr>
-              <a:t>. Концептуальная постановка.</a:t>
-            </a:r>
-          </a:p>
-          <a:p>
-            <a:pPr algn="just">
-              <a:spcAft>
-                <a:spcPts val="450"/>
-              </a:spcAft>
-            </a:pPr>
-            <a:r>
-              <a:rPr lang="ru-RU" sz="1200" b="1" dirty="0">
-                <a:solidFill>
-                  <a:schemeClr val="tx1">
-                    <a:lumMod val="85000"/>
-                    <a:lumOff val="15000"/>
-                  </a:schemeClr>
-                </a:solidFill>
-                <a:latin typeface="Bookman Old Style" panose="02050604050505020204" pitchFamily="18" charset="0"/>
-                <a:ea typeface="Calibri" panose="020F0502020204030204" pitchFamily="34" charset="0"/>
-                <a:cs typeface="Times New Roman" panose="02020603050405020304" pitchFamily="18" charset="0"/>
-              </a:rPr>
-              <a:t>Воспламенение</a:t>
-            </a:r>
-            <a:r>
-              <a:rPr lang="ru-RU" sz="1200" dirty="0">
-                <a:solidFill>
-                  <a:srgbClr val="292929"/>
-                </a:solidFill>
-                <a:latin typeface="Bookman Old Style" panose="02050604050505020204" pitchFamily="18" charset="0"/>
-                <a:ea typeface="Calibri" panose="020F0502020204030204" pitchFamily="34" charset="0"/>
-                <a:cs typeface="Times New Roman" panose="02020603050405020304" pitchFamily="18" charset="0"/>
-              </a:rPr>
-              <a:t>, </a:t>
-            </a:r>
-            <a:r>
-              <a:rPr lang="ru-RU" sz="1200" b="1" dirty="0">
-                <a:solidFill>
-                  <a:schemeClr val="tx1">
-                    <a:lumMod val="85000"/>
-                    <a:lumOff val="15000"/>
-                  </a:schemeClr>
-                </a:solidFill>
-                <a:latin typeface="Bookman Old Style" panose="02050604050505020204" pitchFamily="18" charset="0"/>
-                <a:ea typeface="Calibri" panose="020F0502020204030204" pitchFamily="34" charset="0"/>
-                <a:cs typeface="Times New Roman" panose="02020603050405020304" pitchFamily="18" charset="0"/>
-              </a:rPr>
-              <a:t>горение</a:t>
-            </a:r>
-            <a:r>
-              <a:rPr lang="ru-RU" sz="1200" dirty="0">
-                <a:solidFill>
-                  <a:srgbClr val="292929"/>
-                </a:solidFill>
-                <a:latin typeface="Bookman Old Style" panose="02050604050505020204" pitchFamily="18" charset="0"/>
-                <a:ea typeface="Calibri" panose="020F0502020204030204" pitchFamily="34" charset="0"/>
-                <a:cs typeface="Times New Roman" panose="02020603050405020304" pitchFamily="18" charset="0"/>
-              </a:rPr>
-              <a:t>, </a:t>
-            </a:r>
-            <a:r>
-              <a:rPr lang="ru-RU" sz="1200" b="1" dirty="0">
-                <a:solidFill>
-                  <a:schemeClr val="tx1">
-                    <a:lumMod val="85000"/>
-                    <a:lumOff val="15000"/>
-                  </a:schemeClr>
-                </a:solidFill>
-                <a:latin typeface="Bookman Old Style" panose="02050604050505020204" pitchFamily="18" charset="0"/>
-                <a:ea typeface="Calibri" panose="020F0502020204030204" pitchFamily="34" charset="0"/>
-                <a:cs typeface="Times New Roman" panose="02020603050405020304" pitchFamily="18" charset="0"/>
-              </a:rPr>
-              <a:t>движение</a:t>
-            </a:r>
-            <a:r>
-              <a:rPr lang="ru-RU" sz="1200" dirty="0">
-                <a:solidFill>
-                  <a:srgbClr val="292929"/>
-                </a:solidFill>
-                <a:latin typeface="Bookman Old Style" panose="02050604050505020204" pitchFamily="18" charset="0"/>
-                <a:ea typeface="Calibri" panose="020F0502020204030204" pitchFamily="34" charset="0"/>
-                <a:cs typeface="Times New Roman" panose="02020603050405020304" pitchFamily="18" charset="0"/>
-              </a:rPr>
-              <a:t> снаряда.</a:t>
-            </a:r>
-          </a:p>
-        </p:txBody>
-      </p:sp>
-      <p:sp>
-        <p:nvSpPr>
-          <p:cNvPr id="13" name="Прямоугольник 12">
-            <a:extLst>
-              <a:ext uri="{FF2B5EF4-FFF2-40B4-BE49-F238E27FC236}">
-                <a16:creationId xmlns:a16="http://schemas.microsoft.com/office/drawing/2014/main" id="{C6D56D3F-3D98-47FA-BFF3-984768CF77EA}"/>
-              </a:ext>
-            </a:extLst>
-          </p:cNvPr>
-          <p:cNvSpPr/>
-          <p:nvPr/>
-        </p:nvSpPr>
-        <p:spPr>
-          <a:xfrm>
-            <a:off x="70275" y="2857637"/>
-            <a:ext cx="4329818" cy="276999"/>
-          </a:xfrm>
-          <a:prstGeom prst="rect">
-            <a:avLst/>
-          </a:prstGeom>
-        </p:spPr>
-        <p:txBody>
-          <a:bodyPr wrap="square">
-            <a:spAutoFit/>
-          </a:bodyPr>
-          <a:lstStyle/>
-          <a:p>
-            <a:pPr algn="just">
-              <a:spcAft>
-                <a:spcPts val="450"/>
-              </a:spcAft>
-            </a:pPr>
-            <a:r>
-              <a:rPr lang="ru-RU" sz="1200" b="1" dirty="0">
-                <a:solidFill>
-                  <a:srgbClr val="292929"/>
-                </a:solidFill>
-                <a:latin typeface="Bookman Old Style" panose="02050604050505020204" pitchFamily="18" charset="0"/>
-                <a:ea typeface="Calibri" panose="020F0502020204030204" pitchFamily="34" charset="0"/>
-                <a:cs typeface="Times New Roman" panose="02020603050405020304" pitchFamily="18" charset="0"/>
-              </a:rPr>
-              <a:t>Этап 3</a:t>
-            </a:r>
-            <a:r>
-              <a:rPr lang="ru-RU" sz="1200" dirty="0">
-                <a:solidFill>
-                  <a:srgbClr val="292929"/>
-                </a:solidFill>
-                <a:latin typeface="Bookman Old Style" panose="02050604050505020204" pitchFamily="18" charset="0"/>
-                <a:ea typeface="Calibri" panose="020F0502020204030204" pitchFamily="34" charset="0"/>
-                <a:cs typeface="Times New Roman" panose="02020603050405020304" pitchFamily="18" charset="0"/>
-              </a:rPr>
-              <a:t>. Математическая постановка.</a:t>
-            </a:r>
-          </a:p>
-        </p:txBody>
-      </p:sp>
-      <p:graphicFrame>
-        <p:nvGraphicFramePr>
-          <p:cNvPr id="14" name="Объект 13">
-            <a:extLst>
-              <a:ext uri="{FF2B5EF4-FFF2-40B4-BE49-F238E27FC236}">
-                <a16:creationId xmlns:a16="http://schemas.microsoft.com/office/drawing/2014/main" id="{D255974F-25D2-45CC-B990-1C4C0758DB43}"/>
-              </a:ext>
-            </a:extLst>
-          </p:cNvPr>
-          <p:cNvGraphicFramePr>
-            <a:graphicFrameLocks noChangeAspect="1"/>
-          </p:cNvGraphicFramePr>
-          <p:nvPr>
-            <p:extLst/>
-          </p:nvPr>
-        </p:nvGraphicFramePr>
-        <p:xfrm>
-          <a:off x="70274" y="3121754"/>
-          <a:ext cx="2381250" cy="1495425"/>
-        </p:xfrm>
-        <a:graphic>
-          <a:graphicData uri="http://schemas.openxmlformats.org/presentationml/2006/ole">
-            <mc:AlternateContent xmlns:mc="http://schemas.openxmlformats.org/markup-compatibility/2006">
-              <mc:Choice xmlns:v="urn:schemas-microsoft-com:vml" Requires="v">
-                <p:oleObj spid="_x0000_s56330" name="Equation" r:id="rId9" imgW="3174840" imgH="1993680" progId="Equation.3">
-                  <p:embed/>
-                </p:oleObj>
-              </mc:Choice>
-              <mc:Fallback>
-                <p:oleObj name="Equation" r:id="rId9" imgW="3174840" imgH="1993680" progId="Equation.3">
-                  <p:embed/>
-                  <p:pic>
-                    <p:nvPicPr>
-                      <p:cNvPr id="14" name="Объект 13">
-                        <a:extLst>
-                          <a:ext uri="{FF2B5EF4-FFF2-40B4-BE49-F238E27FC236}">
-                            <a16:creationId xmlns:a16="http://schemas.microsoft.com/office/drawing/2014/main" id="{D255974F-25D2-45CC-B990-1C4C0758DB43}"/>
-                          </a:ext>
-                        </a:extLst>
-                      </p:cNvPr>
-                      <p:cNvPicPr>
-                        <a:picLocks noChangeAspect="1" noChangeArrowheads="1"/>
-                      </p:cNvPicPr>
-                      <p:nvPr/>
-                    </p:nvPicPr>
-                    <p:blipFill>
-                      <a:blip r:embed="rId10"/>
-                      <a:srcRect/>
-                      <a:stretch>
-                        <a:fillRect/>
-                      </a:stretch>
-                    </p:blipFill>
-                    <p:spPr bwMode="auto">
-                      <a:xfrm>
-                        <a:off x="70274" y="3121754"/>
-                        <a:ext cx="2381250" cy="1495425"/>
-                      </a:xfrm>
-                      <a:prstGeom prst="rect">
-                        <a:avLst/>
-                      </a:prstGeom>
-                      <a:noFill/>
-                      <a:extLst>
-                        <a:ext uri="{909E8E84-426E-40DD-AFC4-6F175D3DCCD1}">
-                          <a14:hiddenFill xmlns:a14="http://schemas.microsoft.com/office/drawing/2010/main">
-                            <a:solidFill>
-                              <a:srgbClr val="FFFFFF"/>
-                            </a:solidFill>
-                          </a14:hiddenFill>
-                        </a:ext>
-                      </a:extLst>
-                    </p:spPr>
-                  </p:pic>
-                </p:oleObj>
-              </mc:Fallback>
-            </mc:AlternateContent>
-          </a:graphicData>
-        </a:graphic>
-      </p:graphicFrame>
-      <p:sp>
-        <p:nvSpPr>
-          <p:cNvPr id="17" name="Прямоугольник 16">
-            <a:extLst>
-              <a:ext uri="{FF2B5EF4-FFF2-40B4-BE49-F238E27FC236}">
-                <a16:creationId xmlns:a16="http://schemas.microsoft.com/office/drawing/2014/main" id="{1CEEC22A-9957-4B00-A423-0D231EBE5ABE}"/>
-              </a:ext>
-            </a:extLst>
-          </p:cNvPr>
-          <p:cNvSpPr/>
-          <p:nvPr/>
-        </p:nvSpPr>
-        <p:spPr>
-          <a:xfrm>
-            <a:off x="1947863" y="3175414"/>
-            <a:ext cx="1624163" cy="253916"/>
-          </a:xfrm>
-          <a:prstGeom prst="rect">
-            <a:avLst/>
-          </a:prstGeom>
-        </p:spPr>
-        <p:txBody>
-          <a:bodyPr wrap="none">
-            <a:spAutoFit/>
-          </a:bodyPr>
-          <a:lstStyle/>
-          <a:p>
-            <a:r>
-              <a:rPr lang="ru-RU" sz="1050" b="1" dirty="0">
-                <a:solidFill>
-                  <a:srgbClr val="292929"/>
-                </a:solidFill>
-                <a:latin typeface="Bookman Old Style" panose="02050604050505020204" pitchFamily="18" charset="0"/>
-                <a:ea typeface="Calibri" panose="020F0502020204030204" pitchFamily="34" charset="0"/>
-              </a:rPr>
-              <a:t>Начальные</a:t>
-            </a:r>
-            <a:r>
-              <a:rPr lang="ru-RU" sz="1050" dirty="0">
-                <a:latin typeface="Bookman Old Style" panose="02050604050505020204" pitchFamily="18" charset="0"/>
-                <a:ea typeface="Calibri" panose="020F0502020204030204" pitchFamily="34" charset="0"/>
-              </a:rPr>
-              <a:t> условия:</a:t>
-            </a:r>
-            <a:endParaRPr lang="ru-RU" sz="1050" dirty="0">
-              <a:latin typeface="Bookman Old Style" panose="02050604050505020204" pitchFamily="18" charset="0"/>
-            </a:endParaRPr>
-          </a:p>
-        </p:txBody>
-      </p:sp>
-      <p:graphicFrame>
-        <p:nvGraphicFramePr>
-          <p:cNvPr id="18" name="Объект 17">
-            <a:extLst>
-              <a:ext uri="{FF2B5EF4-FFF2-40B4-BE49-F238E27FC236}">
-                <a16:creationId xmlns:a16="http://schemas.microsoft.com/office/drawing/2014/main" id="{384D4BC4-F2A4-44CE-B4D1-2624124B73A5}"/>
-              </a:ext>
-            </a:extLst>
-          </p:cNvPr>
-          <p:cNvGraphicFramePr>
-            <a:graphicFrameLocks noChangeAspect="1"/>
-          </p:cNvGraphicFramePr>
-          <p:nvPr>
-            <p:extLst/>
-          </p:nvPr>
-        </p:nvGraphicFramePr>
-        <p:xfrm>
-          <a:off x="2150517" y="3618282"/>
-          <a:ext cx="1723950" cy="533250"/>
-        </p:xfrm>
-        <a:graphic>
-          <a:graphicData uri="http://schemas.openxmlformats.org/presentationml/2006/ole">
-            <mc:AlternateContent xmlns:mc="http://schemas.openxmlformats.org/markup-compatibility/2006">
-              <mc:Choice xmlns:v="urn:schemas-microsoft-com:vml" Requires="v">
-                <p:oleObj spid="_x0000_s56331" name="Equation" r:id="rId11" imgW="2298600" imgH="711000" progId="Equation.3">
-                  <p:embed/>
-                </p:oleObj>
-              </mc:Choice>
-              <mc:Fallback>
-                <p:oleObj name="Equation" r:id="rId11" imgW="2298600" imgH="711000" progId="Equation.3">
-                  <p:embed/>
-                  <p:pic>
-                    <p:nvPicPr>
-                      <p:cNvPr id="18" name="Объект 17">
-                        <a:extLst>
-                          <a:ext uri="{FF2B5EF4-FFF2-40B4-BE49-F238E27FC236}">
-                            <a16:creationId xmlns:a16="http://schemas.microsoft.com/office/drawing/2014/main" id="{384D4BC4-F2A4-44CE-B4D1-2624124B73A5}"/>
-                          </a:ext>
-                        </a:extLst>
-                      </p:cNvPr>
-                      <p:cNvPicPr>
-                        <a:picLocks noChangeAspect="1" noChangeArrowheads="1"/>
-                      </p:cNvPicPr>
-                      <p:nvPr/>
-                    </p:nvPicPr>
-                    <p:blipFill>
-                      <a:blip r:embed="rId12"/>
-                      <a:srcRect/>
-                      <a:stretch>
-                        <a:fillRect/>
-                      </a:stretch>
-                    </p:blipFill>
-                    <p:spPr bwMode="auto">
-                      <a:xfrm>
-                        <a:off x="2150517" y="3618282"/>
-                        <a:ext cx="1723950" cy="533250"/>
-                      </a:xfrm>
-                      <a:prstGeom prst="rect">
-                        <a:avLst/>
-                      </a:prstGeom>
-                      <a:noFill/>
-                      <a:extLst>
-                        <a:ext uri="{909E8E84-426E-40DD-AFC4-6F175D3DCCD1}">
-                          <a14:hiddenFill xmlns:a14="http://schemas.microsoft.com/office/drawing/2010/main">
-                            <a:solidFill>
-                              <a:srgbClr val="FFFFFF"/>
-                            </a:solidFill>
-                          </a14:hiddenFill>
-                        </a:ext>
-                      </a:extLst>
-                    </p:spPr>
-                  </p:pic>
-                </p:oleObj>
-              </mc:Fallback>
-            </mc:AlternateContent>
-          </a:graphicData>
-        </a:graphic>
-      </p:graphicFrame>
-      <p:graphicFrame>
-        <p:nvGraphicFramePr>
-          <p:cNvPr id="19" name="Объект 18">
-            <a:extLst>
-              <a:ext uri="{FF2B5EF4-FFF2-40B4-BE49-F238E27FC236}">
-                <a16:creationId xmlns:a16="http://schemas.microsoft.com/office/drawing/2014/main" id="{B7F4478E-7EFD-4A03-875C-A68455B13230}"/>
-              </a:ext>
-            </a:extLst>
-          </p:cNvPr>
-          <p:cNvGraphicFramePr>
-            <a:graphicFrameLocks noChangeAspect="1"/>
-          </p:cNvGraphicFramePr>
-          <p:nvPr>
-            <p:extLst/>
-          </p:nvPr>
-        </p:nvGraphicFramePr>
-        <p:xfrm>
-          <a:off x="2168384" y="3434648"/>
-          <a:ext cx="2066925" cy="180975"/>
-        </p:xfrm>
-        <a:graphic>
-          <a:graphicData uri="http://schemas.openxmlformats.org/presentationml/2006/ole">
-            <mc:AlternateContent xmlns:mc="http://schemas.openxmlformats.org/markup-compatibility/2006">
-              <mc:Choice xmlns:v="urn:schemas-microsoft-com:vml" Requires="v">
-                <p:oleObj spid="_x0000_s56332" name="Equation" r:id="rId13" imgW="2755800" imgH="241200" progId="Equation.3">
-                  <p:embed/>
-                </p:oleObj>
-              </mc:Choice>
-              <mc:Fallback>
-                <p:oleObj name="Equation" r:id="rId13" imgW="2755800" imgH="241200" progId="Equation.3">
-                  <p:embed/>
-                  <p:pic>
-                    <p:nvPicPr>
-                      <p:cNvPr id="19" name="Объект 18">
-                        <a:extLst>
-                          <a:ext uri="{FF2B5EF4-FFF2-40B4-BE49-F238E27FC236}">
-                            <a16:creationId xmlns:a16="http://schemas.microsoft.com/office/drawing/2014/main" id="{B7F4478E-7EFD-4A03-875C-A68455B13230}"/>
-                          </a:ext>
-                        </a:extLst>
-                      </p:cNvPr>
-                      <p:cNvPicPr>
-                        <a:picLocks noChangeAspect="1" noChangeArrowheads="1"/>
-                      </p:cNvPicPr>
-                      <p:nvPr/>
-                    </p:nvPicPr>
-                    <p:blipFill>
-                      <a:blip r:embed="rId14"/>
-                      <a:srcRect/>
-                      <a:stretch>
-                        <a:fillRect/>
-                      </a:stretch>
-                    </p:blipFill>
-                    <p:spPr bwMode="auto">
-                      <a:xfrm>
-                        <a:off x="2168384" y="3434648"/>
-                        <a:ext cx="2066925" cy="180975"/>
-                      </a:xfrm>
-                      <a:prstGeom prst="rect">
-                        <a:avLst/>
-                      </a:prstGeom>
-                      <a:noFill/>
-                      <a:extLst>
-                        <a:ext uri="{909E8E84-426E-40DD-AFC4-6F175D3DCCD1}">
-                          <a14:hiddenFill xmlns:a14="http://schemas.microsoft.com/office/drawing/2010/main">
-                            <a:solidFill>
-                              <a:srgbClr val="FFFFFF"/>
-                            </a:solidFill>
-                          </a14:hiddenFill>
-                        </a:ext>
-                      </a:extLst>
-                    </p:spPr>
-                  </p:pic>
-                </p:oleObj>
-              </mc:Fallback>
-            </mc:AlternateContent>
-          </a:graphicData>
-        </a:graphic>
-      </p:graphicFrame>
-      <p:sp>
-        <p:nvSpPr>
-          <p:cNvPr id="20" name="Прямоугольник 19">
-            <a:extLst>
-              <a:ext uri="{FF2B5EF4-FFF2-40B4-BE49-F238E27FC236}">
-                <a16:creationId xmlns:a16="http://schemas.microsoft.com/office/drawing/2014/main" id="{F77F1D3B-744E-463E-868A-9B4CED68D003}"/>
-              </a:ext>
-            </a:extLst>
-          </p:cNvPr>
-          <p:cNvSpPr/>
-          <p:nvPr/>
-        </p:nvSpPr>
-        <p:spPr>
-          <a:xfrm>
-            <a:off x="4471282" y="381815"/>
-            <a:ext cx="4329818" cy="525785"/>
-          </a:xfrm>
-          <a:prstGeom prst="rect">
-            <a:avLst/>
-          </a:prstGeom>
-        </p:spPr>
-        <p:txBody>
-          <a:bodyPr wrap="square">
-            <a:spAutoFit/>
-          </a:bodyPr>
-          <a:lstStyle/>
-          <a:p>
-            <a:pPr algn="just">
-              <a:spcAft>
-                <a:spcPts val="450"/>
-              </a:spcAft>
-            </a:pPr>
-            <a:r>
-              <a:rPr lang="ru-RU" sz="1200" b="1" dirty="0">
-                <a:solidFill>
-                  <a:srgbClr val="292929"/>
-                </a:solidFill>
-                <a:latin typeface="Bookman Old Style" panose="02050604050505020204" pitchFamily="18" charset="0"/>
-                <a:ea typeface="Calibri" panose="020F0502020204030204" pitchFamily="34" charset="0"/>
-                <a:cs typeface="Times New Roman" panose="02020603050405020304" pitchFamily="18" charset="0"/>
-              </a:rPr>
-              <a:t>Этап 4</a:t>
-            </a:r>
-            <a:r>
-              <a:rPr lang="ru-RU" sz="1200" dirty="0">
-                <a:solidFill>
-                  <a:srgbClr val="292929"/>
-                </a:solidFill>
-                <a:latin typeface="Bookman Old Style" panose="02050604050505020204" pitchFamily="18" charset="0"/>
-                <a:ea typeface="Calibri" panose="020F0502020204030204" pitchFamily="34" charset="0"/>
-                <a:cs typeface="Times New Roman" panose="02020603050405020304" pitchFamily="18" charset="0"/>
-              </a:rPr>
-              <a:t>. Метод решения.</a:t>
-            </a:r>
-          </a:p>
-          <a:p>
-            <a:pPr algn="just">
-              <a:spcAft>
-                <a:spcPts val="450"/>
-              </a:spcAft>
-            </a:pPr>
-            <a:r>
-              <a:rPr lang="ru-RU" sz="1200" dirty="0">
-                <a:solidFill>
-                  <a:srgbClr val="292929"/>
-                </a:solidFill>
-                <a:latin typeface="Bookman Old Style" panose="02050604050505020204" pitchFamily="18" charset="0"/>
-                <a:ea typeface="Calibri" panose="020F0502020204030204" pitchFamily="34" charset="0"/>
-                <a:cs typeface="Times New Roman" panose="02020603050405020304" pitchFamily="18" charset="0"/>
-              </a:rPr>
-              <a:t>Рунге-Кутта 4-го порядка</a:t>
-            </a:r>
-          </a:p>
-        </p:txBody>
-      </p:sp>
-      <p:graphicFrame>
-        <p:nvGraphicFramePr>
-          <p:cNvPr id="21" name="Объект 20">
-            <a:extLst>
-              <a:ext uri="{FF2B5EF4-FFF2-40B4-BE49-F238E27FC236}">
-                <a16:creationId xmlns:a16="http://schemas.microsoft.com/office/drawing/2014/main" id="{2645CA6B-C48C-49E5-BB02-AA51EDDEB0D1}"/>
-              </a:ext>
-            </a:extLst>
-          </p:cNvPr>
-          <p:cNvGraphicFramePr>
-            <a:graphicFrameLocks noChangeAspect="1"/>
-          </p:cNvGraphicFramePr>
-          <p:nvPr>
-            <p:extLst/>
-          </p:nvPr>
-        </p:nvGraphicFramePr>
-        <p:xfrm>
-          <a:off x="6632514" y="445168"/>
-          <a:ext cx="807244" cy="342900"/>
-        </p:xfrm>
-        <a:graphic>
-          <a:graphicData uri="http://schemas.openxmlformats.org/presentationml/2006/ole">
-            <mc:AlternateContent xmlns:mc="http://schemas.openxmlformats.org/markup-compatibility/2006">
-              <mc:Choice xmlns:v="urn:schemas-microsoft-com:vml" Requires="v">
-                <p:oleObj spid="_x0000_s56333" name="Equation" r:id="rId15" imgW="1079280" imgH="457200" progId="Equation.3">
-                  <p:embed/>
-                </p:oleObj>
-              </mc:Choice>
-              <mc:Fallback>
-                <p:oleObj name="Equation" r:id="rId15" imgW="1079280" imgH="457200" progId="Equation.3">
-                  <p:embed/>
-                  <p:pic>
-                    <p:nvPicPr>
-                      <p:cNvPr id="21" name="Объект 20">
-                        <a:extLst>
-                          <a:ext uri="{FF2B5EF4-FFF2-40B4-BE49-F238E27FC236}">
-                            <a16:creationId xmlns:a16="http://schemas.microsoft.com/office/drawing/2014/main" id="{2645CA6B-C48C-49E5-BB02-AA51EDDEB0D1}"/>
-                          </a:ext>
-                        </a:extLst>
-                      </p:cNvPr>
-                      <p:cNvPicPr>
-                        <a:picLocks noChangeAspect="1" noChangeArrowheads="1"/>
-                      </p:cNvPicPr>
-                      <p:nvPr/>
-                    </p:nvPicPr>
-                    <p:blipFill>
-                      <a:blip r:embed="rId16"/>
-                      <a:srcRect/>
-                      <a:stretch>
-                        <a:fillRect/>
-                      </a:stretch>
-                    </p:blipFill>
-                    <p:spPr bwMode="auto">
-                      <a:xfrm>
-                        <a:off x="6632514" y="445168"/>
-                        <a:ext cx="807244" cy="342900"/>
-                      </a:xfrm>
-                      <a:prstGeom prst="rect">
-                        <a:avLst/>
-                      </a:prstGeom>
-                      <a:noFill/>
-                      <a:extLst>
-                        <a:ext uri="{909E8E84-426E-40DD-AFC4-6F175D3DCCD1}">
-                          <a14:hiddenFill xmlns:a14="http://schemas.microsoft.com/office/drawing/2010/main">
-                            <a:solidFill>
-                              <a:srgbClr val="FFFFFF"/>
-                            </a:solidFill>
-                          </a14:hiddenFill>
-                        </a:ext>
-                      </a:extLst>
-                    </p:spPr>
-                  </p:pic>
-                </p:oleObj>
-              </mc:Fallback>
-            </mc:AlternateContent>
-          </a:graphicData>
-        </a:graphic>
-      </p:graphicFrame>
-      <p:graphicFrame>
-        <p:nvGraphicFramePr>
-          <p:cNvPr id="22" name="Объект 21">
-            <a:extLst>
-              <a:ext uri="{FF2B5EF4-FFF2-40B4-BE49-F238E27FC236}">
-                <a16:creationId xmlns:a16="http://schemas.microsoft.com/office/drawing/2014/main" id="{F1EEA81D-D96B-47D3-8621-F0B93D1FA2B3}"/>
-              </a:ext>
-            </a:extLst>
-          </p:cNvPr>
-          <p:cNvGraphicFramePr>
-            <a:graphicFrameLocks noChangeAspect="1"/>
-          </p:cNvGraphicFramePr>
-          <p:nvPr>
-            <p:extLst/>
-          </p:nvPr>
-        </p:nvGraphicFramePr>
-        <p:xfrm>
-          <a:off x="7516416" y="526130"/>
-          <a:ext cx="941785" cy="180975"/>
-        </p:xfrm>
-        <a:graphic>
-          <a:graphicData uri="http://schemas.openxmlformats.org/presentationml/2006/ole">
-            <mc:AlternateContent xmlns:mc="http://schemas.openxmlformats.org/markup-compatibility/2006">
-              <mc:Choice xmlns:v="urn:schemas-microsoft-com:vml" Requires="v">
-                <p:oleObj spid="_x0000_s56334" name="Equation" r:id="rId17" imgW="1244520" imgH="241200" progId="Equation.3">
-                  <p:embed/>
-                </p:oleObj>
-              </mc:Choice>
-              <mc:Fallback>
-                <p:oleObj name="Equation" r:id="rId17" imgW="1244520" imgH="241200" progId="Equation.3">
-                  <p:embed/>
-                  <p:pic>
-                    <p:nvPicPr>
-                      <p:cNvPr id="22" name="Объект 21">
-                        <a:extLst>
-                          <a:ext uri="{FF2B5EF4-FFF2-40B4-BE49-F238E27FC236}">
-                            <a16:creationId xmlns:a16="http://schemas.microsoft.com/office/drawing/2014/main" id="{F1EEA81D-D96B-47D3-8621-F0B93D1FA2B3}"/>
-                          </a:ext>
-                        </a:extLst>
-                      </p:cNvPr>
-                      <p:cNvPicPr>
-                        <a:picLocks noChangeAspect="1" noChangeArrowheads="1"/>
-                      </p:cNvPicPr>
-                      <p:nvPr/>
-                    </p:nvPicPr>
-                    <p:blipFill>
-                      <a:blip r:embed="rId18"/>
-                      <a:srcRect/>
-                      <a:stretch>
-                        <a:fillRect/>
-                      </a:stretch>
-                    </p:blipFill>
-                    <p:spPr bwMode="auto">
-                      <a:xfrm>
-                        <a:off x="7516416" y="526130"/>
-                        <a:ext cx="941785" cy="180975"/>
-                      </a:xfrm>
-                      <a:prstGeom prst="rect">
-                        <a:avLst/>
-                      </a:prstGeom>
-                      <a:noFill/>
-                      <a:extLst>
-                        <a:ext uri="{909E8E84-426E-40DD-AFC4-6F175D3DCCD1}">
-                          <a14:hiddenFill xmlns:a14="http://schemas.microsoft.com/office/drawing/2010/main">
-                            <a:solidFill>
-                              <a:srgbClr val="FFFFFF"/>
-                            </a:solidFill>
-                          </a14:hiddenFill>
-                        </a:ext>
-                      </a:extLst>
-                    </p:spPr>
-                  </p:pic>
-                </p:oleObj>
-              </mc:Fallback>
-            </mc:AlternateContent>
-          </a:graphicData>
-        </a:graphic>
-      </p:graphicFrame>
-      <p:graphicFrame>
-        <p:nvGraphicFramePr>
-          <p:cNvPr id="23" name="Объект 22">
-            <a:extLst>
-              <a:ext uri="{FF2B5EF4-FFF2-40B4-BE49-F238E27FC236}">
-                <a16:creationId xmlns:a16="http://schemas.microsoft.com/office/drawing/2014/main" id="{72DE6F33-D40D-4277-83C3-811945BE51C7}"/>
-              </a:ext>
-            </a:extLst>
-          </p:cNvPr>
-          <p:cNvGraphicFramePr>
-            <a:graphicFrameLocks noChangeAspect="1"/>
-          </p:cNvGraphicFramePr>
-          <p:nvPr>
-            <p:extLst/>
-          </p:nvPr>
-        </p:nvGraphicFramePr>
-        <p:xfrm>
-          <a:off x="8496680" y="485650"/>
-          <a:ext cx="573881" cy="221456"/>
-        </p:xfrm>
-        <a:graphic>
-          <a:graphicData uri="http://schemas.openxmlformats.org/presentationml/2006/ole">
-            <mc:AlternateContent xmlns:mc="http://schemas.openxmlformats.org/markup-compatibility/2006">
-              <mc:Choice xmlns:v="urn:schemas-microsoft-com:vml" Requires="v">
-                <p:oleObj spid="_x0000_s56335" name="Equation" r:id="rId19" imgW="774360" imgH="291960" progId="Equation.3">
-                  <p:embed/>
-                </p:oleObj>
-              </mc:Choice>
-              <mc:Fallback>
-                <p:oleObj name="Equation" r:id="rId19" imgW="774360" imgH="291960" progId="Equation.3">
-                  <p:embed/>
-                  <p:pic>
-                    <p:nvPicPr>
-                      <p:cNvPr id="23" name="Объект 22">
-                        <a:extLst>
-                          <a:ext uri="{FF2B5EF4-FFF2-40B4-BE49-F238E27FC236}">
-                            <a16:creationId xmlns:a16="http://schemas.microsoft.com/office/drawing/2014/main" id="{72DE6F33-D40D-4277-83C3-811945BE51C7}"/>
-                          </a:ext>
-                        </a:extLst>
-                      </p:cNvPr>
-                      <p:cNvPicPr>
-                        <a:picLocks noChangeAspect="1" noChangeArrowheads="1"/>
-                      </p:cNvPicPr>
-                      <p:nvPr/>
-                    </p:nvPicPr>
-                    <p:blipFill>
-                      <a:blip r:embed="rId20"/>
-                      <a:srcRect/>
-                      <a:stretch>
-                        <a:fillRect/>
-                      </a:stretch>
-                    </p:blipFill>
-                    <p:spPr bwMode="auto">
-                      <a:xfrm>
-                        <a:off x="8496680" y="485650"/>
-                        <a:ext cx="573881" cy="221456"/>
-                      </a:xfrm>
-                      <a:prstGeom prst="rect">
-                        <a:avLst/>
-                      </a:prstGeom>
-                      <a:noFill/>
-                      <a:extLst>
-                        <a:ext uri="{909E8E84-426E-40DD-AFC4-6F175D3DCCD1}">
-                          <a14:hiddenFill xmlns:a14="http://schemas.microsoft.com/office/drawing/2010/main">
-                            <a:solidFill>
-                              <a:srgbClr val="FFFFFF"/>
-                            </a:solidFill>
-                          </a14:hiddenFill>
-                        </a:ext>
-                      </a:extLst>
-                    </p:spPr>
-                  </p:pic>
-                </p:oleObj>
-              </mc:Fallback>
-            </mc:AlternateContent>
-          </a:graphicData>
-        </a:graphic>
-      </p:graphicFrame>
-      <p:sp>
-        <p:nvSpPr>
-          <p:cNvPr id="26" name="Прямоугольник 25">
-            <a:extLst>
-              <a:ext uri="{FF2B5EF4-FFF2-40B4-BE49-F238E27FC236}">
-                <a16:creationId xmlns:a16="http://schemas.microsoft.com/office/drawing/2014/main" id="{33E15F67-246D-4786-82EA-12DBB5B26644}"/>
-              </a:ext>
-            </a:extLst>
-          </p:cNvPr>
-          <p:cNvSpPr/>
-          <p:nvPr/>
-        </p:nvSpPr>
-        <p:spPr>
-          <a:xfrm>
-            <a:off x="4471282" y="1555182"/>
-            <a:ext cx="4329818" cy="461665"/>
-          </a:xfrm>
-          <a:prstGeom prst="rect">
-            <a:avLst/>
-          </a:prstGeom>
-        </p:spPr>
-        <p:txBody>
-          <a:bodyPr wrap="square">
-            <a:spAutoFit/>
-          </a:bodyPr>
-          <a:lstStyle/>
-          <a:p>
-            <a:pPr algn="just">
-              <a:spcAft>
-                <a:spcPts val="450"/>
-              </a:spcAft>
-            </a:pPr>
-            <a:r>
-              <a:rPr lang="ru-RU" sz="1200" b="1" dirty="0">
-                <a:solidFill>
-                  <a:srgbClr val="292929"/>
-                </a:solidFill>
-                <a:latin typeface="Bookman Old Style" panose="02050604050505020204" pitchFamily="18" charset="0"/>
-                <a:ea typeface="Calibri" panose="020F0502020204030204" pitchFamily="34" charset="0"/>
-                <a:cs typeface="Times New Roman" panose="02020603050405020304" pitchFamily="18" charset="0"/>
-              </a:rPr>
-              <a:t>Этапы 5-7</a:t>
-            </a:r>
-            <a:r>
-              <a:rPr lang="ru-RU" sz="1200" dirty="0">
-                <a:solidFill>
-                  <a:srgbClr val="292929"/>
-                </a:solidFill>
-                <a:latin typeface="Bookman Old Style" panose="02050604050505020204" pitchFamily="18" charset="0"/>
-                <a:ea typeface="Calibri" panose="020F0502020204030204" pitchFamily="34" charset="0"/>
-                <a:cs typeface="Times New Roman" panose="02020603050405020304" pitchFamily="18" charset="0"/>
-              </a:rPr>
-              <a:t>. Разработка программы, тестирование и получение результатов.</a:t>
-            </a:r>
-          </a:p>
-        </p:txBody>
-      </p:sp>
-      <p:sp>
-        <p:nvSpPr>
-          <p:cNvPr id="31" name="Rectangle 3">
-            <a:extLst>
-              <a:ext uri="{FF2B5EF4-FFF2-40B4-BE49-F238E27FC236}">
-                <a16:creationId xmlns:a16="http://schemas.microsoft.com/office/drawing/2014/main" id="{1637B194-75F6-4319-94E9-7B431D273E7A}"/>
-              </a:ext>
-            </a:extLst>
-          </p:cNvPr>
-          <p:cNvSpPr>
-            <a:spLocks noChangeArrowheads="1"/>
-          </p:cNvSpPr>
-          <p:nvPr/>
-        </p:nvSpPr>
-        <p:spPr bwMode="auto">
-          <a:xfrm>
-            <a:off x="5000035" y="4550483"/>
-            <a:ext cx="3252020" cy="230832"/>
-          </a:xfrm>
-          <a:prstGeom prst="rect">
-            <a:avLst/>
-          </a:prstGeom>
-          <a:noFill/>
-          <a:ln>
-            <a:noFill/>
-          </a:ln>
-          <a:effectLst/>
-          <a:extLst>
-            <a:ext uri="{909E8E84-426E-40DD-AFC4-6F175D3DCCD1}">
-              <a14:hiddenFill xmlns:a14="http://schemas.microsoft.com/office/drawing/2010/main">
-                <a:solidFill>
-                  <a:schemeClr val="accent1"/>
-                </a:solidFill>
-              </a14:hiddenFill>
-            </a:ext>
-            <a:ext uri="{91240B29-F687-4F45-9708-019B960494DF}">
-              <a14:hiddenLine xmlns:a14="http://schemas.microsoft.com/office/drawing/2010/main" w="9525">
-                <a:solidFill>
-                  <a:schemeClr val="tx1"/>
-                </a:solidFill>
-                <a:miter lim="800000"/>
-                <a:headEnd/>
-                <a:tailEnd/>
-              </a14:hiddenLine>
-            </a:ext>
-            <a:ext uri="{AF507438-7753-43E0-B8FC-AC1667EBCBE1}">
-              <a14:hiddenEffects xmlns:a14="http://schemas.microsoft.com/office/drawing/2010/main">
-                <a:effectLst>
-                  <a:outerShdw dist="35921" dir="2700000" algn="ctr" rotWithShape="0">
-                    <a:schemeClr val="bg2"/>
-                  </a:outerShdw>
-                </a:effectLst>
-              </a14:hiddenEffects>
-            </a:ext>
-          </a:extLst>
-        </p:spPr>
-        <p:txBody>
-          <a:bodyPr vert="horz" wrap="square" lIns="68580" tIns="34290" rIns="68580" bIns="34290" numCol="1" anchor="ctr" anchorCtr="0" compatLnSpc="1">
-            <a:prstTxWarp prst="textNoShape">
-              <a:avLst/>
-            </a:prstTxWarp>
-            <a:spAutoFit/>
-          </a:bodyPr>
-          <a:lstStyle/>
-          <a:p>
-            <a:pPr algn="ctr" eaLnBrk="0" fontAlgn="base" hangingPunct="0">
-              <a:spcBef>
-                <a:spcPct val="0"/>
-              </a:spcBef>
-              <a:spcAft>
-                <a:spcPct val="0"/>
-              </a:spcAft>
-            </a:pPr>
-            <a:r>
-              <a:rPr lang="ru-RU" altLang="en-US" sz="1050" b="1" dirty="0">
-                <a:solidFill>
-                  <a:srgbClr val="292929"/>
-                </a:solidFill>
-                <a:latin typeface="Bookman Old Style" panose="02050604050505020204" pitchFamily="18" charset="0"/>
-                <a:ea typeface="Times New Roman" panose="02020603050405020304" pitchFamily="18" charset="0"/>
-                <a:cs typeface="Times New Roman" panose="02020603050405020304" pitchFamily="18" charset="0"/>
-              </a:rPr>
-              <a:t>Рис. </a:t>
-            </a:r>
-            <a:r>
-              <a:rPr lang="ru-RU" altLang="en-US" sz="1050" b="1" dirty="0">
-                <a:solidFill>
-                  <a:srgbClr val="292929"/>
-                </a:solidFill>
-                <a:latin typeface="Bookman Old Style" panose="02050604050505020204" pitchFamily="18" charset="0"/>
-                <a:ea typeface="Times New Roman" panose="02020603050405020304" pitchFamily="18" charset="0"/>
-                <a:cs typeface="Times New Roman" panose="02020603050405020304" pitchFamily="18" charset="0"/>
-              </a:rPr>
-              <a:t>3</a:t>
-            </a:r>
-            <a:r>
-              <a:rPr lang="en-US" altLang="en-US" sz="1050" b="1" dirty="0">
-                <a:solidFill>
-                  <a:srgbClr val="292929"/>
-                </a:solidFill>
-                <a:latin typeface="Bookman Old Style" panose="02050604050505020204" pitchFamily="18" charset="0"/>
-                <a:ea typeface="Times New Roman" panose="02020603050405020304" pitchFamily="18" charset="0"/>
-                <a:cs typeface="Times New Roman" panose="02020603050405020304" pitchFamily="18" charset="0"/>
-              </a:rPr>
-              <a:t> </a:t>
-            </a:r>
-            <a:r>
-              <a:rPr lang="ru-RU" altLang="en-US" sz="1050" dirty="0">
-                <a:latin typeface="Bookman Old Style" panose="02050604050505020204" pitchFamily="18" charset="0"/>
-                <a:ea typeface="Times New Roman" panose="02020603050405020304" pitchFamily="18" charset="0"/>
-                <a:cs typeface="Times New Roman" panose="02020603050405020304" pitchFamily="18" charset="0"/>
-              </a:rPr>
-              <a:t>– Интерфейс программного комплекса</a:t>
-            </a:r>
-            <a:endParaRPr lang="ru-RU" altLang="en-US" sz="1050" dirty="0">
-              <a:latin typeface="Bookman Old Style" panose="02050604050505020204" pitchFamily="18" charset="0"/>
-              <a:cs typeface="Times New Roman" panose="02020603050405020304" pitchFamily="18" charset="0"/>
-            </a:endParaRPr>
-          </a:p>
-        </p:txBody>
-      </p:sp>
-      <p:sp>
-        <p:nvSpPr>
-          <p:cNvPr id="33" name="Прямоугольник 32">
-            <a:extLst>
-              <a:ext uri="{FF2B5EF4-FFF2-40B4-BE49-F238E27FC236}">
-                <a16:creationId xmlns:a16="http://schemas.microsoft.com/office/drawing/2014/main" id="{4FB4FC87-9842-419F-B2CB-E2DC9D3FF0F3}"/>
-              </a:ext>
-            </a:extLst>
-          </p:cNvPr>
-          <p:cNvSpPr/>
-          <p:nvPr/>
-        </p:nvSpPr>
-        <p:spPr>
-          <a:xfrm>
-            <a:off x="1654577" y="3742509"/>
-            <a:ext cx="385042" cy="276999"/>
-          </a:xfrm>
-          <a:prstGeom prst="rect">
-            <a:avLst/>
-          </a:prstGeom>
-        </p:spPr>
-        <p:txBody>
-          <a:bodyPr wrap="none">
-            <a:spAutoFit/>
-          </a:bodyPr>
-          <a:lstStyle/>
-          <a:p>
-            <a:r>
-              <a:rPr lang="ru-RU" sz="1200" b="1" dirty="0">
-                <a:latin typeface="Bookman Old Style" panose="02050604050505020204" pitchFamily="18" charset="0"/>
-              </a:rPr>
-              <a:t>(</a:t>
-            </a:r>
-            <a:r>
-              <a:rPr lang="ru-RU" sz="1200" b="1" dirty="0">
-                <a:latin typeface="Bookman Old Style" panose="02050604050505020204" pitchFamily="18" charset="0"/>
-              </a:rPr>
-              <a:t>1)</a:t>
-            </a:r>
-            <a:endParaRPr lang="ru-RU" sz="1200" b="1" dirty="0">
-              <a:latin typeface="Bookman Old Style" panose="02050604050505020204" pitchFamily="18" charset="0"/>
-            </a:endParaRPr>
-          </a:p>
-        </p:txBody>
-      </p:sp>
-      <p:sp>
-        <p:nvSpPr>
-          <p:cNvPr id="34" name="Прямоугольник 33">
-            <a:extLst>
-              <a:ext uri="{FF2B5EF4-FFF2-40B4-BE49-F238E27FC236}">
-                <a16:creationId xmlns:a16="http://schemas.microsoft.com/office/drawing/2014/main" id="{822F8DA0-6458-40D4-8D38-77767701FA57}"/>
-              </a:ext>
-            </a:extLst>
-          </p:cNvPr>
-          <p:cNvSpPr/>
-          <p:nvPr/>
-        </p:nvSpPr>
-        <p:spPr>
-          <a:xfrm>
-            <a:off x="4162804" y="3742220"/>
-            <a:ext cx="385042" cy="276999"/>
-          </a:xfrm>
-          <a:prstGeom prst="rect">
-            <a:avLst/>
-          </a:prstGeom>
-        </p:spPr>
-        <p:txBody>
-          <a:bodyPr wrap="none">
-            <a:spAutoFit/>
-          </a:bodyPr>
-          <a:lstStyle/>
-          <a:p>
-            <a:r>
-              <a:rPr lang="ru-RU" sz="1200" b="1" dirty="0">
-                <a:latin typeface="Bookman Old Style" panose="02050604050505020204" pitchFamily="18" charset="0"/>
-              </a:rPr>
-              <a:t>(</a:t>
-            </a:r>
-            <a:r>
-              <a:rPr lang="ru-RU" sz="1200" b="1" dirty="0">
-                <a:latin typeface="Bookman Old Style" panose="02050604050505020204" pitchFamily="18" charset="0"/>
-              </a:rPr>
-              <a:t>2</a:t>
-            </a:r>
-            <a:r>
-              <a:rPr lang="ru-RU" sz="1200" b="1" dirty="0">
-                <a:latin typeface="Bookman Old Style" panose="02050604050505020204" pitchFamily="18" charset="0"/>
-              </a:rPr>
-              <a:t>)</a:t>
-            </a:r>
-            <a:endParaRPr lang="ru-RU" sz="1200" b="1" dirty="0">
-              <a:latin typeface="Bookman Old Style" panose="02050604050505020204" pitchFamily="18" charset="0"/>
-            </a:endParaRPr>
-          </a:p>
-        </p:txBody>
-      </p:sp>
-      <p:sp>
-        <p:nvSpPr>
-          <p:cNvPr id="30" name="Прямоугольник 29">
-            <a:extLst>
-              <a:ext uri="{FF2B5EF4-FFF2-40B4-BE49-F238E27FC236}">
-                <a16:creationId xmlns:a16="http://schemas.microsoft.com/office/drawing/2014/main" id="{822F8DA0-6458-40D4-8D38-77767701FA57}"/>
-              </a:ext>
-            </a:extLst>
-          </p:cNvPr>
-          <p:cNvSpPr/>
-          <p:nvPr/>
-        </p:nvSpPr>
-        <p:spPr>
-          <a:xfrm>
-            <a:off x="8783620" y="1359885"/>
-            <a:ext cx="385042" cy="276999"/>
-          </a:xfrm>
-          <a:prstGeom prst="rect">
-            <a:avLst/>
-          </a:prstGeom>
-        </p:spPr>
-        <p:txBody>
-          <a:bodyPr wrap="none">
-            <a:spAutoFit/>
-          </a:bodyPr>
-          <a:lstStyle/>
-          <a:p>
-            <a:r>
-              <a:rPr lang="ru-RU" sz="1200" b="1" dirty="0">
-                <a:latin typeface="Bookman Old Style" panose="02050604050505020204" pitchFamily="18" charset="0"/>
-              </a:rPr>
-              <a:t>(3)</a:t>
-            </a:r>
-            <a:endParaRPr lang="ru-RU" sz="1200" b="1" dirty="0">
-              <a:latin typeface="Bookman Old Style" panose="02050604050505020204" pitchFamily="18" charset="0"/>
-            </a:endParaRPr>
-          </a:p>
-        </p:txBody>
-      </p:sp>
-    </p:spTree>
-    <p:extLst>
-      <p:ext uri="{BB962C8B-B14F-4D97-AF65-F5344CB8AC3E}">
-        <p14:creationId xmlns:p14="http://schemas.microsoft.com/office/powerpoint/2010/main" val="3936127709"/>
-      </p:ext>
-    </p:extLst>
-  </p:cSld>
-  <p:clrMapOvr>
-    <a:masterClrMapping/>
-  </p:clrMapOvr>
-  <p:timing>
-    <p:tnLst>
-      <p:par>
-        <p:cTn id="1" dur="indefinite" restart="never" nodeType="tmRoot">
-          <p:childTnLst>
-            <p:seq concurrent="1" nextAc="seek">
-              <p:cTn id="2" dur="indefinite" nodeType="mainSeq">
-                <p:childTnLst>
-                  <p:par>
-                    <p:cTn id="3" fill="hold">
-                      <p:stCondLst>
-                        <p:cond delay="indefinite"/>
-                      </p:stCondLst>
-                      <p:childTnLst>
-                        <p:par>
-                          <p:cTn id="4" fill="hold">
-                            <p:stCondLst>
-                              <p:cond delay="0"/>
-                            </p:stCondLst>
-                            <p:childTnLst>
-                              <p:par>
-                                <p:cTn id="5" presetID="42" presetClass="exit" presetSubtype="0" fill="hold" nodeType="clickEffect">
-                                  <p:stCondLst>
-                                    <p:cond delay="0"/>
-                                  </p:stCondLst>
-                                  <p:childTnLst>
-                                    <p:animEffect transition="out" filter="fade">
-                                      <p:cBhvr>
-                                        <p:cTn id="6" dur="1000"/>
-                                        <p:tgtEl>
-                                          <p:spTgt spid="28"/>
-                                        </p:tgtEl>
-                                      </p:cBhvr>
-                                    </p:animEffect>
-                                    <p:anim calcmode="lin" valueType="num">
-                                      <p:cBhvr>
-                                        <p:cTn id="7" dur="1000"/>
-                                        <p:tgtEl>
-                                          <p:spTgt spid="28"/>
-                                        </p:tgtEl>
-                                        <p:attrNameLst>
-                                          <p:attrName>ppt_x</p:attrName>
-                                        </p:attrNameLst>
-                                      </p:cBhvr>
-                                      <p:tavLst>
-                                        <p:tav tm="0">
-                                          <p:val>
-                                            <p:strVal val="ppt_x"/>
-                                          </p:val>
-                                        </p:tav>
-                                        <p:tav tm="100000">
-                                          <p:val>
-                                            <p:strVal val="ppt_x"/>
-                                          </p:val>
-                                        </p:tav>
-                                      </p:tavLst>
-                                    </p:anim>
-                                    <p:anim calcmode="lin" valueType="num">
-                                      <p:cBhvr>
-                                        <p:cTn id="8" dur="1000"/>
-                                        <p:tgtEl>
-                                          <p:spTgt spid="28"/>
-                                        </p:tgtEl>
-                                        <p:attrNameLst>
-                                          <p:attrName>ppt_y</p:attrName>
-                                        </p:attrNameLst>
-                                      </p:cBhvr>
-                                      <p:tavLst>
-                                        <p:tav tm="0">
-                                          <p:val>
-                                            <p:strVal val="ppt_y"/>
-                                          </p:val>
-                                        </p:tav>
-                                        <p:tav tm="100000">
-                                          <p:val>
-                                            <p:strVal val="ppt_y+.1"/>
-                                          </p:val>
-                                        </p:tav>
-                                      </p:tavLst>
-                                    </p:anim>
-                                    <p:set>
-                                      <p:cBhvr>
-                                        <p:cTn id="9" dur="1" fill="hold">
-                                          <p:stCondLst>
-                                            <p:cond delay="999"/>
-                                          </p:stCondLst>
-                                        </p:cTn>
-                                        <p:tgtEl>
-                                          <p:spTgt spid="28"/>
-                                        </p:tgtEl>
-                                        <p:attrNameLst>
-                                          <p:attrName>style.visibility</p:attrName>
-                                        </p:attrNameLst>
-                                      </p:cBhvr>
-                                      <p:to>
-                                        <p:strVal val="hidden"/>
-                                      </p:to>
-                                    </p:set>
-                                  </p:childTnLst>
-                                </p:cTn>
-                              </p:par>
-                              <p:par>
-                                <p:cTn id="10" presetID="42" presetClass="exit" presetSubtype="0" fill="hold" grpId="0" nodeType="withEffect">
-                                  <p:stCondLst>
-                                    <p:cond delay="0"/>
-                                  </p:stCondLst>
-                                  <p:childTnLst>
-                                    <p:animEffect transition="out" filter="fade">
-                                      <p:cBhvr>
-                                        <p:cTn id="11" dur="1000"/>
-                                        <p:tgtEl>
-                                          <p:spTgt spid="31"/>
-                                        </p:tgtEl>
-                                      </p:cBhvr>
-                                    </p:animEffect>
-                                    <p:anim calcmode="lin" valueType="num">
-                                      <p:cBhvr>
-                                        <p:cTn id="12" dur="1000"/>
-                                        <p:tgtEl>
-                                          <p:spTgt spid="31"/>
-                                        </p:tgtEl>
-                                        <p:attrNameLst>
-                                          <p:attrName>ppt_x</p:attrName>
-                                        </p:attrNameLst>
-                                      </p:cBhvr>
-                                      <p:tavLst>
-                                        <p:tav tm="0">
-                                          <p:val>
-                                            <p:strVal val="ppt_x"/>
-                                          </p:val>
-                                        </p:tav>
-                                        <p:tav tm="100000">
-                                          <p:val>
-                                            <p:strVal val="ppt_x"/>
-                                          </p:val>
-                                        </p:tav>
-                                      </p:tavLst>
-                                    </p:anim>
-                                    <p:anim calcmode="lin" valueType="num">
-                                      <p:cBhvr>
-                                        <p:cTn id="13" dur="1000"/>
-                                        <p:tgtEl>
-                                          <p:spTgt spid="31"/>
-                                        </p:tgtEl>
-                                        <p:attrNameLst>
-                                          <p:attrName>ppt_y</p:attrName>
-                                        </p:attrNameLst>
-                                      </p:cBhvr>
-                                      <p:tavLst>
-                                        <p:tav tm="0">
-                                          <p:val>
-                                            <p:strVal val="ppt_y"/>
-                                          </p:val>
-                                        </p:tav>
-                                        <p:tav tm="100000">
-                                          <p:val>
-                                            <p:strVal val="ppt_y+.1"/>
-                                          </p:val>
-                                        </p:tav>
-                                      </p:tavLst>
-                                    </p:anim>
-                                    <p:set>
-                                      <p:cBhvr>
-                                        <p:cTn id="14" dur="1" fill="hold">
-                                          <p:stCondLst>
-                                            <p:cond delay="999"/>
-                                          </p:stCondLst>
-                                        </p:cTn>
-                                        <p:tgtEl>
-                                          <p:spTgt spid="31"/>
-                                        </p:tgtEl>
-                                        <p:attrNameLst>
-                                          <p:attrName>style.visibility</p:attrName>
-                                        </p:attrNameLst>
-                                      </p:cBhvr>
-                                      <p:to>
-                                        <p:strVal val="hidden"/>
-                                      </p:to>
-                                    </p:set>
-                                  </p:childTnLst>
-                                </p:cTn>
-                              </p:par>
-                              <p:par>
-                                <p:cTn id="15" presetID="42" presetClass="entr" presetSubtype="0" fill="hold" nodeType="withEffect">
-                                  <p:stCondLst>
-                                    <p:cond delay="0"/>
-                                  </p:stCondLst>
-                                  <p:childTnLst>
-                                    <p:set>
-                                      <p:cBhvr>
-                                        <p:cTn id="16" dur="1" fill="hold">
-                                          <p:stCondLst>
-                                            <p:cond delay="0"/>
-                                          </p:stCondLst>
-                                        </p:cTn>
-                                        <p:tgtEl>
-                                          <p:spTgt spid="4"/>
-                                        </p:tgtEl>
-                                        <p:attrNameLst>
-                                          <p:attrName>style.visibility</p:attrName>
-                                        </p:attrNameLst>
-                                      </p:cBhvr>
-                                      <p:to>
-                                        <p:strVal val="visible"/>
-                                      </p:to>
-                                    </p:set>
-                                    <p:animEffect transition="in" filter="fade">
-                                      <p:cBhvr>
-                                        <p:cTn id="17" dur="1000"/>
-                                        <p:tgtEl>
-                                          <p:spTgt spid="4"/>
-                                        </p:tgtEl>
-                                      </p:cBhvr>
-                                    </p:animEffect>
-                                    <p:anim calcmode="lin" valueType="num">
-                                      <p:cBhvr>
-                                        <p:cTn id="18" dur="1000" fill="hold"/>
-                                        <p:tgtEl>
-                                          <p:spTgt spid="4"/>
-                                        </p:tgtEl>
-                                        <p:attrNameLst>
-                                          <p:attrName>ppt_x</p:attrName>
-                                        </p:attrNameLst>
-                                      </p:cBhvr>
-                                      <p:tavLst>
-                                        <p:tav tm="0">
-                                          <p:val>
-                                            <p:strVal val="#ppt_x"/>
-                                          </p:val>
-                                        </p:tav>
-                                        <p:tav tm="100000">
-                                          <p:val>
-                                            <p:strVal val="#ppt_x"/>
-                                          </p:val>
-                                        </p:tav>
-                                      </p:tavLst>
-                                    </p:anim>
-                                    <p:anim calcmode="lin" valueType="num">
-                                      <p:cBhvr>
-                                        <p:cTn id="19" dur="1000" fill="hold"/>
-                                        <p:tgtEl>
-                                          <p:spTgt spid="4"/>
-                                        </p:tgtEl>
-                                        <p:attrNameLst>
-                                          <p:attrName>ppt_y</p:attrName>
-                                        </p:attrNameLst>
-                                      </p:cBhvr>
-                                      <p:tavLst>
-                                        <p:tav tm="0">
-                                          <p:val>
-                                            <p:strVal val="#ppt_y+.1"/>
-                                          </p:val>
-                                        </p:tav>
-                                        <p:tav tm="100000">
-                                          <p:val>
-                                            <p:strVal val="#ppt_y"/>
-                                          </p:val>
-                                        </p:tav>
-                                      </p:tavLst>
-                                    </p:anim>
-                                  </p:childTnLst>
-                                </p:cTn>
-                              </p:par>
-                              <p:par>
-                                <p:cTn id="20" presetID="42" presetClass="entr" presetSubtype="0" fill="hold" grpId="0" nodeType="withEffect">
-                                  <p:stCondLst>
-                                    <p:cond delay="0"/>
-                                  </p:stCondLst>
-                                  <p:childTnLst>
-                                    <p:set>
-                                      <p:cBhvr>
-                                        <p:cTn id="21" dur="1" fill="hold">
-                                          <p:stCondLst>
-                                            <p:cond delay="0"/>
-                                          </p:stCondLst>
-                                        </p:cTn>
-                                        <p:tgtEl>
-                                          <p:spTgt spid="32"/>
-                                        </p:tgtEl>
-                                        <p:attrNameLst>
-                                          <p:attrName>style.visibility</p:attrName>
-                                        </p:attrNameLst>
-                                      </p:cBhvr>
-                                      <p:to>
-                                        <p:strVal val="visible"/>
-                                      </p:to>
-                                    </p:set>
-                                    <p:animEffect transition="in" filter="fade">
-                                      <p:cBhvr>
-                                        <p:cTn id="22" dur="1000"/>
-                                        <p:tgtEl>
-                                          <p:spTgt spid="32"/>
-                                        </p:tgtEl>
-                                      </p:cBhvr>
-                                    </p:animEffect>
-                                    <p:anim calcmode="lin" valueType="num">
-                                      <p:cBhvr>
-                                        <p:cTn id="23" dur="1000" fill="hold"/>
-                                        <p:tgtEl>
-                                          <p:spTgt spid="32"/>
-                                        </p:tgtEl>
-                                        <p:attrNameLst>
-                                          <p:attrName>ppt_x</p:attrName>
-                                        </p:attrNameLst>
-                                      </p:cBhvr>
-                                      <p:tavLst>
-                                        <p:tav tm="0">
-                                          <p:val>
-                                            <p:strVal val="#ppt_x"/>
-                                          </p:val>
-                                        </p:tav>
-                                        <p:tav tm="100000">
-                                          <p:val>
-                                            <p:strVal val="#ppt_x"/>
-                                          </p:val>
-                                        </p:tav>
-                                      </p:tavLst>
-                                    </p:anim>
-                                    <p:anim calcmode="lin" valueType="num">
-                                      <p:cBhvr>
-                                        <p:cTn id="24" dur="1000" fill="hold"/>
-                                        <p:tgtEl>
-                                          <p:spTgt spid="32"/>
-                                        </p:tgtEl>
-                                        <p:attrNameLst>
-                                          <p:attrName>ppt_y</p:attrName>
-                                        </p:attrNameLst>
-                                      </p:cBhvr>
-                                      <p:tavLst>
-                                        <p:tav tm="0">
-                                          <p:val>
-                                            <p:strVal val="#ppt_y+.1"/>
-                                          </p:val>
-                                        </p:tav>
-                                        <p:tav tm="100000">
-                                          <p:val>
-                                            <p:strVal val="#ppt_y"/>
-                                          </p:val>
-                                        </p:tav>
-                                      </p:tavLst>
-                                    </p:anim>
-                                  </p:childTnLst>
-                                </p:cTn>
-                              </p:par>
-                            </p:childTnLst>
-                          </p:cTn>
-                        </p:par>
-                      </p:childTnLst>
-                    </p:cTn>
-                  </p:par>
-                </p:childTnLst>
-              </p:cTn>
-              <p:prevCondLst>
-                <p:cond evt="onPrev" delay="0">
-                  <p:tgtEl>
-                    <p:sldTgt/>
-                  </p:tgtEl>
-                </p:cond>
-              </p:prevCondLst>
-              <p:nextCondLst>
-                <p:cond evt="onNext" delay="0">
-                  <p:tgtEl>
-                    <p:sldTgt/>
-                  </p:tgtEl>
-                </p:cond>
-              </p:nextCondLst>
-            </p:seq>
-          </p:childTnLst>
-        </p:cTn>
-      </p:par>
-    </p:tnLst>
-    <p:bldLst>
-      <p:bldP spid="32" grpId="0"/>
-      <p:bldP spid="31" grpId="0"/>
-    </p:bldLst>
-  </p:timing>
-</p:sld>
-</file>
-
-<file path=ppt/slides/slide5.xml><?xml version="1.0" encoding="utf-8"?>
-<p:sld xmlns:a="http://schemas.openxmlformats.org/drawingml/2006/main" xmlns:r="http://schemas.openxmlformats.org/officeDocument/2006/relationships" xmlns:p="http://schemas.openxmlformats.org/presentationml/2006/main">
-  <p:cSld>
-    <p:spTree>
-      <p:nvGrpSpPr>
-        <p:cNvPr id="1" name=""/>
-        <p:cNvGrpSpPr/>
-        <p:nvPr/>
-      </p:nvGrpSpPr>
-      <p:grpSpPr>
-        <a:xfrm>
-          <a:off x="0" y="0"/>
-          <a:ext cx="0" cy="0"/>
-          <a:chOff x="0" y="0"/>
-          <a:chExt cx="0" cy="0"/>
-        </a:xfrm>
-      </p:grpSpPr>
       <p:sp>
         <p:nvSpPr>
           <p:cNvPr id="6" name="Rectangle 28" descr="Светлый диагональный 2"/>
@@ -10482,7 +7192,7 @@
           <p:nvPr>
             <p:extLst>
               <p:ext uri="{D42A27DB-BD31-4B8C-83A1-F6EECF244321}">
-                <p14:modId xmlns:p14="http://schemas.microsoft.com/office/powerpoint/2010/main" val="2391322021"/>
+                <p14:modId xmlns:p14="http://schemas.microsoft.com/office/powerpoint/2010/main" val="2682381117"/>
               </p:ext>
             </p:extLst>
           </p:nvPr>
@@ -10495,7 +7205,7 @@
           <a:graphicData uri="http://schemas.openxmlformats.org/presentationml/2006/ole">
             <mc:AlternateContent xmlns:mc="http://schemas.openxmlformats.org/markup-compatibility/2006">
               <mc:Choice xmlns:v="urn:schemas-microsoft-com:vml" Requires="v">
-                <p:oleObj spid="_x0000_s53389" name="Формула" r:id="rId3" imgW="1396800" imgH="241200" progId="Equation.3">
+                <p:oleObj spid="_x0000_s53467" name="Формула" r:id="rId3" imgW="1396800" imgH="241200" progId="Equation.3">
                   <p:embed/>
                 </p:oleObj>
               </mc:Choice>
@@ -10511,13 +7221,7 @@
                       <p:nvPr/>
                     </p:nvPicPr>
                     <p:blipFill>
-                      <a:blip r:embed="rId4">
-                        <a:extLst>
-                          <a:ext uri="{28A0092B-C50C-407E-A947-70E740481C1C}">
-                            <a14:useLocalDpi xmlns:a14="http://schemas.microsoft.com/office/drawing/2010/main" val="0"/>
-                          </a:ext>
-                        </a:extLst>
-                      </a:blip>
+                      <a:blip r:embed="rId4"/>
                       <a:srcRect/>
                       <a:stretch>
                         <a:fillRect/>
@@ -10558,20 +7262,20 @@
           <p:nvPr>
             <p:extLst>
               <p:ext uri="{D42A27DB-BD31-4B8C-83A1-F6EECF244321}">
-                <p14:modId xmlns:p14="http://schemas.microsoft.com/office/powerpoint/2010/main" val="2715508682"/>
+                <p14:modId xmlns:p14="http://schemas.microsoft.com/office/powerpoint/2010/main" val="3819304685"/>
               </p:ext>
             </p:extLst>
           </p:nvPr>
         </p:nvGraphicFramePr>
         <p:xfrm>
-          <a:off x="1155700" y="2082800"/>
-          <a:ext cx="1600200" cy="241300"/>
+          <a:off x="1155700" y="2084388"/>
+          <a:ext cx="1600200" cy="239712"/>
         </p:xfrm>
         <a:graphic>
           <a:graphicData uri="http://schemas.openxmlformats.org/presentationml/2006/ole">
             <mc:AlternateContent xmlns:mc="http://schemas.openxmlformats.org/markup-compatibility/2006">
               <mc:Choice xmlns:v="urn:schemas-microsoft-com:vml" Requires="v">
-                <p:oleObj spid="_x0000_s53390" name="Формула" r:id="rId5" imgW="1600200" imgH="253800" progId="Equation.3">
+                <p:oleObj spid="_x0000_s53468" name="Формула" r:id="rId5" imgW="1600200" imgH="253800" progId="Equation.3">
                   <p:embed/>
                 </p:oleObj>
               </mc:Choice>
@@ -10587,13 +7291,7 @@
                       <p:nvPr/>
                     </p:nvPicPr>
                     <p:blipFill>
-                      <a:blip r:embed="rId6">
-                        <a:extLst>
-                          <a:ext uri="{28A0092B-C50C-407E-A947-70E740481C1C}">
-                            <a14:useLocalDpi xmlns:a14="http://schemas.microsoft.com/office/drawing/2010/main" val="0"/>
-                          </a:ext>
-                        </a:extLst>
-                      </a:blip>
+                      <a:blip r:embed="rId6"/>
                       <a:srcRect/>
                       <a:stretch>
                         <a:fillRect/>
@@ -10601,8 +7299,8 @@
                     </p:blipFill>
                     <p:spPr bwMode="auto">
                       <a:xfrm>
-                        <a:off x="1155700" y="2082800"/>
-                        <a:ext cx="1600200" cy="241300"/>
+                        <a:off x="1155700" y="2084388"/>
+                        <a:ext cx="1600200" cy="239712"/>
                       </a:xfrm>
                       <a:prstGeom prst="rect">
                         <a:avLst/>
@@ -10634,7 +7332,7 @@
           <p:nvPr>
             <p:extLst>
               <p:ext uri="{D42A27DB-BD31-4B8C-83A1-F6EECF244321}">
-                <p14:modId xmlns:p14="http://schemas.microsoft.com/office/powerpoint/2010/main" val="2041284083"/>
+                <p14:modId xmlns:p14="http://schemas.microsoft.com/office/powerpoint/2010/main" val="71527687"/>
               </p:ext>
             </p:extLst>
           </p:nvPr>
@@ -10647,7 +7345,7 @@
           <a:graphicData uri="http://schemas.openxmlformats.org/presentationml/2006/ole">
             <mc:AlternateContent xmlns:mc="http://schemas.openxmlformats.org/markup-compatibility/2006">
               <mc:Choice xmlns:v="urn:schemas-microsoft-com:vml" Requires="v">
-                <p:oleObj spid="_x0000_s53391" name="Формула" r:id="rId7" imgW="2590560" imgH="698400" progId="Equation.3">
+                <p:oleObj spid="_x0000_s53469" name="Формула" r:id="rId7" imgW="2590560" imgH="698400" progId="Equation.3">
                   <p:embed/>
                 </p:oleObj>
               </mc:Choice>
@@ -10663,13 +7361,7 @@
                       <p:nvPr/>
                     </p:nvPicPr>
                     <p:blipFill>
-                      <a:blip r:embed="rId8">
-                        <a:extLst>
-                          <a:ext uri="{28A0092B-C50C-407E-A947-70E740481C1C}">
-                            <a14:useLocalDpi xmlns:a14="http://schemas.microsoft.com/office/drawing/2010/main" val="0"/>
-                          </a:ext>
-                        </a:extLst>
-                      </a:blip>
+                      <a:blip r:embed="rId8"/>
                       <a:srcRect/>
                       <a:stretch>
                         <a:fillRect/>
@@ -11265,20 +7957,20 @@
           <p:nvPr>
             <p:extLst>
               <p:ext uri="{D42A27DB-BD31-4B8C-83A1-F6EECF244321}">
-                <p14:modId xmlns:p14="http://schemas.microsoft.com/office/powerpoint/2010/main" val="593643490"/>
+                <p14:modId xmlns:p14="http://schemas.microsoft.com/office/powerpoint/2010/main" val="440798087"/>
               </p:ext>
             </p:extLst>
           </p:nvPr>
         </p:nvGraphicFramePr>
         <p:xfrm>
-          <a:off x="1504950" y="3062288"/>
+          <a:off x="1388590" y="3063082"/>
           <a:ext cx="1450975" cy="296862"/>
         </p:xfrm>
         <a:graphic>
           <a:graphicData uri="http://schemas.openxmlformats.org/presentationml/2006/ole">
             <mc:AlternateContent xmlns:mc="http://schemas.openxmlformats.org/markup-compatibility/2006">
               <mc:Choice xmlns:v="urn:schemas-microsoft-com:vml" Requires="v">
-                <p:oleObj spid="_x0000_s53392" name="Формула" r:id="rId9" imgW="1460160" imgH="291960" progId="Equation.3">
+                <p:oleObj spid="_x0000_s53470" name="Формула" r:id="rId9" imgW="1460160" imgH="291960" progId="Equation.3">
                   <p:embed/>
                 </p:oleObj>
               </mc:Choice>
@@ -11294,13 +7986,7 @@
                       <p:nvPr/>
                     </p:nvPicPr>
                     <p:blipFill>
-                      <a:blip r:embed="rId10">
-                        <a:extLst>
-                          <a:ext uri="{28A0092B-C50C-407E-A947-70E740481C1C}">
-                            <a14:useLocalDpi xmlns:a14="http://schemas.microsoft.com/office/drawing/2010/main" val="0"/>
-                          </a:ext>
-                        </a:extLst>
-                      </a:blip>
+                      <a:blip r:embed="rId10"/>
                       <a:srcRect/>
                       <a:stretch>
                         <a:fillRect/>
@@ -11308,7 +7994,7 @@
                     </p:blipFill>
                     <p:spPr bwMode="auto">
                       <a:xfrm>
-                        <a:off x="1504950" y="3062288"/>
+                        <a:off x="1388590" y="3063082"/>
                         <a:ext cx="1450975" cy="296862"/>
                       </a:xfrm>
                       <a:prstGeom prst="rect">
@@ -11341,20 +8027,20 @@
           <p:nvPr>
             <p:extLst>
               <p:ext uri="{D42A27DB-BD31-4B8C-83A1-F6EECF244321}">
-                <p14:modId xmlns:p14="http://schemas.microsoft.com/office/powerpoint/2010/main" val="2490242238"/>
+                <p14:modId xmlns:p14="http://schemas.microsoft.com/office/powerpoint/2010/main" val="1923646724"/>
               </p:ext>
             </p:extLst>
           </p:nvPr>
         </p:nvGraphicFramePr>
         <p:xfrm>
-          <a:off x="3200400" y="3048000"/>
+          <a:off x="2909888" y="3060700"/>
           <a:ext cx="939800" cy="292100"/>
         </p:xfrm>
         <a:graphic>
           <a:graphicData uri="http://schemas.openxmlformats.org/presentationml/2006/ole">
             <mc:AlternateContent xmlns:mc="http://schemas.openxmlformats.org/markup-compatibility/2006">
               <mc:Choice xmlns:v="urn:schemas-microsoft-com:vml" Requires="v">
-                <p:oleObj spid="_x0000_s53393" name="Формула" r:id="rId11" imgW="939600" imgH="291960" progId="Equation.3">
+                <p:oleObj spid="_x0000_s53471" name="Формула" r:id="rId11" imgW="939600" imgH="291960" progId="Equation.3">
                   <p:embed/>
                 </p:oleObj>
               </mc:Choice>
@@ -11370,13 +8056,7 @@
                       <p:nvPr/>
                     </p:nvPicPr>
                     <p:blipFill>
-                      <a:blip r:embed="rId12">
-                        <a:extLst>
-                          <a:ext uri="{28A0092B-C50C-407E-A947-70E740481C1C}">
-                            <a14:useLocalDpi xmlns:a14="http://schemas.microsoft.com/office/drawing/2010/main" val="0"/>
-                          </a:ext>
-                        </a:extLst>
-                      </a:blip>
+                      <a:blip r:embed="rId12"/>
                       <a:srcRect/>
                       <a:stretch>
                         <a:fillRect/>
@@ -11384,7 +8064,7 @@
                     </p:blipFill>
                     <p:spPr bwMode="auto">
                       <a:xfrm>
-                        <a:off x="3200400" y="3048000"/>
+                        <a:off x="2909888" y="3060700"/>
                         <a:ext cx="939800" cy="292100"/>
                       </a:xfrm>
                       <a:prstGeom prst="rect">
@@ -11655,7 +8335,7 @@
           <p:nvPr>
             <p:extLst>
               <p:ext uri="{D42A27DB-BD31-4B8C-83A1-F6EECF244321}">
-                <p14:modId xmlns:p14="http://schemas.microsoft.com/office/powerpoint/2010/main" val="1342042625"/>
+                <p14:modId xmlns:p14="http://schemas.microsoft.com/office/powerpoint/2010/main" val="429630532"/>
               </p:ext>
             </p:extLst>
           </p:nvPr>
@@ -11668,7 +8348,7 @@
           <a:graphicData uri="http://schemas.openxmlformats.org/presentationml/2006/ole">
             <mc:AlternateContent xmlns:mc="http://schemas.openxmlformats.org/markup-compatibility/2006">
               <mc:Choice xmlns:v="urn:schemas-microsoft-com:vml" Requires="v">
-                <p:oleObj spid="_x0000_s53394" name="Формула" r:id="rId13" imgW="1841400" imgH="253800" progId="Equation.3">
+                <p:oleObj spid="_x0000_s53472" name="Формула" r:id="rId13" imgW="1841400" imgH="253800" progId="Equation.3">
                   <p:embed/>
                 </p:oleObj>
               </mc:Choice>
@@ -11684,13 +8364,7 @@
                       <p:nvPr/>
                     </p:nvPicPr>
                     <p:blipFill>
-                      <a:blip r:embed="rId14">
-                        <a:extLst>
-                          <a:ext uri="{28A0092B-C50C-407E-A947-70E740481C1C}">
-                            <a14:useLocalDpi xmlns:a14="http://schemas.microsoft.com/office/drawing/2010/main" val="0"/>
-                          </a:ext>
-                        </a:extLst>
-                      </a:blip>
+                      <a:blip r:embed="rId14"/>
                       <a:srcRect/>
                       <a:stretch>
                         <a:fillRect/>
@@ -11828,7 +8502,7 @@
           <a:graphicData uri="http://schemas.openxmlformats.org/presentationml/2006/ole">
             <mc:AlternateContent xmlns:mc="http://schemas.openxmlformats.org/markup-compatibility/2006">
               <mc:Choice xmlns:v="urn:schemas-microsoft-com:vml" Requires="v">
-                <p:oleObj spid="_x0000_s53395" name="Формула" r:id="rId15" imgW="241195" imgH="279279" progId="Equation.3">
+                <p:oleObj spid="_x0000_s53473" name="Формула" r:id="rId15" imgW="241195" imgH="279279" progId="Equation.3">
                   <p:embed/>
                 </p:oleObj>
               </mc:Choice>
@@ -12028,25 +8702,25 @@
           <p:nvPr>
             <p:extLst>
               <p:ext uri="{D42A27DB-BD31-4B8C-83A1-F6EECF244321}">
-                <p14:modId xmlns:p14="http://schemas.microsoft.com/office/powerpoint/2010/main" val="2248571150"/>
+                <p14:modId xmlns:p14="http://schemas.microsoft.com/office/powerpoint/2010/main" val="2679820176"/>
               </p:ext>
             </p:extLst>
           </p:nvPr>
         </p:nvGraphicFramePr>
         <p:xfrm>
-          <a:off x="7588014" y="3106657"/>
-          <a:ext cx="276225" cy="214312"/>
+          <a:off x="7588250" y="3113088"/>
+          <a:ext cx="276225" cy="201612"/>
         </p:xfrm>
         <a:graphic>
           <a:graphicData uri="http://schemas.openxmlformats.org/presentationml/2006/ole">
             <mc:AlternateContent xmlns:mc="http://schemas.openxmlformats.org/markup-compatibility/2006">
               <mc:Choice xmlns:v="urn:schemas-microsoft-com:vml" Requires="v">
-                <p:oleObj spid="_x0000_s53396" name="Формула" r:id="rId17" imgW="279360" imgH="215640" progId="Equation.3">
+                <p:oleObj spid="_x0000_s53474" name="Формула" r:id="rId17" imgW="279360" imgH="203040" progId="Equation.3">
                   <p:embed/>
                 </p:oleObj>
               </mc:Choice>
               <mc:Fallback>
-                <p:oleObj name="Формула" r:id="rId17" imgW="279360" imgH="215640" progId="Equation.3">
+                <p:oleObj name="Формула" r:id="rId17" imgW="279360" imgH="203040" progId="Equation.3">
                   <p:embed/>
                   <p:pic>
                     <p:nvPicPr>
@@ -12057,13 +8731,7 @@
                       <p:nvPr/>
                     </p:nvPicPr>
                     <p:blipFill>
-                      <a:blip r:embed="rId18">
-                        <a:extLst>
-                          <a:ext uri="{28A0092B-C50C-407E-A947-70E740481C1C}">
-                            <a14:useLocalDpi xmlns:a14="http://schemas.microsoft.com/office/drawing/2010/main" val="0"/>
-                          </a:ext>
-                        </a:extLst>
-                      </a:blip>
+                      <a:blip r:embed="rId18"/>
                       <a:srcRect/>
                       <a:stretch>
                         <a:fillRect/>
@@ -12071,8 +8739,8 @@
                     </p:blipFill>
                     <p:spPr bwMode="auto">
                       <a:xfrm>
-                        <a:off x="7588014" y="3106657"/>
-                        <a:ext cx="276225" cy="214312"/>
+                        <a:off x="7588250" y="3113088"/>
+                        <a:ext cx="276225" cy="201612"/>
                       </a:xfrm>
                       <a:prstGeom prst="rect">
                         <a:avLst/>
@@ -12199,7 +8867,7 @@
           <p:nvPr>
             <p:extLst>
               <p:ext uri="{D42A27DB-BD31-4B8C-83A1-F6EECF244321}">
-                <p14:modId xmlns:p14="http://schemas.microsoft.com/office/powerpoint/2010/main" val="2096597751"/>
+                <p14:modId xmlns:p14="http://schemas.microsoft.com/office/powerpoint/2010/main" val="2568596176"/>
               </p:ext>
             </p:extLst>
           </p:nvPr>
@@ -12212,7 +8880,7 @@
           <a:graphicData uri="http://schemas.openxmlformats.org/presentationml/2006/ole">
             <mc:AlternateContent xmlns:mc="http://schemas.openxmlformats.org/markup-compatibility/2006">
               <mc:Choice xmlns:v="urn:schemas-microsoft-com:vml" Requires="v">
-                <p:oleObj spid="_x0000_s53397" name="Формула" r:id="rId19" imgW="253800" imgH="241200" progId="Equation.3">
+                <p:oleObj spid="_x0000_s53475" name="Формула" r:id="rId19" imgW="253800" imgH="241200" progId="Equation.3">
                   <p:embed/>
                 </p:oleObj>
               </mc:Choice>
@@ -12228,13 +8896,7 @@
                       <p:nvPr/>
                     </p:nvPicPr>
                     <p:blipFill>
-                      <a:blip r:embed="rId20">
-                        <a:extLst>
-                          <a:ext uri="{28A0092B-C50C-407E-A947-70E740481C1C}">
-                            <a14:useLocalDpi xmlns:a14="http://schemas.microsoft.com/office/drawing/2010/main" val="0"/>
-                          </a:ext>
-                        </a:extLst>
-                      </a:blip>
+                      <a:blip r:embed="rId20"/>
                       <a:srcRect/>
                       <a:stretch>
                         <a:fillRect/>
@@ -12288,7 +8950,7 @@
           <a:graphicData uri="http://schemas.openxmlformats.org/presentationml/2006/ole">
             <mc:AlternateContent xmlns:mc="http://schemas.openxmlformats.org/markup-compatibility/2006">
               <mc:Choice xmlns:v="urn:schemas-microsoft-com:vml" Requires="v">
-                <p:oleObj spid="_x0000_s53398" name="Формула" r:id="rId21" imgW="228600" imgH="241300" progId="Equation.3">
+                <p:oleObj spid="_x0000_s53476" name="Формула" r:id="rId21" imgW="228600" imgH="241300" progId="Equation.3">
                   <p:embed/>
                 </p:oleObj>
               </mc:Choice>
@@ -12404,7 +9066,7 @@
           <p:nvPr>
             <p:extLst>
               <p:ext uri="{D42A27DB-BD31-4B8C-83A1-F6EECF244321}">
-                <p14:modId xmlns:p14="http://schemas.microsoft.com/office/powerpoint/2010/main" val="2695234762"/>
+                <p14:modId xmlns:p14="http://schemas.microsoft.com/office/powerpoint/2010/main" val="3466569766"/>
               </p:ext>
             </p:extLst>
           </p:nvPr>
@@ -12417,7 +9079,7 @@
           <a:graphicData uri="http://schemas.openxmlformats.org/presentationml/2006/ole">
             <mc:AlternateContent xmlns:mc="http://schemas.openxmlformats.org/markup-compatibility/2006">
               <mc:Choice xmlns:v="urn:schemas-microsoft-com:vml" Requires="v">
-                <p:oleObj spid="_x0000_s53399" name="Формула" r:id="rId23" imgW="1130040" imgH="253800" progId="Equation.3">
+                <p:oleObj spid="_x0000_s53477" name="Формула" r:id="rId23" imgW="1130040" imgH="253800" progId="Equation.3">
                   <p:embed/>
                 </p:oleObj>
               </mc:Choice>
@@ -12433,13 +9095,7 @@
                       <p:nvPr/>
                     </p:nvPicPr>
                     <p:blipFill>
-                      <a:blip r:embed="rId24">
-                        <a:extLst>
-                          <a:ext uri="{28A0092B-C50C-407E-A947-70E740481C1C}">
-                            <a14:useLocalDpi xmlns:a14="http://schemas.microsoft.com/office/drawing/2010/main" val="0"/>
-                          </a:ext>
-                        </a:extLst>
-                      </a:blip>
+                      <a:blip r:embed="rId24"/>
                       <a:srcRect/>
                       <a:stretch>
                         <a:fillRect/>
@@ -12476,7 +9132,7 @@
           <p:cNvPr id="61" name="Прямоугольник 60">
             <a:extLst>
               <a:ext uri="{FF2B5EF4-FFF2-40B4-BE49-F238E27FC236}">
-                <a16:creationId xmlns:a16="http://schemas.microsoft.com/office/drawing/2014/main" id="{9E04601C-F75E-4D02-B7C1-8148ED14A96C}"/>
+                <a16:creationId xmlns:a16="http://schemas.microsoft.com/office/drawing/2014/main" xmlns="" id="{9E04601C-F75E-4D02-B7C1-8148ED14A96C}"/>
               </a:ext>
             </a:extLst>
           </p:cNvPr>
@@ -12485,7 +9141,7 @@
         </p:nvSpPr>
         <p:spPr>
           <a:xfrm>
-            <a:off x="2396007" y="4238423"/>
+            <a:off x="2375091" y="4203360"/>
             <a:ext cx="3779368" cy="307777"/>
           </a:xfrm>
           <a:prstGeom prst="rect">
@@ -12569,20 +9225,20 @@
           <p:nvPr>
             <p:extLst>
               <p:ext uri="{D42A27DB-BD31-4B8C-83A1-F6EECF244321}">
-                <p14:modId xmlns:p14="http://schemas.microsoft.com/office/powerpoint/2010/main" val="1352919225"/>
+                <p14:modId xmlns:p14="http://schemas.microsoft.com/office/powerpoint/2010/main" val="1157573827"/>
               </p:ext>
             </p:extLst>
           </p:nvPr>
         </p:nvGraphicFramePr>
         <p:xfrm>
-          <a:off x="3226604" y="4600717"/>
+          <a:off x="3205688" y="4565654"/>
           <a:ext cx="2212975" cy="215900"/>
         </p:xfrm>
         <a:graphic>
           <a:graphicData uri="http://schemas.openxmlformats.org/presentationml/2006/ole">
             <mc:AlternateContent xmlns:mc="http://schemas.openxmlformats.org/markup-compatibility/2006">
               <mc:Choice xmlns:v="urn:schemas-microsoft-com:vml" Requires="v">
-                <p:oleObj spid="_x0000_s53400" name="Формула" r:id="rId25" imgW="2197080" imgH="228600" progId="Equation.3">
+                <p:oleObj spid="_x0000_s53478" name="Формула" r:id="rId25" imgW="2197080" imgH="228600" progId="Equation.3">
                   <p:embed/>
                 </p:oleObj>
               </mc:Choice>
@@ -12598,13 +9254,7 @@
                       <p:nvPr/>
                     </p:nvPicPr>
                     <p:blipFill>
-                      <a:blip r:embed="rId26">
-                        <a:extLst>
-                          <a:ext uri="{28A0092B-C50C-407E-A947-70E740481C1C}">
-                            <a14:useLocalDpi xmlns:a14="http://schemas.microsoft.com/office/drawing/2010/main" val="0"/>
-                          </a:ext>
-                        </a:extLst>
-                      </a:blip>
+                      <a:blip r:embed="rId26"/>
                       <a:srcRect/>
                       <a:stretch>
                         <a:fillRect/>
@@ -12612,7 +9262,7 @@
                     </p:blipFill>
                     <p:spPr bwMode="auto">
                       <a:xfrm>
-                        <a:off x="3226604" y="4600717"/>
+                        <a:off x="3205688" y="4565654"/>
                         <a:ext cx="2212975" cy="215900"/>
                       </a:xfrm>
                       <a:prstGeom prst="rect">
@@ -12642,22 +9292,28 @@
           <p:cNvGraphicFramePr>
             <a:graphicFrameLocks noChangeAspect="1"/>
           </p:cNvGraphicFramePr>
-          <p:nvPr/>
+          <p:nvPr>
+            <p:extLst>
+              <p:ext uri="{D42A27DB-BD31-4B8C-83A1-F6EECF244321}">
+                <p14:modId xmlns:p14="http://schemas.microsoft.com/office/powerpoint/2010/main" val="301088973"/>
+              </p:ext>
+            </p:extLst>
+          </p:nvPr>
         </p:nvGraphicFramePr>
         <p:xfrm>
-          <a:off x="320675" y="3065463"/>
-          <a:ext cx="1016000" cy="292100"/>
+          <a:off x="327025" y="3065463"/>
+          <a:ext cx="1003300" cy="292100"/>
         </p:xfrm>
         <a:graphic>
           <a:graphicData uri="http://schemas.openxmlformats.org/presentationml/2006/ole">
             <mc:AlternateContent xmlns:mc="http://schemas.openxmlformats.org/markup-compatibility/2006">
               <mc:Choice xmlns:v="urn:schemas-microsoft-com:vml" Requires="v">
-                <p:oleObj spid="_x0000_s53401" name="Формула" r:id="rId27" imgW="1015920" imgH="291960" progId="Equation.3">
+                <p:oleObj spid="_x0000_s53479" name="Формула" r:id="rId27" imgW="1002960" imgH="291960" progId="Equation.3">
                   <p:embed/>
                 </p:oleObj>
               </mc:Choice>
               <mc:Fallback>
-                <p:oleObj name="Формула" r:id="rId27" imgW="1015920" imgH="291960" progId="Equation.3">
+                <p:oleObj name="Формула" r:id="rId27" imgW="1002960" imgH="291960" progId="Equation.3">
                   <p:embed/>
                   <p:pic>
                     <p:nvPicPr>
@@ -12668,13 +9324,7 @@
                       <p:nvPr/>
                     </p:nvPicPr>
                     <p:blipFill>
-                      <a:blip r:embed="rId28">
-                        <a:extLst>
-                          <a:ext uri="{28A0092B-C50C-407E-A947-70E740481C1C}">
-                            <a14:useLocalDpi xmlns:a14="http://schemas.microsoft.com/office/drawing/2010/main" val="0"/>
-                          </a:ext>
-                        </a:extLst>
-                      </a:blip>
+                      <a:blip r:embed="rId28"/>
                       <a:srcRect/>
                       <a:stretch>
                         <a:fillRect/>
@@ -12682,8 +9332,8 @@
                     </p:blipFill>
                     <p:spPr bwMode="auto">
                       <a:xfrm>
-                        <a:off x="320675" y="3065463"/>
-                        <a:ext cx="1016000" cy="292100"/>
+                        <a:off x="327025" y="3065463"/>
+                        <a:ext cx="1003300" cy="292100"/>
                       </a:xfrm>
                       <a:prstGeom prst="rect">
                         <a:avLst/>
@@ -12706,6 +9356,222 @@
           </a:graphicData>
         </a:graphic>
       </p:graphicFrame>
+      <p:sp>
+        <p:nvSpPr>
+          <p:cNvPr id="32" name="Прямоугольник 31"/>
+          <p:cNvSpPr/>
+          <p:nvPr/>
+        </p:nvSpPr>
+        <p:spPr>
+          <a:xfrm>
+            <a:off x="4168702" y="811162"/>
+            <a:ext cx="403298" cy="307777"/>
+          </a:xfrm>
+          <a:prstGeom prst="rect">
+            <a:avLst/>
+          </a:prstGeom>
+        </p:spPr>
+        <p:txBody>
+          <a:bodyPr wrap="square">
+            <a:spAutoFit/>
+          </a:bodyPr>
+          <a:lstStyle/>
+          <a:p>
+            <a:pPr algn="just"/>
+            <a:r>
+              <a:rPr lang="ru-RU" dirty="0" smtClean="0">
+                <a:latin typeface="Times New Roman" panose="02020603050405020304" pitchFamily="18" charset="0"/>
+                <a:ea typeface="Times New Roman" panose="02020603050405020304" pitchFamily="18" charset="0"/>
+              </a:rPr>
+              <a:t>(2)</a:t>
+            </a:r>
+            <a:endParaRPr lang="ru-RU" dirty="0" smtClean="0">
+              <a:latin typeface="Times New Roman" panose="02020603050405020304" pitchFamily="18" charset="0"/>
+              <a:ea typeface="Times New Roman" panose="02020603050405020304" pitchFamily="18" charset="0"/>
+            </a:endParaRPr>
+          </a:p>
+        </p:txBody>
+      </p:sp>
+      <p:sp>
+        <p:nvSpPr>
+          <p:cNvPr id="33" name="Прямоугольник 32"/>
+          <p:cNvSpPr/>
+          <p:nvPr/>
+        </p:nvSpPr>
+        <p:spPr>
+          <a:xfrm>
+            <a:off x="4168702" y="2003396"/>
+            <a:ext cx="403298" cy="307777"/>
+          </a:xfrm>
+          <a:prstGeom prst="rect">
+            <a:avLst/>
+          </a:prstGeom>
+        </p:spPr>
+        <p:txBody>
+          <a:bodyPr wrap="square">
+            <a:spAutoFit/>
+          </a:bodyPr>
+          <a:lstStyle/>
+          <a:p>
+            <a:pPr algn="just"/>
+            <a:r>
+              <a:rPr lang="ru-RU" dirty="0" smtClean="0">
+                <a:latin typeface="Times New Roman" panose="02020603050405020304" pitchFamily="18" charset="0"/>
+                <a:ea typeface="Times New Roman" panose="02020603050405020304" pitchFamily="18" charset="0"/>
+              </a:rPr>
+              <a:t>(3)</a:t>
+            </a:r>
+            <a:endParaRPr lang="ru-RU" dirty="0" smtClean="0">
+              <a:latin typeface="Times New Roman" panose="02020603050405020304" pitchFamily="18" charset="0"/>
+              <a:ea typeface="Times New Roman" panose="02020603050405020304" pitchFamily="18" charset="0"/>
+            </a:endParaRPr>
+          </a:p>
+        </p:txBody>
+      </p:sp>
+      <p:sp>
+        <p:nvSpPr>
+          <p:cNvPr id="34" name="Прямоугольник 33"/>
+          <p:cNvSpPr/>
+          <p:nvPr/>
+        </p:nvSpPr>
+        <p:spPr>
+          <a:xfrm>
+            <a:off x="4168702" y="3027760"/>
+            <a:ext cx="403298" cy="307777"/>
+          </a:xfrm>
+          <a:prstGeom prst="rect">
+            <a:avLst/>
+          </a:prstGeom>
+        </p:spPr>
+        <p:txBody>
+          <a:bodyPr wrap="square">
+            <a:spAutoFit/>
+          </a:bodyPr>
+          <a:lstStyle/>
+          <a:p>
+            <a:pPr algn="just"/>
+            <a:r>
+              <a:rPr lang="ru-RU" dirty="0" smtClean="0">
+                <a:latin typeface="Times New Roman" panose="02020603050405020304" pitchFamily="18" charset="0"/>
+                <a:ea typeface="Times New Roman" panose="02020603050405020304" pitchFamily="18" charset="0"/>
+              </a:rPr>
+              <a:t>(4)</a:t>
+            </a:r>
+            <a:endParaRPr lang="ru-RU" dirty="0" smtClean="0">
+              <a:latin typeface="Times New Roman" panose="02020603050405020304" pitchFamily="18" charset="0"/>
+              <a:ea typeface="Times New Roman" panose="02020603050405020304" pitchFamily="18" charset="0"/>
+            </a:endParaRPr>
+          </a:p>
+        </p:txBody>
+      </p:sp>
+      <p:sp>
+        <p:nvSpPr>
+          <p:cNvPr id="35" name="Прямоугольник 34"/>
+          <p:cNvSpPr/>
+          <p:nvPr/>
+        </p:nvSpPr>
+        <p:spPr>
+          <a:xfrm>
+            <a:off x="8693090" y="1508978"/>
+            <a:ext cx="403298" cy="307777"/>
+          </a:xfrm>
+          <a:prstGeom prst="rect">
+            <a:avLst/>
+          </a:prstGeom>
+        </p:spPr>
+        <p:txBody>
+          <a:bodyPr wrap="square">
+            <a:spAutoFit/>
+          </a:bodyPr>
+          <a:lstStyle/>
+          <a:p>
+            <a:pPr algn="just"/>
+            <a:r>
+              <a:rPr lang="ru-RU" dirty="0" smtClean="0">
+                <a:latin typeface="Times New Roman" panose="02020603050405020304" pitchFamily="18" charset="0"/>
+                <a:ea typeface="Times New Roman" panose="02020603050405020304" pitchFamily="18" charset="0"/>
+              </a:rPr>
+              <a:t>(5)</a:t>
+            </a:r>
+            <a:endParaRPr lang="ru-RU" dirty="0" smtClean="0">
+              <a:latin typeface="Times New Roman" panose="02020603050405020304" pitchFamily="18" charset="0"/>
+              <a:ea typeface="Times New Roman" panose="02020603050405020304" pitchFamily="18" charset="0"/>
+            </a:endParaRPr>
+          </a:p>
+        </p:txBody>
+      </p:sp>
+      <p:sp>
+        <p:nvSpPr>
+          <p:cNvPr id="36" name="Прямоугольник 35"/>
+          <p:cNvSpPr/>
+          <p:nvPr/>
+        </p:nvSpPr>
+        <p:spPr>
+          <a:xfrm>
+            <a:off x="8693090" y="2621788"/>
+            <a:ext cx="403298" cy="307777"/>
+          </a:xfrm>
+          <a:prstGeom prst="rect">
+            <a:avLst/>
+          </a:prstGeom>
+        </p:spPr>
+        <p:txBody>
+          <a:bodyPr wrap="square">
+            <a:spAutoFit/>
+          </a:bodyPr>
+          <a:lstStyle/>
+          <a:p>
+            <a:pPr algn="just"/>
+            <a:r>
+              <a:rPr lang="ru-RU" dirty="0" smtClean="0">
+                <a:latin typeface="Times New Roman" panose="02020603050405020304" pitchFamily="18" charset="0"/>
+                <a:ea typeface="Times New Roman" panose="02020603050405020304" pitchFamily="18" charset="0"/>
+              </a:rPr>
+              <a:t>(6)</a:t>
+            </a:r>
+            <a:endParaRPr lang="ru-RU" dirty="0" smtClean="0">
+              <a:latin typeface="Times New Roman" panose="02020603050405020304" pitchFamily="18" charset="0"/>
+              <a:ea typeface="Times New Roman" panose="02020603050405020304" pitchFamily="18" charset="0"/>
+            </a:endParaRPr>
+          </a:p>
+        </p:txBody>
+      </p:sp>
+      <p:sp>
+        <p:nvSpPr>
+          <p:cNvPr id="37" name="Прямоугольник 36"/>
+          <p:cNvSpPr/>
+          <p:nvPr/>
+        </p:nvSpPr>
+        <p:spPr>
+          <a:xfrm>
+            <a:off x="8693090" y="4436942"/>
+            <a:ext cx="403298" cy="307777"/>
+          </a:xfrm>
+          <a:prstGeom prst="rect">
+            <a:avLst/>
+          </a:prstGeom>
+        </p:spPr>
+        <p:txBody>
+          <a:bodyPr wrap="square">
+            <a:spAutoFit/>
+          </a:bodyPr>
+          <a:lstStyle/>
+          <a:p>
+            <a:pPr algn="just"/>
+            <a:r>
+              <a:rPr lang="ru-RU" dirty="0" smtClean="0">
+                <a:latin typeface="Times New Roman" panose="02020603050405020304" pitchFamily="18" charset="0"/>
+                <a:ea typeface="Times New Roman" panose="02020603050405020304" pitchFamily="18" charset="0"/>
+              </a:rPr>
+              <a:t>(7)</a:t>
+            </a:r>
+            <a:endParaRPr lang="ru-RU" dirty="0" smtClean="0">
+              <a:latin typeface="Times New Roman" panose="02020603050405020304" pitchFamily="18" charset="0"/>
+              <a:ea typeface="Times New Roman" panose="02020603050405020304" pitchFamily="18" charset="0"/>
+            </a:endParaRPr>
+          </a:p>
+        </p:txBody>
+      </p:sp>
     </p:spTree>
     <p:extLst>
       <p:ext uri="{BB962C8B-B14F-4D97-AF65-F5344CB8AC3E}">
@@ -12726,7 +9592,7 @@
 </p:sld>
 </file>
 
-<file path=ppt/slides/slide6.xml><?xml version="1.0" encoding="utf-8"?>
+<file path=ppt/slides/slide5.xml><?xml version="1.0" encoding="utf-8"?>
 <p:sld xmlns:a="http://schemas.openxmlformats.org/drawingml/2006/main" xmlns:r="http://schemas.openxmlformats.org/officeDocument/2006/relationships" xmlns:p="http://schemas.openxmlformats.org/presentationml/2006/main">
   <p:cSld>
     <p:spTree>
@@ -13922,7 +10788,7 @@
           <a:graphicData uri="http://schemas.openxmlformats.org/presentationml/2006/ole">
             <mc:AlternateContent xmlns:mc="http://schemas.openxmlformats.org/markup-compatibility/2006">
               <mc:Choice xmlns:v="urn:schemas-microsoft-com:vml" Requires="v">
-                <p:oleObj spid="_x0000_s52269" name="Формула" r:id="rId3" imgW="1523880" imgH="253800" progId="Equation.3">
+                <p:oleObj spid="_x0000_s52296" name="Формула" r:id="rId3" imgW="1523880" imgH="253800" progId="Equation.3">
                   <p:embed/>
                 </p:oleObj>
               </mc:Choice>
@@ -13998,7 +10864,7 @@
           <a:graphicData uri="http://schemas.openxmlformats.org/presentationml/2006/ole">
             <mc:AlternateContent xmlns:mc="http://schemas.openxmlformats.org/markup-compatibility/2006">
               <mc:Choice xmlns:v="urn:schemas-microsoft-com:vml" Requires="v">
-                <p:oleObj spid="_x0000_s52270" name="Формула" r:id="rId5" imgW="228600" imgH="241300" progId="Equation.3">
+                <p:oleObj spid="_x0000_s52297" name="Формула" r:id="rId5" imgW="228600" imgH="241300" progId="Equation.3">
                   <p:embed/>
                 </p:oleObj>
               </mc:Choice>
@@ -14074,7 +10940,7 @@
           <a:graphicData uri="http://schemas.openxmlformats.org/presentationml/2006/ole">
             <mc:AlternateContent xmlns:mc="http://schemas.openxmlformats.org/markup-compatibility/2006">
               <mc:Choice xmlns:v="urn:schemas-microsoft-com:vml" Requires="v">
-                <p:oleObj spid="_x0000_s52271" name="Формула" r:id="rId7" imgW="2425700" imgH="279400" progId="Equation.3">
+                <p:oleObj spid="_x0000_s52298" name="Формула" r:id="rId7" imgW="2425700" imgH="279400" progId="Equation.3">
                   <p:embed/>
                 </p:oleObj>
               </mc:Choice>
@@ -14150,7 +11016,7 @@
           <a:graphicData uri="http://schemas.openxmlformats.org/presentationml/2006/ole">
             <mc:AlternateContent xmlns:mc="http://schemas.openxmlformats.org/markup-compatibility/2006">
               <mc:Choice xmlns:v="urn:schemas-microsoft-com:vml" Requires="v">
-                <p:oleObj spid="_x0000_s52272" name="Формула" r:id="rId9" imgW="2044440" imgH="253800" progId="Equation.3">
+                <p:oleObj spid="_x0000_s52299" name="Формула" r:id="rId9" imgW="2044440" imgH="253800" progId="Equation.3">
                   <p:embed/>
                 </p:oleObj>
               </mc:Choice>
@@ -14226,7 +11092,7 @@
           <a:graphicData uri="http://schemas.openxmlformats.org/presentationml/2006/ole">
             <mc:AlternateContent xmlns:mc="http://schemas.openxmlformats.org/markup-compatibility/2006">
               <mc:Choice xmlns:v="urn:schemas-microsoft-com:vml" Requires="v">
-                <p:oleObj spid="_x0000_s52273" name="Формула" r:id="rId11" imgW="203040" imgH="215640" progId="Equation.3">
+                <p:oleObj spid="_x0000_s52300" name="Формула" r:id="rId11" imgW="203040" imgH="215640" progId="Equation.3">
                   <p:embed/>
                 </p:oleObj>
               </mc:Choice>
@@ -14365,7 +11231,7 @@
           <a:graphicData uri="http://schemas.openxmlformats.org/presentationml/2006/ole">
             <mc:AlternateContent xmlns:mc="http://schemas.openxmlformats.org/markup-compatibility/2006">
               <mc:Choice xmlns:v="urn:schemas-microsoft-com:vml" Requires="v">
-                <p:oleObj spid="_x0000_s52274" name="Формула" r:id="rId13" imgW="1930400" imgH="508000" progId="Equation.3">
+                <p:oleObj spid="_x0000_s52301" name="Формула" r:id="rId13" imgW="1930400" imgH="508000" progId="Equation.3">
                   <p:embed/>
                 </p:oleObj>
               </mc:Choice>
@@ -14441,7 +11307,7 @@
           <a:graphicData uri="http://schemas.openxmlformats.org/presentationml/2006/ole">
             <mc:AlternateContent xmlns:mc="http://schemas.openxmlformats.org/markup-compatibility/2006">
               <mc:Choice xmlns:v="urn:schemas-microsoft-com:vml" Requires="v">
-                <p:oleObj spid="_x0000_s52275" name="Формула" r:id="rId15" imgW="215640" imgH="241200" progId="Equation.3">
+                <p:oleObj spid="_x0000_s52302" name="Формула" r:id="rId15" imgW="215640" imgH="241200" progId="Equation.3">
                   <p:embed/>
                 </p:oleObj>
               </mc:Choice>
@@ -14517,7 +11383,7 @@
           <a:graphicData uri="http://schemas.openxmlformats.org/presentationml/2006/ole">
             <mc:AlternateContent xmlns:mc="http://schemas.openxmlformats.org/markup-compatibility/2006">
               <mc:Choice xmlns:v="urn:schemas-microsoft-com:vml" Requires="v">
-                <p:oleObj spid="_x0000_s52276" name="Формула" r:id="rId17" imgW="508000" imgH="241300" progId="Equation.3">
+                <p:oleObj spid="_x0000_s52303" name="Формула" r:id="rId17" imgW="508000" imgH="241300" progId="Equation.3">
                   <p:embed/>
                 </p:oleObj>
               </mc:Choice>
@@ -14593,7 +11459,7 @@
           <a:graphicData uri="http://schemas.openxmlformats.org/presentationml/2006/ole">
             <mc:AlternateContent xmlns:mc="http://schemas.openxmlformats.org/markup-compatibility/2006">
               <mc:Choice xmlns:v="urn:schemas-microsoft-com:vml" Requires="v">
-                <p:oleObj spid="_x0000_s52277" name="Формула" r:id="rId19" imgW="1016000" imgH="241300" progId="Equation.3">
+                <p:oleObj spid="_x0000_s52304" name="Формула" r:id="rId19" imgW="1016000" imgH="241300" progId="Equation.3">
                   <p:embed/>
                 </p:oleObj>
               </mc:Choice>
